--- a/GBDT.pptx
+++ b/GBDT.pptx
@@ -15,6 +15,7 @@
     <p:sldId id="267" r:id="rId9"/>
     <p:sldId id="268" r:id="rId10"/>
     <p:sldId id="269" r:id="rId11"/>
+    <p:sldId id="270" r:id="rId12"/>
   </p:sldIdLst>
   <p:sldSz cx="12192000" cy="6858000"/>
   <p:notesSz cx="6858000" cy="9144000"/>
@@ -119,6 +120,6385 @@
     </p:ext>
   </p:extLst>
 </p:presentation>
+</file>
+
+<file path=ppt/charts/chart1.xml><?xml version="1.0" encoding="utf-8"?>
+<c:chartSpace xmlns:c="http://schemas.openxmlformats.org/drawingml/2006/chart" xmlns:a="http://schemas.openxmlformats.org/drawingml/2006/main" xmlns:r="http://schemas.openxmlformats.org/officeDocument/2006/relationships" xmlns:c16r2="http://schemas.microsoft.com/office/drawing/2015/06/chart">
+  <c:date1904 val="0"/>
+  <c:lang val="en-US"/>
+  <c:roundedCorners val="0"/>
+  <mc:AlternateContent xmlns:mc="http://schemas.openxmlformats.org/markup-compatibility/2006">
+    <mc:Choice xmlns:c14="http://schemas.microsoft.com/office/drawing/2007/8/2/chart" Requires="c14">
+      <c14:style val="102"/>
+    </mc:Choice>
+    <mc:Fallback>
+      <c:style val="2"/>
+    </mc:Fallback>
+  </mc:AlternateContent>
+  <c:chart>
+    <c:autoTitleDeleted val="1"/>
+    <c:plotArea>
+      <c:layout/>
+      <c:barChart>
+        <c:barDir val="col"/>
+        <c:grouping val="clustered"/>
+        <c:varyColors val="0"/>
+        <c:ser>
+          <c:idx val="0"/>
+          <c:order val="0"/>
+          <c:tx>
+            <c:strRef>
+              <c:f>Sheet1!$F$2</c:f>
+              <c:strCache>
+                <c:ptCount val="1"/>
+                <c:pt idx="0">
+                  <c:v>Best log-loss</c:v>
+                </c:pt>
+              </c:strCache>
+            </c:strRef>
+          </c:tx>
+          <c:spPr>
+            <a:solidFill>
+              <a:schemeClr val="accent1"/>
+            </a:solidFill>
+            <a:ln>
+              <a:noFill/>
+            </a:ln>
+            <a:effectLst/>
+          </c:spPr>
+          <c:invertIfNegative val="0"/>
+          <c:cat>
+            <c:strRef>
+              <c:f>Sheet1!$E$3:$E$10</c:f>
+              <c:strCache>
+                <c:ptCount val="8"/>
+                <c:pt idx="0">
+                  <c:v>adult</c:v>
+                </c:pt>
+                <c:pt idx="1">
+                  <c:v>amazon</c:v>
+                </c:pt>
+                <c:pt idx="2">
+                  <c:v>bank marketing</c:v>
+                </c:pt>
+                <c:pt idx="3">
+                  <c:v>contraceptive</c:v>
+                </c:pt>
+                <c:pt idx="4">
+                  <c:v>kick</c:v>
+                </c:pt>
+                <c:pt idx="5">
+                  <c:v>land prices</c:v>
+                </c:pt>
+                <c:pt idx="6">
+                  <c:v>poker hand</c:v>
+                </c:pt>
+                <c:pt idx="7">
+                  <c:v>provider</c:v>
+                </c:pt>
+              </c:strCache>
+            </c:strRef>
+          </c:cat>
+          <c:val>
+            <c:numRef>
+              <c:f>Sheet1!$F$3:$F$10</c:f>
+              <c:numCache>
+                <c:formatCode>General</c:formatCode>
+                <c:ptCount val="8"/>
+                <c:pt idx="0">
+                  <c:v>0.26863010360746697</c:v>
+                </c:pt>
+                <c:pt idx="1">
+                  <c:v>0.134557656768931</c:v>
+                </c:pt>
+                <c:pt idx="2">
+                  <c:v>0.171686088015266</c:v>
+                </c:pt>
+                <c:pt idx="3">
+                  <c:v>0.84423284984603497</c:v>
+                </c:pt>
+                <c:pt idx="4">
+                  <c:v>0.28872546440681701</c:v>
+                </c:pt>
+                <c:pt idx="5">
+                  <c:v>0.24528983152735701</c:v>
+                </c:pt>
+                <c:pt idx="6">
+                  <c:v>0.38359593105126999</c:v>
+                </c:pt>
+                <c:pt idx="7">
+                  <c:v>1.29787621563677</c:v>
+                </c:pt>
+              </c:numCache>
+            </c:numRef>
+          </c:val>
+          <c:extLst>
+            <c:ext xmlns:c16="http://schemas.microsoft.com/office/drawing/2014/chart" uri="{C3380CC4-5D6E-409C-BE32-E72D297353CC}">
+              <c16:uniqueId val="{00000000-4746-4670-A963-4A48B23A09B0}"/>
+            </c:ext>
+          </c:extLst>
+        </c:ser>
+        <c:ser>
+          <c:idx val="1"/>
+          <c:order val="1"/>
+          <c:tx>
+            <c:strRef>
+              <c:f>Sheet1!$G$2</c:f>
+              <c:strCache>
+                <c:ptCount val="1"/>
+                <c:pt idx="0">
+                  <c:v>Random guess log-loss</c:v>
+                </c:pt>
+              </c:strCache>
+            </c:strRef>
+          </c:tx>
+          <c:spPr>
+            <a:solidFill>
+              <a:schemeClr val="accent2"/>
+            </a:solidFill>
+            <a:ln>
+              <a:noFill/>
+            </a:ln>
+            <a:effectLst/>
+          </c:spPr>
+          <c:invertIfNegative val="0"/>
+          <c:cat>
+            <c:strRef>
+              <c:f>Sheet1!$E$3:$E$10</c:f>
+              <c:strCache>
+                <c:ptCount val="8"/>
+                <c:pt idx="0">
+                  <c:v>adult</c:v>
+                </c:pt>
+                <c:pt idx="1">
+                  <c:v>amazon</c:v>
+                </c:pt>
+                <c:pt idx="2">
+                  <c:v>bank marketing</c:v>
+                </c:pt>
+                <c:pt idx="3">
+                  <c:v>contraceptive</c:v>
+                </c:pt>
+                <c:pt idx="4">
+                  <c:v>kick</c:v>
+                </c:pt>
+                <c:pt idx="5">
+                  <c:v>land prices</c:v>
+                </c:pt>
+                <c:pt idx="6">
+                  <c:v>poker hand</c:v>
+                </c:pt>
+                <c:pt idx="7">
+                  <c:v>provider</c:v>
+                </c:pt>
+              </c:strCache>
+            </c:strRef>
+          </c:cat>
+          <c:val>
+            <c:numRef>
+              <c:f>Sheet1!$G$3:$G$10</c:f>
+              <c:numCache>
+                <c:formatCode>General</c:formatCode>
+                <c:ptCount val="8"/>
+                <c:pt idx="0">
+                  <c:v>0.55000000000000004</c:v>
+                </c:pt>
+                <c:pt idx="1">
+                  <c:v>0.22</c:v>
+                </c:pt>
+                <c:pt idx="2">
+                  <c:v>0.34649999999999997</c:v>
+                </c:pt>
+                <c:pt idx="3">
+                  <c:v>1.0668</c:v>
+                </c:pt>
+                <c:pt idx="4">
+                  <c:v>0.3669</c:v>
+                </c:pt>
+                <c:pt idx="5">
+                  <c:v>1.42</c:v>
+                </c:pt>
+                <c:pt idx="6">
+                  <c:v>0.98560000000000003</c:v>
+                </c:pt>
+                <c:pt idx="7">
+                  <c:v>1.3862788839570801</c:v>
+                </c:pt>
+              </c:numCache>
+            </c:numRef>
+          </c:val>
+          <c:extLst>
+            <c:ext xmlns:c16="http://schemas.microsoft.com/office/drawing/2014/chart" uri="{C3380CC4-5D6E-409C-BE32-E72D297353CC}">
+              <c16:uniqueId val="{00000001-4746-4670-A963-4A48B23A09B0}"/>
+            </c:ext>
+          </c:extLst>
+        </c:ser>
+        <c:dLbls>
+          <c:showLegendKey val="0"/>
+          <c:showVal val="0"/>
+          <c:showCatName val="0"/>
+          <c:showSerName val="0"/>
+          <c:showPercent val="0"/>
+          <c:showBubbleSize val="0"/>
+        </c:dLbls>
+        <c:gapWidth val="208"/>
+        <c:overlap val="-27"/>
+        <c:axId val="1976328304"/>
+        <c:axId val="28993184"/>
+      </c:barChart>
+      <c:catAx>
+        <c:axId val="1976328304"/>
+        <c:scaling>
+          <c:orientation val="minMax"/>
+        </c:scaling>
+        <c:delete val="0"/>
+        <c:axPos val="b"/>
+        <c:numFmt formatCode="General" sourceLinked="1"/>
+        <c:majorTickMark val="none"/>
+        <c:minorTickMark val="none"/>
+        <c:tickLblPos val="nextTo"/>
+        <c:spPr>
+          <a:noFill/>
+          <a:ln w="9525" cap="flat" cmpd="sng" algn="ctr">
+            <a:solidFill>
+              <a:schemeClr val="tx1">
+                <a:lumMod val="15000"/>
+                <a:lumOff val="85000"/>
+              </a:schemeClr>
+            </a:solidFill>
+            <a:round/>
+          </a:ln>
+          <a:effectLst/>
+        </c:spPr>
+        <c:txPr>
+          <a:bodyPr rot="-60000000" spcFirstLastPara="1" vertOverflow="ellipsis" vert="horz" wrap="square" anchor="ctr" anchorCtr="1"/>
+          <a:lstStyle/>
+          <a:p>
+            <a:pPr>
+              <a:defRPr sz="900" b="0" i="0" u="none" strike="noStrike" kern="1200" baseline="0">
+                <a:solidFill>
+                  <a:schemeClr val="tx1">
+                    <a:lumMod val="65000"/>
+                    <a:lumOff val="35000"/>
+                  </a:schemeClr>
+                </a:solidFill>
+                <a:latin typeface="+mn-lt"/>
+                <a:ea typeface="+mn-ea"/>
+                <a:cs typeface="+mn-cs"/>
+              </a:defRPr>
+            </a:pPr>
+            <a:endParaRPr lang="en-US"/>
+          </a:p>
+        </c:txPr>
+        <c:crossAx val="28993184"/>
+        <c:crosses val="autoZero"/>
+        <c:auto val="1"/>
+        <c:lblAlgn val="ctr"/>
+        <c:lblOffset val="100"/>
+        <c:noMultiLvlLbl val="0"/>
+      </c:catAx>
+      <c:valAx>
+        <c:axId val="28993184"/>
+        <c:scaling>
+          <c:orientation val="minMax"/>
+        </c:scaling>
+        <c:delete val="0"/>
+        <c:axPos val="l"/>
+        <c:majorGridlines>
+          <c:spPr>
+            <a:ln w="9525" cap="flat" cmpd="sng" algn="ctr">
+              <a:solidFill>
+                <a:schemeClr val="tx1">
+                  <a:lumMod val="15000"/>
+                  <a:lumOff val="85000"/>
+                </a:schemeClr>
+              </a:solidFill>
+              <a:round/>
+            </a:ln>
+            <a:effectLst/>
+          </c:spPr>
+        </c:majorGridlines>
+        <c:title>
+          <c:tx>
+            <c:rich>
+              <a:bodyPr rot="-5400000" spcFirstLastPara="1" vertOverflow="ellipsis" vert="horz" wrap="square" anchor="ctr" anchorCtr="1"/>
+              <a:lstStyle/>
+              <a:p>
+                <a:pPr>
+                  <a:defRPr sz="1000" b="0" i="0" u="none" strike="noStrike" kern="1200" baseline="0">
+                    <a:solidFill>
+                      <a:schemeClr val="tx1">
+                        <a:lumMod val="65000"/>
+                        <a:lumOff val="35000"/>
+                      </a:schemeClr>
+                    </a:solidFill>
+                    <a:latin typeface="+mn-lt"/>
+                    <a:ea typeface="+mn-ea"/>
+                    <a:cs typeface="+mn-cs"/>
+                  </a:defRPr>
+                </a:pPr>
+                <a:r>
+                  <a:rPr lang="en-IN" dirty="0"/>
+                  <a:t>Log-loss</a:t>
+                </a:r>
+              </a:p>
+            </c:rich>
+          </c:tx>
+          <c:overlay val="0"/>
+          <c:spPr>
+            <a:noFill/>
+            <a:ln>
+              <a:noFill/>
+            </a:ln>
+            <a:effectLst/>
+          </c:spPr>
+          <c:txPr>
+            <a:bodyPr rot="-5400000" spcFirstLastPara="1" vertOverflow="ellipsis" vert="horz" wrap="square" anchor="ctr" anchorCtr="1"/>
+            <a:lstStyle/>
+            <a:p>
+              <a:pPr>
+                <a:defRPr sz="1000" b="0" i="0" u="none" strike="noStrike" kern="1200" baseline="0">
+                  <a:solidFill>
+                    <a:schemeClr val="tx1">
+                      <a:lumMod val="65000"/>
+                      <a:lumOff val="35000"/>
+                    </a:schemeClr>
+                  </a:solidFill>
+                  <a:latin typeface="+mn-lt"/>
+                  <a:ea typeface="+mn-ea"/>
+                  <a:cs typeface="+mn-cs"/>
+                </a:defRPr>
+              </a:pPr>
+              <a:endParaRPr lang="en-US"/>
+            </a:p>
+          </c:txPr>
+        </c:title>
+        <c:numFmt formatCode="General" sourceLinked="1"/>
+        <c:majorTickMark val="none"/>
+        <c:minorTickMark val="none"/>
+        <c:tickLblPos val="nextTo"/>
+        <c:spPr>
+          <a:noFill/>
+          <a:ln>
+            <a:noFill/>
+          </a:ln>
+          <a:effectLst/>
+        </c:spPr>
+        <c:txPr>
+          <a:bodyPr rot="-60000000" spcFirstLastPara="1" vertOverflow="ellipsis" vert="horz" wrap="square" anchor="ctr" anchorCtr="1"/>
+          <a:lstStyle/>
+          <a:p>
+            <a:pPr>
+              <a:defRPr sz="900" b="0" i="0" u="none" strike="noStrike" kern="1200" baseline="0">
+                <a:solidFill>
+                  <a:schemeClr val="tx1">
+                    <a:lumMod val="65000"/>
+                    <a:lumOff val="35000"/>
+                  </a:schemeClr>
+                </a:solidFill>
+                <a:latin typeface="+mn-lt"/>
+                <a:ea typeface="+mn-ea"/>
+                <a:cs typeface="+mn-cs"/>
+              </a:defRPr>
+            </a:pPr>
+            <a:endParaRPr lang="en-US"/>
+          </a:p>
+        </c:txPr>
+        <c:crossAx val="1976328304"/>
+        <c:crosses val="autoZero"/>
+        <c:crossBetween val="between"/>
+      </c:valAx>
+      <c:spPr>
+        <a:noFill/>
+        <a:ln>
+          <a:noFill/>
+        </a:ln>
+        <a:effectLst/>
+      </c:spPr>
+    </c:plotArea>
+    <c:legend>
+      <c:legendPos val="b"/>
+      <c:overlay val="0"/>
+      <c:spPr>
+        <a:noFill/>
+        <a:ln>
+          <a:noFill/>
+        </a:ln>
+        <a:effectLst/>
+      </c:spPr>
+      <c:txPr>
+        <a:bodyPr rot="0" spcFirstLastPara="1" vertOverflow="ellipsis" vert="horz" wrap="square" anchor="ctr" anchorCtr="1"/>
+        <a:lstStyle/>
+        <a:p>
+          <a:pPr>
+            <a:defRPr sz="900" b="0" i="0" u="none" strike="noStrike" kern="1200" baseline="0">
+              <a:solidFill>
+                <a:schemeClr val="tx1">
+                  <a:lumMod val="65000"/>
+                  <a:lumOff val="35000"/>
+                </a:schemeClr>
+              </a:solidFill>
+              <a:latin typeface="+mn-lt"/>
+              <a:ea typeface="+mn-ea"/>
+              <a:cs typeface="+mn-cs"/>
+            </a:defRPr>
+          </a:pPr>
+          <a:endParaRPr lang="en-US"/>
+        </a:p>
+      </c:txPr>
+    </c:legend>
+    <c:plotVisOnly val="1"/>
+    <c:dispBlanksAs val="gap"/>
+    <c:extLst>
+      <c:ext xmlns:c16r3="http://schemas.microsoft.com/office/drawing/2017/03/chart" uri="{56B9EC1D-385E-4148-901F-78D8002777C0}">
+        <c16r3:dataDisplayOptions16>
+          <c16r3:dispNaAsBlank val="1"/>
+        </c16r3:dataDisplayOptions16>
+      </c:ext>
+    </c:extLst>
+    <c:showDLblsOverMax val="0"/>
+  </c:chart>
+  <c:spPr>
+    <a:noFill/>
+    <a:ln>
+      <a:noFill/>
+    </a:ln>
+    <a:effectLst/>
+  </c:spPr>
+  <c:txPr>
+    <a:bodyPr/>
+    <a:lstStyle/>
+    <a:p>
+      <a:pPr>
+        <a:defRPr/>
+      </a:pPr>
+      <a:endParaRPr lang="en-US"/>
+    </a:p>
+  </c:txPr>
+  <c:externalData r:id="rId3">
+    <c:autoUpdate val="0"/>
+  </c:externalData>
+</c:chartSpace>
+</file>
+
+<file path=ppt/charts/chart2.xml><?xml version="1.0" encoding="utf-8"?>
+<c:chartSpace xmlns:c="http://schemas.openxmlformats.org/drawingml/2006/chart" xmlns:a="http://schemas.openxmlformats.org/drawingml/2006/main" xmlns:r="http://schemas.openxmlformats.org/officeDocument/2006/relationships" xmlns:c16r2="http://schemas.microsoft.com/office/drawing/2015/06/chart">
+  <c:date1904 val="0"/>
+  <c:lang val="en-US"/>
+  <c:roundedCorners val="0"/>
+  <mc:AlternateContent xmlns:mc="http://schemas.openxmlformats.org/markup-compatibility/2006">
+    <mc:Choice xmlns:c14="http://schemas.microsoft.com/office/drawing/2007/8/2/chart" Requires="c14">
+      <c14:style val="102"/>
+    </mc:Choice>
+    <mc:Fallback>
+      <c:style val="2"/>
+    </mc:Fallback>
+  </mc:AlternateContent>
+  <c:chart>
+    <c:title>
+      <c:tx>
+        <c:rich>
+          <a:bodyPr rot="0" spcFirstLastPara="1" vertOverflow="ellipsis" vert="horz" wrap="square" anchor="ctr" anchorCtr="1"/>
+          <a:lstStyle/>
+          <a:p>
+            <a:pPr>
+              <a:defRPr sz="2128" b="1" i="0" u="none" strike="noStrike" kern="1200" spc="100" baseline="0">
+                <a:solidFill>
+                  <a:schemeClr val="lt1">
+                    <a:lumMod val="95000"/>
+                  </a:schemeClr>
+                </a:solidFill>
+                <a:effectLst>
+                  <a:outerShdw blurRad="50800" dist="38100" dir="5400000" algn="t" rotWithShape="0">
+                    <a:prstClr val="black">
+                      <a:alpha val="40000"/>
+                    </a:prstClr>
+                  </a:outerShdw>
+                </a:effectLst>
+                <a:latin typeface="+mn-lt"/>
+                <a:ea typeface="+mn-ea"/>
+                <a:cs typeface="+mn-cs"/>
+              </a:defRPr>
+            </a:pPr>
+            <a:r>
+              <a:rPr lang="en-IN"/>
+              <a:t>Amazon</a:t>
+            </a:r>
+          </a:p>
+        </c:rich>
+      </c:tx>
+      <c:overlay val="0"/>
+      <c:spPr>
+        <a:noFill/>
+        <a:ln>
+          <a:noFill/>
+        </a:ln>
+        <a:effectLst/>
+      </c:spPr>
+      <c:txPr>
+        <a:bodyPr rot="0" spcFirstLastPara="1" vertOverflow="ellipsis" vert="horz" wrap="square" anchor="ctr" anchorCtr="1"/>
+        <a:lstStyle/>
+        <a:p>
+          <a:pPr>
+            <a:defRPr sz="2128" b="1" i="0" u="none" strike="noStrike" kern="1200" spc="100" baseline="0">
+              <a:solidFill>
+                <a:schemeClr val="lt1">
+                  <a:lumMod val="95000"/>
+                </a:schemeClr>
+              </a:solidFill>
+              <a:effectLst>
+                <a:outerShdw blurRad="50800" dist="38100" dir="5400000" algn="t" rotWithShape="0">
+                  <a:prstClr val="black">
+                    <a:alpha val="40000"/>
+                  </a:prstClr>
+                </a:outerShdw>
+              </a:effectLst>
+              <a:latin typeface="+mn-lt"/>
+              <a:ea typeface="+mn-ea"/>
+              <a:cs typeface="+mn-cs"/>
+            </a:defRPr>
+          </a:pPr>
+          <a:endParaRPr lang="en-US"/>
+        </a:p>
+      </c:txPr>
+    </c:title>
+    <c:autoTitleDeleted val="0"/>
+    <c:plotArea>
+      <c:layout/>
+      <c:barChart>
+        <c:barDir val="col"/>
+        <c:grouping val="clustered"/>
+        <c:varyColors val="0"/>
+        <c:ser>
+          <c:idx val="0"/>
+          <c:order val="0"/>
+          <c:tx>
+            <c:strRef>
+              <c:f>amazon!$H$2</c:f>
+              <c:strCache>
+                <c:ptCount val="1"/>
+                <c:pt idx="0">
+                  <c:v>one hot</c:v>
+                </c:pt>
+              </c:strCache>
+            </c:strRef>
+          </c:tx>
+          <c:spPr>
+            <a:gradFill rotWithShape="1">
+              <a:gsLst>
+                <a:gs pos="0">
+                  <a:schemeClr val="accent1">
+                    <a:tint val="98000"/>
+                    <a:lumMod val="114000"/>
+                  </a:schemeClr>
+                </a:gs>
+                <a:gs pos="100000">
+                  <a:schemeClr val="accent1">
+                    <a:shade val="90000"/>
+                    <a:lumMod val="84000"/>
+                  </a:schemeClr>
+                </a:gs>
+              </a:gsLst>
+              <a:lin ang="5400000" scaled="0"/>
+            </a:gradFill>
+            <a:ln>
+              <a:noFill/>
+            </a:ln>
+            <a:effectLst>
+              <a:outerShdw blurRad="63500" dist="38100" dir="5400000" rotWithShape="0">
+                <a:srgbClr val="000000">
+                  <a:alpha val="60000"/>
+                </a:srgbClr>
+              </a:outerShdw>
+            </a:effectLst>
+            <a:scene3d>
+              <a:camera prst="orthographicFront">
+                <a:rot lat="0" lon="0" rev="0"/>
+              </a:camera>
+              <a:lightRig rig="threePt" dir="tl"/>
+            </a:scene3d>
+            <a:sp3d prstMaterial="plastic">
+              <a:bevelT w="0" h="0"/>
+            </a:sp3d>
+          </c:spPr>
+          <c:invertIfNegative val="0"/>
+          <c:cat>
+            <c:strRef>
+              <c:f>amazon!$I$1:$L$1</c:f>
+              <c:strCache>
+                <c:ptCount val="4"/>
+                <c:pt idx="0">
+                  <c:v>RF</c:v>
+                </c:pt>
+                <c:pt idx="1">
+                  <c:v>XGBoost</c:v>
+                </c:pt>
+                <c:pt idx="2">
+                  <c:v>LightGBM</c:v>
+                </c:pt>
+                <c:pt idx="3">
+                  <c:v>CatBoost</c:v>
+                </c:pt>
+              </c:strCache>
+            </c:strRef>
+          </c:cat>
+          <c:val>
+            <c:numRef>
+              <c:f>amazon!$I$2:$L$2</c:f>
+              <c:numCache>
+                <c:formatCode>General</c:formatCode>
+                <c:ptCount val="4"/>
+                <c:pt idx="0">
+                  <c:v>0.20896681984902801</c:v>
+                </c:pt>
+                <c:pt idx="1">
+                  <c:v>0.152586890733905</c:v>
+                </c:pt>
+                <c:pt idx="2">
+                  <c:v>0.161797921586502</c:v>
+                </c:pt>
+                <c:pt idx="3">
+                  <c:v>0.15165360130727801</c:v>
+                </c:pt>
+              </c:numCache>
+            </c:numRef>
+          </c:val>
+          <c:extLst>
+            <c:ext xmlns:c16="http://schemas.microsoft.com/office/drawing/2014/chart" uri="{C3380CC4-5D6E-409C-BE32-E72D297353CC}">
+              <c16:uniqueId val="{00000000-2E53-4CD8-A4D2-E72C52B1F925}"/>
+            </c:ext>
+          </c:extLst>
+        </c:ser>
+        <c:ser>
+          <c:idx val="1"/>
+          <c:order val="1"/>
+          <c:tx>
+            <c:strRef>
+              <c:f>amazon!$H$3</c:f>
+              <c:strCache>
+                <c:ptCount val="1"/>
+                <c:pt idx="0">
+                  <c:v>target</c:v>
+                </c:pt>
+              </c:strCache>
+            </c:strRef>
+          </c:tx>
+          <c:spPr>
+            <a:gradFill rotWithShape="1">
+              <a:gsLst>
+                <a:gs pos="0">
+                  <a:schemeClr val="accent2">
+                    <a:tint val="98000"/>
+                    <a:lumMod val="114000"/>
+                  </a:schemeClr>
+                </a:gs>
+                <a:gs pos="100000">
+                  <a:schemeClr val="accent2">
+                    <a:shade val="90000"/>
+                    <a:lumMod val="84000"/>
+                  </a:schemeClr>
+                </a:gs>
+              </a:gsLst>
+              <a:lin ang="5400000" scaled="0"/>
+            </a:gradFill>
+            <a:ln>
+              <a:noFill/>
+            </a:ln>
+            <a:effectLst>
+              <a:outerShdw blurRad="63500" dist="38100" dir="5400000" rotWithShape="0">
+                <a:srgbClr val="000000">
+                  <a:alpha val="60000"/>
+                </a:srgbClr>
+              </a:outerShdw>
+            </a:effectLst>
+            <a:scene3d>
+              <a:camera prst="orthographicFront">
+                <a:rot lat="0" lon="0" rev="0"/>
+              </a:camera>
+              <a:lightRig rig="threePt" dir="tl"/>
+            </a:scene3d>
+            <a:sp3d prstMaterial="plastic">
+              <a:bevelT w="0" h="0"/>
+            </a:sp3d>
+          </c:spPr>
+          <c:invertIfNegative val="0"/>
+          <c:cat>
+            <c:strRef>
+              <c:f>amazon!$I$1:$L$1</c:f>
+              <c:strCache>
+                <c:ptCount val="4"/>
+                <c:pt idx="0">
+                  <c:v>RF</c:v>
+                </c:pt>
+                <c:pt idx="1">
+                  <c:v>XGBoost</c:v>
+                </c:pt>
+                <c:pt idx="2">
+                  <c:v>LightGBM</c:v>
+                </c:pt>
+                <c:pt idx="3">
+                  <c:v>CatBoost</c:v>
+                </c:pt>
+              </c:strCache>
+            </c:strRef>
+          </c:cat>
+          <c:val>
+            <c:numRef>
+              <c:f>amazon!$I$3:$L$3</c:f>
+              <c:numCache>
+                <c:formatCode>General</c:formatCode>
+                <c:ptCount val="4"/>
+                <c:pt idx="0">
+                  <c:v>0.18587484271107699</c:v>
+                </c:pt>
+                <c:pt idx="1">
+                  <c:v>0.33011966713028901</c:v>
+                </c:pt>
+                <c:pt idx="2">
+                  <c:v>0.25741068314212201</c:v>
+                </c:pt>
+                <c:pt idx="3">
+                  <c:v>0.198087742091799</c:v>
+                </c:pt>
+              </c:numCache>
+            </c:numRef>
+          </c:val>
+          <c:extLst>
+            <c:ext xmlns:c16="http://schemas.microsoft.com/office/drawing/2014/chart" uri="{C3380CC4-5D6E-409C-BE32-E72D297353CC}">
+              <c16:uniqueId val="{00000001-2E53-4CD8-A4D2-E72C52B1F925}"/>
+            </c:ext>
+          </c:extLst>
+        </c:ser>
+        <c:ser>
+          <c:idx val="2"/>
+          <c:order val="2"/>
+          <c:tx>
+            <c:strRef>
+              <c:f>amazon!$H$4</c:f>
+              <c:strCache>
+                <c:ptCount val="1"/>
+                <c:pt idx="0">
+                  <c:v>mixed</c:v>
+                </c:pt>
+              </c:strCache>
+            </c:strRef>
+          </c:tx>
+          <c:spPr>
+            <a:gradFill rotWithShape="1">
+              <a:gsLst>
+                <a:gs pos="0">
+                  <a:schemeClr val="accent3">
+                    <a:tint val="98000"/>
+                    <a:lumMod val="114000"/>
+                  </a:schemeClr>
+                </a:gs>
+                <a:gs pos="100000">
+                  <a:schemeClr val="accent3">
+                    <a:shade val="90000"/>
+                    <a:lumMod val="84000"/>
+                  </a:schemeClr>
+                </a:gs>
+              </a:gsLst>
+              <a:lin ang="5400000" scaled="0"/>
+            </a:gradFill>
+            <a:ln>
+              <a:noFill/>
+            </a:ln>
+            <a:effectLst>
+              <a:outerShdw blurRad="63500" dist="38100" dir="5400000" rotWithShape="0">
+                <a:srgbClr val="000000">
+                  <a:alpha val="60000"/>
+                </a:srgbClr>
+              </a:outerShdw>
+            </a:effectLst>
+            <a:scene3d>
+              <a:camera prst="orthographicFront">
+                <a:rot lat="0" lon="0" rev="0"/>
+              </a:camera>
+              <a:lightRig rig="threePt" dir="tl"/>
+            </a:scene3d>
+            <a:sp3d prstMaterial="plastic">
+              <a:bevelT w="0" h="0"/>
+            </a:sp3d>
+          </c:spPr>
+          <c:invertIfNegative val="0"/>
+          <c:cat>
+            <c:strRef>
+              <c:f>amazon!$I$1:$L$1</c:f>
+              <c:strCache>
+                <c:ptCount val="4"/>
+                <c:pt idx="0">
+                  <c:v>RF</c:v>
+                </c:pt>
+                <c:pt idx="1">
+                  <c:v>XGBoost</c:v>
+                </c:pt>
+                <c:pt idx="2">
+                  <c:v>LightGBM</c:v>
+                </c:pt>
+                <c:pt idx="3">
+                  <c:v>CatBoost</c:v>
+                </c:pt>
+              </c:strCache>
+            </c:strRef>
+          </c:cat>
+          <c:val>
+            <c:numRef>
+              <c:f>amazon!$I$4:$L$4</c:f>
+              <c:numCache>
+                <c:formatCode>General</c:formatCode>
+                <c:ptCount val="4"/>
+                <c:pt idx="0">
+                  <c:v>0.183109134207386</c:v>
+                </c:pt>
+                <c:pt idx="1">
+                  <c:v>0.54510265664341295</c:v>
+                </c:pt>
+                <c:pt idx="2">
+                  <c:v>0.24439324371913099</c:v>
+                </c:pt>
+                <c:pt idx="3">
+                  <c:v>0.21978937804280901</c:v>
+                </c:pt>
+              </c:numCache>
+            </c:numRef>
+          </c:val>
+          <c:extLst>
+            <c:ext xmlns:c16="http://schemas.microsoft.com/office/drawing/2014/chart" uri="{C3380CC4-5D6E-409C-BE32-E72D297353CC}">
+              <c16:uniqueId val="{00000002-2E53-4CD8-A4D2-E72C52B1F925}"/>
+            </c:ext>
+          </c:extLst>
+        </c:ser>
+        <c:ser>
+          <c:idx val="3"/>
+          <c:order val="3"/>
+          <c:tx>
+            <c:strRef>
+              <c:f>amazon!$H$5</c:f>
+              <c:strCache>
+                <c:ptCount val="1"/>
+                <c:pt idx="0">
+                  <c:v>native</c:v>
+                </c:pt>
+              </c:strCache>
+            </c:strRef>
+          </c:tx>
+          <c:spPr>
+            <a:gradFill rotWithShape="1">
+              <a:gsLst>
+                <a:gs pos="0">
+                  <a:schemeClr val="accent4">
+                    <a:tint val="98000"/>
+                    <a:lumMod val="114000"/>
+                  </a:schemeClr>
+                </a:gs>
+                <a:gs pos="100000">
+                  <a:schemeClr val="accent4">
+                    <a:shade val="90000"/>
+                    <a:lumMod val="84000"/>
+                  </a:schemeClr>
+                </a:gs>
+              </a:gsLst>
+              <a:lin ang="5400000" scaled="0"/>
+            </a:gradFill>
+            <a:ln>
+              <a:noFill/>
+            </a:ln>
+            <a:effectLst>
+              <a:outerShdw blurRad="63500" dist="38100" dir="5400000" rotWithShape="0">
+                <a:srgbClr val="000000">
+                  <a:alpha val="60000"/>
+                </a:srgbClr>
+              </a:outerShdw>
+            </a:effectLst>
+            <a:scene3d>
+              <a:camera prst="orthographicFront">
+                <a:rot lat="0" lon="0" rev="0"/>
+              </a:camera>
+              <a:lightRig rig="threePt" dir="tl"/>
+            </a:scene3d>
+            <a:sp3d prstMaterial="plastic">
+              <a:bevelT w="0" h="0"/>
+            </a:sp3d>
+          </c:spPr>
+          <c:invertIfNegative val="0"/>
+          <c:cat>
+            <c:strRef>
+              <c:f>amazon!$I$1:$L$1</c:f>
+              <c:strCache>
+                <c:ptCount val="4"/>
+                <c:pt idx="0">
+                  <c:v>RF</c:v>
+                </c:pt>
+                <c:pt idx="1">
+                  <c:v>XGBoost</c:v>
+                </c:pt>
+                <c:pt idx="2">
+                  <c:v>LightGBM</c:v>
+                </c:pt>
+                <c:pt idx="3">
+                  <c:v>CatBoost</c:v>
+                </c:pt>
+              </c:strCache>
+            </c:strRef>
+          </c:cat>
+          <c:val>
+            <c:numRef>
+              <c:f>amazon!$I$5:$L$5</c:f>
+              <c:numCache>
+                <c:formatCode>General</c:formatCode>
+                <c:ptCount val="4"/>
+                <c:pt idx="0">
+                  <c:v>0</c:v>
+                </c:pt>
+                <c:pt idx="1">
+                  <c:v>0</c:v>
+                </c:pt>
+                <c:pt idx="2">
+                  <c:v>0.152081093552946</c:v>
+                </c:pt>
+                <c:pt idx="3">
+                  <c:v>0.134557656768931</c:v>
+                </c:pt>
+              </c:numCache>
+            </c:numRef>
+          </c:val>
+          <c:extLst>
+            <c:ext xmlns:c16="http://schemas.microsoft.com/office/drawing/2014/chart" uri="{C3380CC4-5D6E-409C-BE32-E72D297353CC}">
+              <c16:uniqueId val="{00000003-2E53-4CD8-A4D2-E72C52B1F925}"/>
+            </c:ext>
+          </c:extLst>
+        </c:ser>
+        <c:dLbls>
+          <c:showLegendKey val="0"/>
+          <c:showVal val="0"/>
+          <c:showCatName val="0"/>
+          <c:showSerName val="0"/>
+          <c:showPercent val="0"/>
+          <c:showBubbleSize val="0"/>
+        </c:dLbls>
+        <c:gapWidth val="219"/>
+        <c:overlap val="-27"/>
+        <c:axId val="214483312"/>
+        <c:axId val="2076995248"/>
+      </c:barChart>
+      <c:lineChart>
+        <c:grouping val="standard"/>
+        <c:varyColors val="0"/>
+        <c:ser>
+          <c:idx val="4"/>
+          <c:order val="4"/>
+          <c:tx>
+            <c:strRef>
+              <c:f>amazon!$H$6</c:f>
+              <c:strCache>
+                <c:ptCount val="1"/>
+                <c:pt idx="0">
+                  <c:v>Random log-loss</c:v>
+                </c:pt>
+              </c:strCache>
+            </c:strRef>
+          </c:tx>
+          <c:spPr>
+            <a:ln w="34925" cap="rnd">
+              <a:solidFill>
+                <a:schemeClr val="accent5"/>
+              </a:solidFill>
+              <a:round/>
+            </a:ln>
+            <a:effectLst>
+              <a:outerShdw blurRad="63500" dist="38100" dir="5400000" rotWithShape="0">
+                <a:srgbClr val="000000">
+                  <a:alpha val="60000"/>
+                </a:srgbClr>
+              </a:outerShdw>
+            </a:effectLst>
+          </c:spPr>
+          <c:marker>
+            <c:symbol val="none"/>
+          </c:marker>
+          <c:cat>
+            <c:strRef>
+              <c:f>amazon!$I$1:$L$1</c:f>
+              <c:strCache>
+                <c:ptCount val="4"/>
+                <c:pt idx="0">
+                  <c:v>RF</c:v>
+                </c:pt>
+                <c:pt idx="1">
+                  <c:v>XGBoost</c:v>
+                </c:pt>
+                <c:pt idx="2">
+                  <c:v>LightGBM</c:v>
+                </c:pt>
+                <c:pt idx="3">
+                  <c:v>CatBoost</c:v>
+                </c:pt>
+              </c:strCache>
+            </c:strRef>
+          </c:cat>
+          <c:val>
+            <c:numRef>
+              <c:f>amazon!$I$6:$L$6</c:f>
+              <c:numCache>
+                <c:formatCode>General</c:formatCode>
+                <c:ptCount val="4"/>
+                <c:pt idx="0">
+                  <c:v>0.22</c:v>
+                </c:pt>
+                <c:pt idx="1">
+                  <c:v>0.22</c:v>
+                </c:pt>
+                <c:pt idx="2">
+                  <c:v>0.22</c:v>
+                </c:pt>
+                <c:pt idx="3">
+                  <c:v>0.22</c:v>
+                </c:pt>
+              </c:numCache>
+            </c:numRef>
+          </c:val>
+          <c:smooth val="0"/>
+          <c:extLst>
+            <c:ext xmlns:c16="http://schemas.microsoft.com/office/drawing/2014/chart" uri="{C3380CC4-5D6E-409C-BE32-E72D297353CC}">
+              <c16:uniqueId val="{00000004-2E53-4CD8-A4D2-E72C52B1F925}"/>
+            </c:ext>
+          </c:extLst>
+        </c:ser>
+        <c:dLbls>
+          <c:showLegendKey val="0"/>
+          <c:showVal val="0"/>
+          <c:showCatName val="0"/>
+          <c:showSerName val="0"/>
+          <c:showPercent val="0"/>
+          <c:showBubbleSize val="0"/>
+        </c:dLbls>
+        <c:marker val="1"/>
+        <c:smooth val="0"/>
+        <c:axId val="214483312"/>
+        <c:axId val="2076995248"/>
+      </c:lineChart>
+      <c:catAx>
+        <c:axId val="214483312"/>
+        <c:scaling>
+          <c:orientation val="minMax"/>
+        </c:scaling>
+        <c:delete val="0"/>
+        <c:axPos val="b"/>
+        <c:numFmt formatCode="General" sourceLinked="1"/>
+        <c:majorTickMark val="none"/>
+        <c:minorTickMark val="none"/>
+        <c:tickLblPos val="nextTo"/>
+        <c:spPr>
+          <a:noFill/>
+          <a:ln w="12700" cap="flat" cmpd="sng" algn="ctr">
+            <a:solidFill>
+              <a:schemeClr val="lt1">
+                <a:lumMod val="95000"/>
+                <a:alpha val="54000"/>
+              </a:schemeClr>
+            </a:solidFill>
+            <a:round/>
+          </a:ln>
+          <a:effectLst/>
+        </c:spPr>
+        <c:txPr>
+          <a:bodyPr rot="-60000000" spcFirstLastPara="1" vertOverflow="ellipsis" vert="horz" wrap="square" anchor="ctr" anchorCtr="1"/>
+          <a:lstStyle/>
+          <a:p>
+            <a:pPr>
+              <a:defRPr sz="1197" b="0" i="0" u="none" strike="noStrike" kern="1200" baseline="0">
+                <a:solidFill>
+                  <a:schemeClr val="lt1">
+                    <a:lumMod val="85000"/>
+                  </a:schemeClr>
+                </a:solidFill>
+                <a:latin typeface="+mn-lt"/>
+                <a:ea typeface="+mn-ea"/>
+                <a:cs typeface="+mn-cs"/>
+              </a:defRPr>
+            </a:pPr>
+            <a:endParaRPr lang="en-US"/>
+          </a:p>
+        </c:txPr>
+        <c:crossAx val="2076995248"/>
+        <c:crosses val="autoZero"/>
+        <c:auto val="1"/>
+        <c:lblAlgn val="ctr"/>
+        <c:lblOffset val="100"/>
+        <c:noMultiLvlLbl val="0"/>
+      </c:catAx>
+      <c:valAx>
+        <c:axId val="2076995248"/>
+        <c:scaling>
+          <c:orientation val="minMax"/>
+        </c:scaling>
+        <c:delete val="0"/>
+        <c:axPos val="l"/>
+        <c:majorGridlines>
+          <c:spPr>
+            <a:ln w="9525" cap="flat" cmpd="sng" algn="ctr">
+              <a:solidFill>
+                <a:schemeClr val="lt1">
+                  <a:lumMod val="95000"/>
+                  <a:alpha val="10000"/>
+                </a:schemeClr>
+              </a:solidFill>
+              <a:round/>
+            </a:ln>
+            <a:effectLst/>
+          </c:spPr>
+        </c:majorGridlines>
+        <c:numFmt formatCode="General" sourceLinked="1"/>
+        <c:majorTickMark val="none"/>
+        <c:minorTickMark val="none"/>
+        <c:tickLblPos val="nextTo"/>
+        <c:spPr>
+          <a:noFill/>
+          <a:ln>
+            <a:noFill/>
+          </a:ln>
+          <a:effectLst/>
+        </c:spPr>
+        <c:txPr>
+          <a:bodyPr rot="-60000000" spcFirstLastPara="1" vertOverflow="ellipsis" vert="horz" wrap="square" anchor="ctr" anchorCtr="1"/>
+          <a:lstStyle/>
+          <a:p>
+            <a:pPr>
+              <a:defRPr sz="1197" b="0" i="0" u="none" strike="noStrike" kern="1200" baseline="0">
+                <a:solidFill>
+                  <a:schemeClr val="lt1">
+                    <a:lumMod val="85000"/>
+                  </a:schemeClr>
+                </a:solidFill>
+                <a:latin typeface="+mn-lt"/>
+                <a:ea typeface="+mn-ea"/>
+                <a:cs typeface="+mn-cs"/>
+              </a:defRPr>
+            </a:pPr>
+            <a:endParaRPr lang="en-US"/>
+          </a:p>
+        </c:txPr>
+        <c:crossAx val="214483312"/>
+        <c:crosses val="autoZero"/>
+        <c:crossBetween val="between"/>
+      </c:valAx>
+      <c:spPr>
+        <a:noFill/>
+        <a:ln>
+          <a:noFill/>
+        </a:ln>
+        <a:effectLst/>
+      </c:spPr>
+    </c:plotArea>
+    <c:legend>
+      <c:legendPos val="b"/>
+      <c:overlay val="0"/>
+      <c:spPr>
+        <a:noFill/>
+        <a:ln>
+          <a:noFill/>
+        </a:ln>
+        <a:effectLst/>
+      </c:spPr>
+      <c:txPr>
+        <a:bodyPr rot="0" spcFirstLastPara="1" vertOverflow="ellipsis" vert="horz" wrap="square" anchor="ctr" anchorCtr="1"/>
+        <a:lstStyle/>
+        <a:p>
+          <a:pPr>
+            <a:defRPr sz="1197" b="0" i="0" u="none" strike="noStrike" kern="1200" baseline="0">
+              <a:solidFill>
+                <a:schemeClr val="lt1">
+                  <a:lumMod val="85000"/>
+                </a:schemeClr>
+              </a:solidFill>
+              <a:latin typeface="+mn-lt"/>
+              <a:ea typeface="+mn-ea"/>
+              <a:cs typeface="+mn-cs"/>
+            </a:defRPr>
+          </a:pPr>
+          <a:endParaRPr lang="en-US"/>
+        </a:p>
+      </c:txPr>
+    </c:legend>
+    <c:plotVisOnly val="1"/>
+    <c:dispBlanksAs val="gap"/>
+    <c:extLst>
+      <c:ext xmlns:c16r3="http://schemas.microsoft.com/office/drawing/2017/03/chart" uri="{56B9EC1D-385E-4148-901F-78D8002777C0}">
+        <c16r3:dataDisplayOptions16>
+          <c16r3:dispNaAsBlank val="1"/>
+        </c16r3:dataDisplayOptions16>
+      </c:ext>
+    </c:extLst>
+    <c:showDLblsOverMax val="0"/>
+  </c:chart>
+  <c:spPr>
+    <a:gradFill flip="none" rotWithShape="1">
+      <a:gsLst>
+        <a:gs pos="0">
+          <a:schemeClr val="dk1">
+            <a:lumMod val="65000"/>
+            <a:lumOff val="35000"/>
+          </a:schemeClr>
+        </a:gs>
+        <a:gs pos="100000">
+          <a:schemeClr val="dk1">
+            <a:lumMod val="85000"/>
+            <a:lumOff val="15000"/>
+          </a:schemeClr>
+        </a:gs>
+      </a:gsLst>
+      <a:path path="circle">
+        <a:fillToRect l="50000" t="50000" r="50000" b="50000"/>
+      </a:path>
+      <a:tileRect/>
+    </a:gradFill>
+    <a:ln>
+      <a:noFill/>
+    </a:ln>
+    <a:effectLst/>
+  </c:spPr>
+  <c:txPr>
+    <a:bodyPr/>
+    <a:lstStyle/>
+    <a:p>
+      <a:pPr>
+        <a:defRPr/>
+      </a:pPr>
+      <a:endParaRPr lang="en-US"/>
+    </a:p>
+  </c:txPr>
+  <c:externalData r:id="rId3">
+    <c:autoUpdate val="0"/>
+  </c:externalData>
+</c:chartSpace>
+</file>
+
+<file path=ppt/charts/chart3.xml><?xml version="1.0" encoding="utf-8"?>
+<c:chartSpace xmlns:c="http://schemas.openxmlformats.org/drawingml/2006/chart" xmlns:a="http://schemas.openxmlformats.org/drawingml/2006/main" xmlns:r="http://schemas.openxmlformats.org/officeDocument/2006/relationships" xmlns:c16r2="http://schemas.microsoft.com/office/drawing/2015/06/chart">
+  <c:date1904 val="0"/>
+  <c:lang val="en-US"/>
+  <c:roundedCorners val="0"/>
+  <mc:AlternateContent xmlns:mc="http://schemas.openxmlformats.org/markup-compatibility/2006">
+    <mc:Choice xmlns:c14="http://schemas.microsoft.com/office/drawing/2007/8/2/chart" Requires="c14">
+      <c14:style val="102"/>
+    </mc:Choice>
+    <mc:Fallback>
+      <c:style val="2"/>
+    </mc:Fallback>
+  </mc:AlternateContent>
+  <c:chart>
+    <c:title>
+      <c:tx>
+        <c:rich>
+          <a:bodyPr rot="0" spcFirstLastPara="1" vertOverflow="ellipsis" vert="horz" wrap="square" anchor="ctr" anchorCtr="1"/>
+          <a:lstStyle/>
+          <a:p>
+            <a:pPr>
+              <a:defRPr sz="2128" b="1" i="0" u="none" strike="noStrike" kern="1200" spc="100" baseline="0">
+                <a:solidFill>
+                  <a:schemeClr val="lt1">
+                    <a:lumMod val="95000"/>
+                  </a:schemeClr>
+                </a:solidFill>
+                <a:effectLst>
+                  <a:outerShdw blurRad="50800" dist="38100" dir="5400000" algn="t" rotWithShape="0">
+                    <a:prstClr val="black">
+                      <a:alpha val="40000"/>
+                    </a:prstClr>
+                  </a:outerShdw>
+                </a:effectLst>
+                <a:latin typeface="+mn-lt"/>
+                <a:ea typeface="+mn-ea"/>
+                <a:cs typeface="+mn-cs"/>
+              </a:defRPr>
+            </a:pPr>
+            <a:r>
+              <a:rPr lang="en-IN"/>
+              <a:t>Poker Hand</a:t>
+            </a:r>
+          </a:p>
+        </c:rich>
+      </c:tx>
+      <c:overlay val="0"/>
+      <c:spPr>
+        <a:noFill/>
+        <a:ln>
+          <a:noFill/>
+        </a:ln>
+        <a:effectLst/>
+      </c:spPr>
+      <c:txPr>
+        <a:bodyPr rot="0" spcFirstLastPara="1" vertOverflow="ellipsis" vert="horz" wrap="square" anchor="ctr" anchorCtr="1"/>
+        <a:lstStyle/>
+        <a:p>
+          <a:pPr>
+            <a:defRPr sz="2128" b="1" i="0" u="none" strike="noStrike" kern="1200" spc="100" baseline="0">
+              <a:solidFill>
+                <a:schemeClr val="lt1">
+                  <a:lumMod val="95000"/>
+                </a:schemeClr>
+              </a:solidFill>
+              <a:effectLst>
+                <a:outerShdw blurRad="50800" dist="38100" dir="5400000" algn="t" rotWithShape="0">
+                  <a:prstClr val="black">
+                    <a:alpha val="40000"/>
+                  </a:prstClr>
+                </a:outerShdw>
+              </a:effectLst>
+              <a:latin typeface="+mn-lt"/>
+              <a:ea typeface="+mn-ea"/>
+              <a:cs typeface="+mn-cs"/>
+            </a:defRPr>
+          </a:pPr>
+          <a:endParaRPr lang="en-US"/>
+        </a:p>
+      </c:txPr>
+    </c:title>
+    <c:autoTitleDeleted val="0"/>
+    <c:plotArea>
+      <c:layout/>
+      <c:barChart>
+        <c:barDir val="col"/>
+        <c:grouping val="clustered"/>
+        <c:varyColors val="0"/>
+        <c:ser>
+          <c:idx val="0"/>
+          <c:order val="0"/>
+          <c:tx>
+            <c:strRef>
+              <c:f>poker!$H$2</c:f>
+              <c:strCache>
+                <c:ptCount val="1"/>
+                <c:pt idx="0">
+                  <c:v>one hot</c:v>
+                </c:pt>
+              </c:strCache>
+            </c:strRef>
+          </c:tx>
+          <c:spPr>
+            <a:gradFill rotWithShape="1">
+              <a:gsLst>
+                <a:gs pos="0">
+                  <a:schemeClr val="accent1">
+                    <a:tint val="98000"/>
+                    <a:lumMod val="114000"/>
+                  </a:schemeClr>
+                </a:gs>
+                <a:gs pos="100000">
+                  <a:schemeClr val="accent1">
+                    <a:shade val="90000"/>
+                    <a:lumMod val="84000"/>
+                  </a:schemeClr>
+                </a:gs>
+              </a:gsLst>
+              <a:lin ang="5400000" scaled="0"/>
+            </a:gradFill>
+            <a:ln>
+              <a:noFill/>
+            </a:ln>
+            <a:effectLst>
+              <a:outerShdw blurRad="63500" dist="38100" dir="5400000" rotWithShape="0">
+                <a:srgbClr val="000000">
+                  <a:alpha val="60000"/>
+                </a:srgbClr>
+              </a:outerShdw>
+            </a:effectLst>
+            <a:scene3d>
+              <a:camera prst="orthographicFront">
+                <a:rot lat="0" lon="0" rev="0"/>
+              </a:camera>
+              <a:lightRig rig="threePt" dir="tl"/>
+            </a:scene3d>
+            <a:sp3d prstMaterial="plastic">
+              <a:bevelT w="0" h="0"/>
+            </a:sp3d>
+          </c:spPr>
+          <c:invertIfNegative val="0"/>
+          <c:cat>
+            <c:strRef>
+              <c:f>poker!$I$1:$L$1</c:f>
+              <c:strCache>
+                <c:ptCount val="4"/>
+                <c:pt idx="0">
+                  <c:v>RF</c:v>
+                </c:pt>
+                <c:pt idx="1">
+                  <c:v>XGBoost</c:v>
+                </c:pt>
+                <c:pt idx="2">
+                  <c:v>LightGBM</c:v>
+                </c:pt>
+                <c:pt idx="3">
+                  <c:v>CatBoost</c:v>
+                </c:pt>
+              </c:strCache>
+            </c:strRef>
+          </c:cat>
+          <c:val>
+            <c:numRef>
+              <c:f>poker!$I$2:$L$2</c:f>
+              <c:numCache>
+                <c:formatCode>General</c:formatCode>
+                <c:ptCount val="4"/>
+                <c:pt idx="0">
+                  <c:v>0.94971299783308305</c:v>
+                </c:pt>
+                <c:pt idx="1">
+                  <c:v>0.57002616330843603</c:v>
+                </c:pt>
+                <c:pt idx="2">
+                  <c:v>0.89806769455839197</c:v>
+                </c:pt>
+                <c:pt idx="3">
+                  <c:v>0.40664454231031</c:v>
+                </c:pt>
+              </c:numCache>
+            </c:numRef>
+          </c:val>
+          <c:extLst>
+            <c:ext xmlns:c16="http://schemas.microsoft.com/office/drawing/2014/chart" uri="{C3380CC4-5D6E-409C-BE32-E72D297353CC}">
+              <c16:uniqueId val="{00000000-6929-4B7A-A80A-A5395058FBF9}"/>
+            </c:ext>
+          </c:extLst>
+        </c:ser>
+        <c:ser>
+          <c:idx val="1"/>
+          <c:order val="1"/>
+          <c:tx>
+            <c:strRef>
+              <c:f>poker!$H$3</c:f>
+              <c:strCache>
+                <c:ptCount val="1"/>
+                <c:pt idx="0">
+                  <c:v>target</c:v>
+                </c:pt>
+              </c:strCache>
+            </c:strRef>
+          </c:tx>
+          <c:spPr>
+            <a:gradFill rotWithShape="1">
+              <a:gsLst>
+                <a:gs pos="0">
+                  <a:schemeClr val="accent2">
+                    <a:tint val="98000"/>
+                    <a:lumMod val="114000"/>
+                  </a:schemeClr>
+                </a:gs>
+                <a:gs pos="100000">
+                  <a:schemeClr val="accent2">
+                    <a:shade val="90000"/>
+                    <a:lumMod val="84000"/>
+                  </a:schemeClr>
+                </a:gs>
+              </a:gsLst>
+              <a:lin ang="5400000" scaled="0"/>
+            </a:gradFill>
+            <a:ln>
+              <a:noFill/>
+            </a:ln>
+            <a:effectLst>
+              <a:outerShdw blurRad="63500" dist="38100" dir="5400000" rotWithShape="0">
+                <a:srgbClr val="000000">
+                  <a:alpha val="60000"/>
+                </a:srgbClr>
+              </a:outerShdw>
+            </a:effectLst>
+            <a:scene3d>
+              <a:camera prst="orthographicFront">
+                <a:rot lat="0" lon="0" rev="0"/>
+              </a:camera>
+              <a:lightRig rig="threePt" dir="tl"/>
+            </a:scene3d>
+            <a:sp3d prstMaterial="plastic">
+              <a:bevelT w="0" h="0"/>
+            </a:sp3d>
+          </c:spPr>
+          <c:invertIfNegative val="0"/>
+          <c:cat>
+            <c:strRef>
+              <c:f>poker!$I$1:$L$1</c:f>
+              <c:strCache>
+                <c:ptCount val="4"/>
+                <c:pt idx="0">
+                  <c:v>RF</c:v>
+                </c:pt>
+                <c:pt idx="1">
+                  <c:v>XGBoost</c:v>
+                </c:pt>
+                <c:pt idx="2">
+                  <c:v>LightGBM</c:v>
+                </c:pt>
+                <c:pt idx="3">
+                  <c:v>CatBoost</c:v>
+                </c:pt>
+              </c:strCache>
+            </c:strRef>
+          </c:cat>
+          <c:val>
+            <c:numRef>
+              <c:f>poker!$I$3:$L$3</c:f>
+              <c:numCache>
+                <c:formatCode>General</c:formatCode>
+                <c:ptCount val="4"/>
+                <c:pt idx="0">
+                  <c:v>0.92165425078616703</c:v>
+                </c:pt>
+                <c:pt idx="1">
+                  <c:v>0.55336319860007599</c:v>
+                </c:pt>
+                <c:pt idx="2">
+                  <c:v>0.89656253383260898</c:v>
+                </c:pt>
+                <c:pt idx="3">
+                  <c:v>0.38359593105126999</c:v>
+                </c:pt>
+              </c:numCache>
+            </c:numRef>
+          </c:val>
+          <c:extLst>
+            <c:ext xmlns:c16="http://schemas.microsoft.com/office/drawing/2014/chart" uri="{C3380CC4-5D6E-409C-BE32-E72D297353CC}">
+              <c16:uniqueId val="{00000001-6929-4B7A-A80A-A5395058FBF9}"/>
+            </c:ext>
+          </c:extLst>
+        </c:ser>
+        <c:ser>
+          <c:idx val="2"/>
+          <c:order val="2"/>
+          <c:tx>
+            <c:strRef>
+              <c:f>poker!$H$4</c:f>
+              <c:strCache>
+                <c:ptCount val="1"/>
+                <c:pt idx="0">
+                  <c:v>mixed</c:v>
+                </c:pt>
+              </c:strCache>
+            </c:strRef>
+          </c:tx>
+          <c:spPr>
+            <a:gradFill rotWithShape="1">
+              <a:gsLst>
+                <a:gs pos="0">
+                  <a:schemeClr val="accent3">
+                    <a:tint val="98000"/>
+                    <a:lumMod val="114000"/>
+                  </a:schemeClr>
+                </a:gs>
+                <a:gs pos="100000">
+                  <a:schemeClr val="accent3">
+                    <a:shade val="90000"/>
+                    <a:lumMod val="84000"/>
+                  </a:schemeClr>
+                </a:gs>
+              </a:gsLst>
+              <a:lin ang="5400000" scaled="0"/>
+            </a:gradFill>
+            <a:ln>
+              <a:noFill/>
+            </a:ln>
+            <a:effectLst>
+              <a:outerShdw blurRad="63500" dist="38100" dir="5400000" rotWithShape="0">
+                <a:srgbClr val="000000">
+                  <a:alpha val="60000"/>
+                </a:srgbClr>
+              </a:outerShdw>
+            </a:effectLst>
+            <a:scene3d>
+              <a:camera prst="orthographicFront">
+                <a:rot lat="0" lon="0" rev="0"/>
+              </a:camera>
+              <a:lightRig rig="threePt" dir="tl"/>
+            </a:scene3d>
+            <a:sp3d prstMaterial="plastic">
+              <a:bevelT w="0" h="0"/>
+            </a:sp3d>
+          </c:spPr>
+          <c:invertIfNegative val="0"/>
+          <c:cat>
+            <c:strRef>
+              <c:f>poker!$I$1:$L$1</c:f>
+              <c:strCache>
+                <c:ptCount val="4"/>
+                <c:pt idx="0">
+                  <c:v>RF</c:v>
+                </c:pt>
+                <c:pt idx="1">
+                  <c:v>XGBoost</c:v>
+                </c:pt>
+                <c:pt idx="2">
+                  <c:v>LightGBM</c:v>
+                </c:pt>
+                <c:pt idx="3">
+                  <c:v>CatBoost</c:v>
+                </c:pt>
+              </c:strCache>
+            </c:strRef>
+          </c:cat>
+          <c:val>
+            <c:numRef>
+              <c:f>poker!$I$4:$L$4</c:f>
+              <c:numCache>
+                <c:formatCode>General</c:formatCode>
+                <c:ptCount val="4"/>
+                <c:pt idx="0">
+                  <c:v>0.94678720028423702</c:v>
+                </c:pt>
+                <c:pt idx="1">
+                  <c:v>0.57002616330843603</c:v>
+                </c:pt>
+                <c:pt idx="2">
+                  <c:v>0.89806769455839197</c:v>
+                </c:pt>
+                <c:pt idx="3">
+                  <c:v>0.41474798393595602</c:v>
+                </c:pt>
+              </c:numCache>
+            </c:numRef>
+          </c:val>
+          <c:extLst>
+            <c:ext xmlns:c16="http://schemas.microsoft.com/office/drawing/2014/chart" uri="{C3380CC4-5D6E-409C-BE32-E72D297353CC}">
+              <c16:uniqueId val="{00000002-6929-4B7A-A80A-A5395058FBF9}"/>
+            </c:ext>
+          </c:extLst>
+        </c:ser>
+        <c:ser>
+          <c:idx val="3"/>
+          <c:order val="3"/>
+          <c:tx>
+            <c:strRef>
+              <c:f>poker!$H$5</c:f>
+              <c:strCache>
+                <c:ptCount val="1"/>
+                <c:pt idx="0">
+                  <c:v>native</c:v>
+                </c:pt>
+              </c:strCache>
+            </c:strRef>
+          </c:tx>
+          <c:spPr>
+            <a:gradFill rotWithShape="1">
+              <a:gsLst>
+                <a:gs pos="0">
+                  <a:schemeClr val="accent4">
+                    <a:tint val="98000"/>
+                    <a:lumMod val="114000"/>
+                  </a:schemeClr>
+                </a:gs>
+                <a:gs pos="100000">
+                  <a:schemeClr val="accent4">
+                    <a:shade val="90000"/>
+                    <a:lumMod val="84000"/>
+                  </a:schemeClr>
+                </a:gs>
+              </a:gsLst>
+              <a:lin ang="5400000" scaled="0"/>
+            </a:gradFill>
+            <a:ln>
+              <a:noFill/>
+            </a:ln>
+            <a:effectLst>
+              <a:outerShdw blurRad="63500" dist="38100" dir="5400000" rotWithShape="0">
+                <a:srgbClr val="000000">
+                  <a:alpha val="60000"/>
+                </a:srgbClr>
+              </a:outerShdw>
+            </a:effectLst>
+            <a:scene3d>
+              <a:camera prst="orthographicFront">
+                <a:rot lat="0" lon="0" rev="0"/>
+              </a:camera>
+              <a:lightRig rig="threePt" dir="tl"/>
+            </a:scene3d>
+            <a:sp3d prstMaterial="plastic">
+              <a:bevelT w="0" h="0"/>
+            </a:sp3d>
+          </c:spPr>
+          <c:invertIfNegative val="0"/>
+          <c:cat>
+            <c:strRef>
+              <c:f>poker!$I$1:$L$1</c:f>
+              <c:strCache>
+                <c:ptCount val="4"/>
+                <c:pt idx="0">
+                  <c:v>RF</c:v>
+                </c:pt>
+                <c:pt idx="1">
+                  <c:v>XGBoost</c:v>
+                </c:pt>
+                <c:pt idx="2">
+                  <c:v>LightGBM</c:v>
+                </c:pt>
+                <c:pt idx="3">
+                  <c:v>CatBoost</c:v>
+                </c:pt>
+              </c:strCache>
+            </c:strRef>
+          </c:cat>
+          <c:val>
+            <c:numRef>
+              <c:f>poker!$I$5:$L$5</c:f>
+              <c:numCache>
+                <c:formatCode>General</c:formatCode>
+                <c:ptCount val="4"/>
+                <c:pt idx="2">
+                  <c:v>0.89906075381668304</c:v>
+                </c:pt>
+                <c:pt idx="3">
+                  <c:v>0.43807434698966602</c:v>
+                </c:pt>
+              </c:numCache>
+            </c:numRef>
+          </c:val>
+          <c:extLst>
+            <c:ext xmlns:c16="http://schemas.microsoft.com/office/drawing/2014/chart" uri="{C3380CC4-5D6E-409C-BE32-E72D297353CC}">
+              <c16:uniqueId val="{00000003-6929-4B7A-A80A-A5395058FBF9}"/>
+            </c:ext>
+          </c:extLst>
+        </c:ser>
+        <c:dLbls>
+          <c:showLegendKey val="0"/>
+          <c:showVal val="0"/>
+          <c:showCatName val="0"/>
+          <c:showSerName val="0"/>
+          <c:showPercent val="0"/>
+          <c:showBubbleSize val="0"/>
+        </c:dLbls>
+        <c:gapWidth val="219"/>
+        <c:overlap val="-27"/>
+        <c:axId val="210698720"/>
+        <c:axId val="209538480"/>
+      </c:barChart>
+      <c:lineChart>
+        <c:grouping val="standard"/>
+        <c:varyColors val="0"/>
+        <c:ser>
+          <c:idx val="4"/>
+          <c:order val="4"/>
+          <c:tx>
+            <c:strRef>
+              <c:f>poker!$H$6</c:f>
+              <c:strCache>
+                <c:ptCount val="1"/>
+                <c:pt idx="0">
+                  <c:v>Random log-loss</c:v>
+                </c:pt>
+              </c:strCache>
+            </c:strRef>
+          </c:tx>
+          <c:spPr>
+            <a:ln w="34925" cap="rnd">
+              <a:solidFill>
+                <a:schemeClr val="accent5"/>
+              </a:solidFill>
+              <a:round/>
+            </a:ln>
+            <a:effectLst>
+              <a:outerShdw blurRad="63500" dist="38100" dir="5400000" rotWithShape="0">
+                <a:srgbClr val="000000">
+                  <a:alpha val="60000"/>
+                </a:srgbClr>
+              </a:outerShdw>
+            </a:effectLst>
+          </c:spPr>
+          <c:marker>
+            <c:symbol val="none"/>
+          </c:marker>
+          <c:cat>
+            <c:strRef>
+              <c:f>poker!$I$1:$L$1</c:f>
+              <c:strCache>
+                <c:ptCount val="4"/>
+                <c:pt idx="0">
+                  <c:v>RF</c:v>
+                </c:pt>
+                <c:pt idx="1">
+                  <c:v>XGBoost</c:v>
+                </c:pt>
+                <c:pt idx="2">
+                  <c:v>LightGBM</c:v>
+                </c:pt>
+                <c:pt idx="3">
+                  <c:v>CatBoost</c:v>
+                </c:pt>
+              </c:strCache>
+            </c:strRef>
+          </c:cat>
+          <c:val>
+            <c:numRef>
+              <c:f>poker!$I$6:$L$6</c:f>
+              <c:numCache>
+                <c:formatCode>General</c:formatCode>
+                <c:ptCount val="4"/>
+                <c:pt idx="0">
+                  <c:v>0.98560000000000003</c:v>
+                </c:pt>
+                <c:pt idx="1">
+                  <c:v>0.98560000000000003</c:v>
+                </c:pt>
+                <c:pt idx="2">
+                  <c:v>0.98560000000000003</c:v>
+                </c:pt>
+                <c:pt idx="3">
+                  <c:v>0.98560000000000003</c:v>
+                </c:pt>
+              </c:numCache>
+            </c:numRef>
+          </c:val>
+          <c:smooth val="0"/>
+          <c:extLst>
+            <c:ext xmlns:c16="http://schemas.microsoft.com/office/drawing/2014/chart" uri="{C3380CC4-5D6E-409C-BE32-E72D297353CC}">
+              <c16:uniqueId val="{00000004-6929-4B7A-A80A-A5395058FBF9}"/>
+            </c:ext>
+          </c:extLst>
+        </c:ser>
+        <c:dLbls>
+          <c:showLegendKey val="0"/>
+          <c:showVal val="0"/>
+          <c:showCatName val="0"/>
+          <c:showSerName val="0"/>
+          <c:showPercent val="0"/>
+          <c:showBubbleSize val="0"/>
+        </c:dLbls>
+        <c:marker val="1"/>
+        <c:smooth val="0"/>
+        <c:axId val="210698720"/>
+        <c:axId val="209538480"/>
+      </c:lineChart>
+      <c:catAx>
+        <c:axId val="210698720"/>
+        <c:scaling>
+          <c:orientation val="minMax"/>
+        </c:scaling>
+        <c:delete val="0"/>
+        <c:axPos val="b"/>
+        <c:numFmt formatCode="General" sourceLinked="1"/>
+        <c:majorTickMark val="none"/>
+        <c:minorTickMark val="none"/>
+        <c:tickLblPos val="nextTo"/>
+        <c:spPr>
+          <a:noFill/>
+          <a:ln w="12700" cap="flat" cmpd="sng" algn="ctr">
+            <a:solidFill>
+              <a:schemeClr val="lt1">
+                <a:lumMod val="95000"/>
+                <a:alpha val="54000"/>
+              </a:schemeClr>
+            </a:solidFill>
+            <a:round/>
+          </a:ln>
+          <a:effectLst/>
+        </c:spPr>
+        <c:txPr>
+          <a:bodyPr rot="-60000000" spcFirstLastPara="1" vertOverflow="ellipsis" vert="horz" wrap="square" anchor="ctr" anchorCtr="1"/>
+          <a:lstStyle/>
+          <a:p>
+            <a:pPr>
+              <a:defRPr sz="1197" b="0" i="0" u="none" strike="noStrike" kern="1200" baseline="0">
+                <a:solidFill>
+                  <a:schemeClr val="lt1">
+                    <a:lumMod val="85000"/>
+                  </a:schemeClr>
+                </a:solidFill>
+                <a:latin typeface="+mn-lt"/>
+                <a:ea typeface="+mn-ea"/>
+                <a:cs typeface="+mn-cs"/>
+              </a:defRPr>
+            </a:pPr>
+            <a:endParaRPr lang="en-US"/>
+          </a:p>
+        </c:txPr>
+        <c:crossAx val="209538480"/>
+        <c:crosses val="autoZero"/>
+        <c:auto val="1"/>
+        <c:lblAlgn val="ctr"/>
+        <c:lblOffset val="100"/>
+        <c:noMultiLvlLbl val="0"/>
+      </c:catAx>
+      <c:valAx>
+        <c:axId val="209538480"/>
+        <c:scaling>
+          <c:orientation val="minMax"/>
+          <c:max val="1"/>
+          <c:min val="0.2"/>
+        </c:scaling>
+        <c:delete val="0"/>
+        <c:axPos val="l"/>
+        <c:majorGridlines>
+          <c:spPr>
+            <a:ln w="9525" cap="flat" cmpd="sng" algn="ctr">
+              <a:solidFill>
+                <a:schemeClr val="lt1">
+                  <a:lumMod val="95000"/>
+                  <a:alpha val="10000"/>
+                </a:schemeClr>
+              </a:solidFill>
+              <a:round/>
+            </a:ln>
+            <a:effectLst/>
+          </c:spPr>
+        </c:majorGridlines>
+        <c:numFmt formatCode="General" sourceLinked="1"/>
+        <c:majorTickMark val="none"/>
+        <c:minorTickMark val="none"/>
+        <c:tickLblPos val="nextTo"/>
+        <c:spPr>
+          <a:noFill/>
+          <a:ln>
+            <a:noFill/>
+          </a:ln>
+          <a:effectLst/>
+        </c:spPr>
+        <c:txPr>
+          <a:bodyPr rot="-60000000" spcFirstLastPara="1" vertOverflow="ellipsis" vert="horz" wrap="square" anchor="ctr" anchorCtr="1"/>
+          <a:lstStyle/>
+          <a:p>
+            <a:pPr>
+              <a:defRPr sz="1197" b="0" i="0" u="none" strike="noStrike" kern="1200" baseline="0">
+                <a:solidFill>
+                  <a:schemeClr val="lt1">
+                    <a:lumMod val="85000"/>
+                  </a:schemeClr>
+                </a:solidFill>
+                <a:latin typeface="+mn-lt"/>
+                <a:ea typeface="+mn-ea"/>
+                <a:cs typeface="+mn-cs"/>
+              </a:defRPr>
+            </a:pPr>
+            <a:endParaRPr lang="en-US"/>
+          </a:p>
+        </c:txPr>
+        <c:crossAx val="210698720"/>
+        <c:crosses val="autoZero"/>
+        <c:crossBetween val="between"/>
+      </c:valAx>
+      <c:spPr>
+        <a:noFill/>
+        <a:ln>
+          <a:noFill/>
+        </a:ln>
+        <a:effectLst/>
+      </c:spPr>
+    </c:plotArea>
+    <c:legend>
+      <c:legendPos val="b"/>
+      <c:overlay val="0"/>
+      <c:spPr>
+        <a:noFill/>
+        <a:ln>
+          <a:noFill/>
+        </a:ln>
+        <a:effectLst/>
+      </c:spPr>
+      <c:txPr>
+        <a:bodyPr rot="0" spcFirstLastPara="1" vertOverflow="ellipsis" vert="horz" wrap="square" anchor="ctr" anchorCtr="1"/>
+        <a:lstStyle/>
+        <a:p>
+          <a:pPr>
+            <a:defRPr sz="1197" b="0" i="0" u="none" strike="noStrike" kern="1200" baseline="0">
+              <a:solidFill>
+                <a:schemeClr val="lt1">
+                  <a:lumMod val="85000"/>
+                </a:schemeClr>
+              </a:solidFill>
+              <a:latin typeface="+mn-lt"/>
+              <a:ea typeface="+mn-ea"/>
+              <a:cs typeface="+mn-cs"/>
+            </a:defRPr>
+          </a:pPr>
+          <a:endParaRPr lang="en-US"/>
+        </a:p>
+      </c:txPr>
+    </c:legend>
+    <c:plotVisOnly val="1"/>
+    <c:dispBlanksAs val="gap"/>
+    <c:extLst>
+      <c:ext xmlns:c16r3="http://schemas.microsoft.com/office/drawing/2017/03/chart" uri="{56B9EC1D-385E-4148-901F-78D8002777C0}">
+        <c16r3:dataDisplayOptions16>
+          <c16r3:dispNaAsBlank val="1"/>
+        </c16r3:dataDisplayOptions16>
+      </c:ext>
+    </c:extLst>
+    <c:showDLblsOverMax val="0"/>
+  </c:chart>
+  <c:spPr>
+    <a:gradFill flip="none" rotWithShape="1">
+      <a:gsLst>
+        <a:gs pos="0">
+          <a:schemeClr val="dk1">
+            <a:lumMod val="65000"/>
+            <a:lumOff val="35000"/>
+          </a:schemeClr>
+        </a:gs>
+        <a:gs pos="100000">
+          <a:schemeClr val="dk1">
+            <a:lumMod val="85000"/>
+            <a:lumOff val="15000"/>
+          </a:schemeClr>
+        </a:gs>
+      </a:gsLst>
+      <a:path path="circle">
+        <a:fillToRect l="50000" t="50000" r="50000" b="50000"/>
+      </a:path>
+      <a:tileRect/>
+    </a:gradFill>
+    <a:ln>
+      <a:noFill/>
+    </a:ln>
+    <a:effectLst/>
+  </c:spPr>
+  <c:txPr>
+    <a:bodyPr/>
+    <a:lstStyle/>
+    <a:p>
+      <a:pPr>
+        <a:defRPr/>
+      </a:pPr>
+      <a:endParaRPr lang="en-US"/>
+    </a:p>
+  </c:txPr>
+  <c:externalData r:id="rId3">
+    <c:autoUpdate val="0"/>
+  </c:externalData>
+</c:chartSpace>
+</file>
+
+<file path=ppt/charts/chart4.xml><?xml version="1.0" encoding="utf-8"?>
+<c:chartSpace xmlns:c="http://schemas.openxmlformats.org/drawingml/2006/chart" xmlns:a="http://schemas.openxmlformats.org/drawingml/2006/main" xmlns:r="http://schemas.openxmlformats.org/officeDocument/2006/relationships" xmlns:c16r2="http://schemas.microsoft.com/office/drawing/2015/06/chart">
+  <c:date1904 val="0"/>
+  <c:lang val="en-US"/>
+  <c:roundedCorners val="0"/>
+  <mc:AlternateContent xmlns:mc="http://schemas.openxmlformats.org/markup-compatibility/2006">
+    <mc:Choice xmlns:c14="http://schemas.microsoft.com/office/drawing/2007/8/2/chart" Requires="c14">
+      <c14:style val="102"/>
+    </mc:Choice>
+    <mc:Fallback>
+      <c:style val="2"/>
+    </mc:Fallback>
+  </mc:AlternateContent>
+  <c:chart>
+    <c:title>
+      <c:tx>
+        <c:rich>
+          <a:bodyPr rot="0" spcFirstLastPara="1" vertOverflow="ellipsis" vert="horz" wrap="square" anchor="ctr" anchorCtr="1"/>
+          <a:lstStyle/>
+          <a:p>
+            <a:pPr>
+              <a:defRPr sz="2128" b="1" i="0" u="none" strike="noStrike" kern="1200" spc="100" baseline="0">
+                <a:solidFill>
+                  <a:schemeClr val="lt1">
+                    <a:lumMod val="95000"/>
+                  </a:schemeClr>
+                </a:solidFill>
+                <a:effectLst>
+                  <a:outerShdw blurRad="50800" dist="38100" dir="5400000" algn="t" rotWithShape="0">
+                    <a:prstClr val="black">
+                      <a:alpha val="40000"/>
+                    </a:prstClr>
+                  </a:outerShdw>
+                </a:effectLst>
+                <a:latin typeface="+mn-lt"/>
+                <a:ea typeface="+mn-ea"/>
+                <a:cs typeface="+mn-cs"/>
+              </a:defRPr>
+            </a:pPr>
+            <a:r>
+              <a:rPr lang="en-IN"/>
+              <a:t>Land Prices</a:t>
+            </a:r>
+          </a:p>
+        </c:rich>
+      </c:tx>
+      <c:overlay val="0"/>
+      <c:spPr>
+        <a:noFill/>
+        <a:ln>
+          <a:noFill/>
+        </a:ln>
+        <a:effectLst/>
+      </c:spPr>
+      <c:txPr>
+        <a:bodyPr rot="0" spcFirstLastPara="1" vertOverflow="ellipsis" vert="horz" wrap="square" anchor="ctr" anchorCtr="1"/>
+        <a:lstStyle/>
+        <a:p>
+          <a:pPr>
+            <a:defRPr sz="2128" b="1" i="0" u="none" strike="noStrike" kern="1200" spc="100" baseline="0">
+              <a:solidFill>
+                <a:schemeClr val="lt1">
+                  <a:lumMod val="95000"/>
+                </a:schemeClr>
+              </a:solidFill>
+              <a:effectLst>
+                <a:outerShdw blurRad="50800" dist="38100" dir="5400000" algn="t" rotWithShape="0">
+                  <a:prstClr val="black">
+                    <a:alpha val="40000"/>
+                  </a:prstClr>
+                </a:outerShdw>
+              </a:effectLst>
+              <a:latin typeface="+mn-lt"/>
+              <a:ea typeface="+mn-ea"/>
+              <a:cs typeface="+mn-cs"/>
+            </a:defRPr>
+          </a:pPr>
+          <a:endParaRPr lang="en-US"/>
+        </a:p>
+      </c:txPr>
+    </c:title>
+    <c:autoTitleDeleted val="0"/>
+    <c:plotArea>
+      <c:layout/>
+      <c:barChart>
+        <c:barDir val="col"/>
+        <c:grouping val="clustered"/>
+        <c:varyColors val="0"/>
+        <c:ser>
+          <c:idx val="0"/>
+          <c:order val="0"/>
+          <c:tx>
+            <c:strRef>
+              <c:f>'land prices'!$H$2</c:f>
+              <c:strCache>
+                <c:ptCount val="1"/>
+                <c:pt idx="0">
+                  <c:v>one hot</c:v>
+                </c:pt>
+              </c:strCache>
+            </c:strRef>
+          </c:tx>
+          <c:spPr>
+            <a:gradFill rotWithShape="1">
+              <a:gsLst>
+                <a:gs pos="0">
+                  <a:schemeClr val="accent1">
+                    <a:tint val="98000"/>
+                    <a:lumMod val="114000"/>
+                  </a:schemeClr>
+                </a:gs>
+                <a:gs pos="100000">
+                  <a:schemeClr val="accent1">
+                    <a:shade val="90000"/>
+                    <a:lumMod val="84000"/>
+                  </a:schemeClr>
+                </a:gs>
+              </a:gsLst>
+              <a:lin ang="5400000" scaled="0"/>
+            </a:gradFill>
+            <a:ln>
+              <a:noFill/>
+            </a:ln>
+            <a:effectLst>
+              <a:outerShdw blurRad="63500" dist="38100" dir="5400000" rotWithShape="0">
+                <a:srgbClr val="000000">
+                  <a:alpha val="60000"/>
+                </a:srgbClr>
+              </a:outerShdw>
+            </a:effectLst>
+            <a:scene3d>
+              <a:camera prst="orthographicFront">
+                <a:rot lat="0" lon="0" rev="0"/>
+              </a:camera>
+              <a:lightRig rig="threePt" dir="tl"/>
+            </a:scene3d>
+            <a:sp3d prstMaterial="plastic">
+              <a:bevelT w="0" h="0"/>
+            </a:sp3d>
+          </c:spPr>
+          <c:invertIfNegative val="0"/>
+          <c:cat>
+            <c:strRef>
+              <c:f>'land prices'!$I$1:$L$1</c:f>
+              <c:strCache>
+                <c:ptCount val="4"/>
+                <c:pt idx="0">
+                  <c:v>RF</c:v>
+                </c:pt>
+                <c:pt idx="1">
+                  <c:v>XGBoost</c:v>
+                </c:pt>
+                <c:pt idx="2">
+                  <c:v>LightGBM</c:v>
+                </c:pt>
+                <c:pt idx="3">
+                  <c:v>CatBoost</c:v>
+                </c:pt>
+              </c:strCache>
+            </c:strRef>
+          </c:cat>
+          <c:val>
+            <c:numRef>
+              <c:f>'land prices'!$I$2:$L$2</c:f>
+              <c:numCache>
+                <c:formatCode>General</c:formatCode>
+                <c:ptCount val="4"/>
+                <c:pt idx="0">
+                  <c:v>0.71312473611139604</c:v>
+                </c:pt>
+                <c:pt idx="1">
+                  <c:v>0.29762199704351899</c:v>
+                </c:pt>
+                <c:pt idx="2">
+                  <c:v>0.58418482934854898</c:v>
+                </c:pt>
+                <c:pt idx="3">
+                  <c:v>0.26896674392741199</c:v>
+                </c:pt>
+              </c:numCache>
+            </c:numRef>
+          </c:val>
+          <c:extLst>
+            <c:ext xmlns:c16="http://schemas.microsoft.com/office/drawing/2014/chart" uri="{C3380CC4-5D6E-409C-BE32-E72D297353CC}">
+              <c16:uniqueId val="{00000000-ECE3-4BC5-AE05-B4B70337D3FC}"/>
+            </c:ext>
+          </c:extLst>
+        </c:ser>
+        <c:ser>
+          <c:idx val="1"/>
+          <c:order val="1"/>
+          <c:tx>
+            <c:strRef>
+              <c:f>'land prices'!$H$3</c:f>
+              <c:strCache>
+                <c:ptCount val="1"/>
+                <c:pt idx="0">
+                  <c:v>target</c:v>
+                </c:pt>
+              </c:strCache>
+            </c:strRef>
+          </c:tx>
+          <c:spPr>
+            <a:gradFill rotWithShape="1">
+              <a:gsLst>
+                <a:gs pos="0">
+                  <a:schemeClr val="accent2">
+                    <a:tint val="98000"/>
+                    <a:lumMod val="114000"/>
+                  </a:schemeClr>
+                </a:gs>
+                <a:gs pos="100000">
+                  <a:schemeClr val="accent2">
+                    <a:shade val="90000"/>
+                    <a:lumMod val="84000"/>
+                  </a:schemeClr>
+                </a:gs>
+              </a:gsLst>
+              <a:lin ang="5400000" scaled="0"/>
+            </a:gradFill>
+            <a:ln>
+              <a:noFill/>
+            </a:ln>
+            <a:effectLst>
+              <a:outerShdw blurRad="63500" dist="38100" dir="5400000" rotWithShape="0">
+                <a:srgbClr val="000000">
+                  <a:alpha val="60000"/>
+                </a:srgbClr>
+              </a:outerShdw>
+            </a:effectLst>
+            <a:scene3d>
+              <a:camera prst="orthographicFront">
+                <a:rot lat="0" lon="0" rev="0"/>
+              </a:camera>
+              <a:lightRig rig="threePt" dir="tl"/>
+            </a:scene3d>
+            <a:sp3d prstMaterial="plastic">
+              <a:bevelT w="0" h="0"/>
+            </a:sp3d>
+          </c:spPr>
+          <c:invertIfNegative val="0"/>
+          <c:cat>
+            <c:strRef>
+              <c:f>'land prices'!$I$1:$L$1</c:f>
+              <c:strCache>
+                <c:ptCount val="4"/>
+                <c:pt idx="0">
+                  <c:v>RF</c:v>
+                </c:pt>
+                <c:pt idx="1">
+                  <c:v>XGBoost</c:v>
+                </c:pt>
+                <c:pt idx="2">
+                  <c:v>LightGBM</c:v>
+                </c:pt>
+                <c:pt idx="3">
+                  <c:v>CatBoost</c:v>
+                </c:pt>
+              </c:strCache>
+            </c:strRef>
+          </c:cat>
+          <c:val>
+            <c:numRef>
+              <c:f>'land prices'!$I$3:$L$3</c:f>
+              <c:numCache>
+                <c:formatCode>General</c:formatCode>
+                <c:ptCount val="4"/>
+                <c:pt idx="0">
+                  <c:v>0.33965416106201701</c:v>
+                </c:pt>
+                <c:pt idx="1">
+                  <c:v>0.30483835802873099</c:v>
+                </c:pt>
+                <c:pt idx="2">
+                  <c:v>0.391302207253655</c:v>
+                </c:pt>
+                <c:pt idx="3">
+                  <c:v>0.24928691132307601</c:v>
+                </c:pt>
+              </c:numCache>
+            </c:numRef>
+          </c:val>
+          <c:extLst>
+            <c:ext xmlns:c16="http://schemas.microsoft.com/office/drawing/2014/chart" uri="{C3380CC4-5D6E-409C-BE32-E72D297353CC}">
+              <c16:uniqueId val="{00000001-ECE3-4BC5-AE05-B4B70337D3FC}"/>
+            </c:ext>
+          </c:extLst>
+        </c:ser>
+        <c:ser>
+          <c:idx val="2"/>
+          <c:order val="2"/>
+          <c:tx>
+            <c:strRef>
+              <c:f>'land prices'!$H$4</c:f>
+              <c:strCache>
+                <c:ptCount val="1"/>
+                <c:pt idx="0">
+                  <c:v>mixed</c:v>
+                </c:pt>
+              </c:strCache>
+            </c:strRef>
+          </c:tx>
+          <c:spPr>
+            <a:gradFill rotWithShape="1">
+              <a:gsLst>
+                <a:gs pos="0">
+                  <a:schemeClr val="accent3">
+                    <a:tint val="98000"/>
+                    <a:lumMod val="114000"/>
+                  </a:schemeClr>
+                </a:gs>
+                <a:gs pos="100000">
+                  <a:schemeClr val="accent3">
+                    <a:shade val="90000"/>
+                    <a:lumMod val="84000"/>
+                  </a:schemeClr>
+                </a:gs>
+              </a:gsLst>
+              <a:lin ang="5400000" scaled="0"/>
+            </a:gradFill>
+            <a:ln>
+              <a:noFill/>
+            </a:ln>
+            <a:effectLst>
+              <a:outerShdw blurRad="63500" dist="38100" dir="5400000" rotWithShape="0">
+                <a:srgbClr val="000000">
+                  <a:alpha val="60000"/>
+                </a:srgbClr>
+              </a:outerShdw>
+            </a:effectLst>
+            <a:scene3d>
+              <a:camera prst="orthographicFront">
+                <a:rot lat="0" lon="0" rev="0"/>
+              </a:camera>
+              <a:lightRig rig="threePt" dir="tl"/>
+            </a:scene3d>
+            <a:sp3d prstMaterial="plastic">
+              <a:bevelT w="0" h="0"/>
+            </a:sp3d>
+          </c:spPr>
+          <c:invertIfNegative val="0"/>
+          <c:cat>
+            <c:strRef>
+              <c:f>'land prices'!$I$1:$L$1</c:f>
+              <c:strCache>
+                <c:ptCount val="4"/>
+                <c:pt idx="0">
+                  <c:v>RF</c:v>
+                </c:pt>
+                <c:pt idx="1">
+                  <c:v>XGBoost</c:v>
+                </c:pt>
+                <c:pt idx="2">
+                  <c:v>LightGBM</c:v>
+                </c:pt>
+                <c:pt idx="3">
+                  <c:v>CatBoost</c:v>
+                </c:pt>
+              </c:strCache>
+            </c:strRef>
+          </c:cat>
+          <c:val>
+            <c:numRef>
+              <c:f>'land prices'!$I$4:$L$4</c:f>
+              <c:numCache>
+                <c:formatCode>General</c:formatCode>
+                <c:ptCount val="4"/>
+                <c:pt idx="0">
+                  <c:v>0.312607600362107</c:v>
+                </c:pt>
+                <c:pt idx="1">
+                  <c:v>0.29214170134036299</c:v>
+                </c:pt>
+                <c:pt idx="2">
+                  <c:v>0.35768939425415203</c:v>
+                </c:pt>
+                <c:pt idx="3">
+                  <c:v>0.24528983152735701</c:v>
+                </c:pt>
+              </c:numCache>
+            </c:numRef>
+          </c:val>
+          <c:extLst>
+            <c:ext xmlns:c16="http://schemas.microsoft.com/office/drawing/2014/chart" uri="{C3380CC4-5D6E-409C-BE32-E72D297353CC}">
+              <c16:uniqueId val="{00000002-ECE3-4BC5-AE05-B4B70337D3FC}"/>
+            </c:ext>
+          </c:extLst>
+        </c:ser>
+        <c:ser>
+          <c:idx val="3"/>
+          <c:order val="3"/>
+          <c:tx>
+            <c:strRef>
+              <c:f>'land prices'!$H$5</c:f>
+              <c:strCache>
+                <c:ptCount val="1"/>
+                <c:pt idx="0">
+                  <c:v>native</c:v>
+                </c:pt>
+              </c:strCache>
+            </c:strRef>
+          </c:tx>
+          <c:spPr>
+            <a:gradFill rotWithShape="1">
+              <a:gsLst>
+                <a:gs pos="0">
+                  <a:schemeClr val="accent4">
+                    <a:tint val="98000"/>
+                    <a:lumMod val="114000"/>
+                  </a:schemeClr>
+                </a:gs>
+                <a:gs pos="100000">
+                  <a:schemeClr val="accent4">
+                    <a:shade val="90000"/>
+                    <a:lumMod val="84000"/>
+                  </a:schemeClr>
+                </a:gs>
+              </a:gsLst>
+              <a:lin ang="5400000" scaled="0"/>
+            </a:gradFill>
+            <a:ln>
+              <a:noFill/>
+            </a:ln>
+            <a:effectLst>
+              <a:outerShdw blurRad="63500" dist="38100" dir="5400000" rotWithShape="0">
+                <a:srgbClr val="000000">
+                  <a:alpha val="60000"/>
+                </a:srgbClr>
+              </a:outerShdw>
+            </a:effectLst>
+            <a:scene3d>
+              <a:camera prst="orthographicFront">
+                <a:rot lat="0" lon="0" rev="0"/>
+              </a:camera>
+              <a:lightRig rig="threePt" dir="tl"/>
+            </a:scene3d>
+            <a:sp3d prstMaterial="plastic">
+              <a:bevelT w="0" h="0"/>
+            </a:sp3d>
+          </c:spPr>
+          <c:invertIfNegative val="0"/>
+          <c:cat>
+            <c:strRef>
+              <c:f>'land prices'!$I$1:$L$1</c:f>
+              <c:strCache>
+                <c:ptCount val="4"/>
+                <c:pt idx="0">
+                  <c:v>RF</c:v>
+                </c:pt>
+                <c:pt idx="1">
+                  <c:v>XGBoost</c:v>
+                </c:pt>
+                <c:pt idx="2">
+                  <c:v>LightGBM</c:v>
+                </c:pt>
+                <c:pt idx="3">
+                  <c:v>CatBoost</c:v>
+                </c:pt>
+              </c:strCache>
+            </c:strRef>
+          </c:cat>
+          <c:val>
+            <c:numRef>
+              <c:f>'land prices'!$I$5:$L$5</c:f>
+              <c:numCache>
+                <c:formatCode>General</c:formatCode>
+                <c:ptCount val="4"/>
+                <c:pt idx="0">
+                  <c:v>0</c:v>
+                </c:pt>
+                <c:pt idx="1">
+                  <c:v>0</c:v>
+                </c:pt>
+                <c:pt idx="2">
+                  <c:v>0.470910762254172</c:v>
+                </c:pt>
+                <c:pt idx="3">
+                  <c:v>0.297191883975158</c:v>
+                </c:pt>
+              </c:numCache>
+            </c:numRef>
+          </c:val>
+          <c:extLst>
+            <c:ext xmlns:c16="http://schemas.microsoft.com/office/drawing/2014/chart" uri="{C3380CC4-5D6E-409C-BE32-E72D297353CC}">
+              <c16:uniqueId val="{00000003-ECE3-4BC5-AE05-B4B70337D3FC}"/>
+            </c:ext>
+          </c:extLst>
+        </c:ser>
+        <c:dLbls>
+          <c:showLegendKey val="0"/>
+          <c:showVal val="0"/>
+          <c:showCatName val="0"/>
+          <c:showSerName val="0"/>
+          <c:showPercent val="0"/>
+          <c:showBubbleSize val="0"/>
+        </c:dLbls>
+        <c:gapWidth val="219"/>
+        <c:overlap val="-27"/>
+        <c:axId val="367049920"/>
+        <c:axId val="2076991088"/>
+      </c:barChart>
+      <c:lineChart>
+        <c:grouping val="standard"/>
+        <c:varyColors val="0"/>
+        <c:ser>
+          <c:idx val="4"/>
+          <c:order val="4"/>
+          <c:tx>
+            <c:strRef>
+              <c:f>'land prices'!$H$6</c:f>
+              <c:strCache>
+                <c:ptCount val="1"/>
+                <c:pt idx="0">
+                  <c:v>Random log-loss</c:v>
+                </c:pt>
+              </c:strCache>
+            </c:strRef>
+          </c:tx>
+          <c:spPr>
+            <a:ln w="34925" cap="rnd">
+              <a:solidFill>
+                <a:schemeClr val="accent5"/>
+              </a:solidFill>
+              <a:round/>
+            </a:ln>
+            <a:effectLst>
+              <a:outerShdw blurRad="63500" dist="38100" dir="5400000" rotWithShape="0">
+                <a:srgbClr val="000000">
+                  <a:alpha val="60000"/>
+                </a:srgbClr>
+              </a:outerShdw>
+            </a:effectLst>
+          </c:spPr>
+          <c:marker>
+            <c:symbol val="none"/>
+          </c:marker>
+          <c:cat>
+            <c:strRef>
+              <c:f>'land prices'!$I$1:$L$1</c:f>
+              <c:strCache>
+                <c:ptCount val="4"/>
+                <c:pt idx="0">
+                  <c:v>RF</c:v>
+                </c:pt>
+                <c:pt idx="1">
+                  <c:v>XGBoost</c:v>
+                </c:pt>
+                <c:pt idx="2">
+                  <c:v>LightGBM</c:v>
+                </c:pt>
+                <c:pt idx="3">
+                  <c:v>CatBoost</c:v>
+                </c:pt>
+              </c:strCache>
+            </c:strRef>
+          </c:cat>
+          <c:val>
+            <c:numRef>
+              <c:f>'land prices'!$I$6:$L$6</c:f>
+              <c:numCache>
+                <c:formatCode>General</c:formatCode>
+                <c:ptCount val="4"/>
+                <c:pt idx="0">
+                  <c:v>1.42</c:v>
+                </c:pt>
+                <c:pt idx="1">
+                  <c:v>1.42</c:v>
+                </c:pt>
+                <c:pt idx="2">
+                  <c:v>1.42</c:v>
+                </c:pt>
+                <c:pt idx="3">
+                  <c:v>1.42</c:v>
+                </c:pt>
+              </c:numCache>
+            </c:numRef>
+          </c:val>
+          <c:smooth val="0"/>
+          <c:extLst>
+            <c:ext xmlns:c16="http://schemas.microsoft.com/office/drawing/2014/chart" uri="{C3380CC4-5D6E-409C-BE32-E72D297353CC}">
+              <c16:uniqueId val="{00000004-ECE3-4BC5-AE05-B4B70337D3FC}"/>
+            </c:ext>
+          </c:extLst>
+        </c:ser>
+        <c:dLbls>
+          <c:showLegendKey val="0"/>
+          <c:showVal val="0"/>
+          <c:showCatName val="0"/>
+          <c:showSerName val="0"/>
+          <c:showPercent val="0"/>
+          <c:showBubbleSize val="0"/>
+        </c:dLbls>
+        <c:marker val="1"/>
+        <c:smooth val="0"/>
+        <c:axId val="367049920"/>
+        <c:axId val="2076991088"/>
+      </c:lineChart>
+      <c:catAx>
+        <c:axId val="367049920"/>
+        <c:scaling>
+          <c:orientation val="minMax"/>
+        </c:scaling>
+        <c:delete val="0"/>
+        <c:axPos val="b"/>
+        <c:numFmt formatCode="General" sourceLinked="1"/>
+        <c:majorTickMark val="none"/>
+        <c:minorTickMark val="none"/>
+        <c:tickLblPos val="nextTo"/>
+        <c:spPr>
+          <a:noFill/>
+          <a:ln w="12700" cap="flat" cmpd="sng" algn="ctr">
+            <a:solidFill>
+              <a:schemeClr val="lt1">
+                <a:lumMod val="95000"/>
+                <a:alpha val="54000"/>
+              </a:schemeClr>
+            </a:solidFill>
+            <a:round/>
+          </a:ln>
+          <a:effectLst/>
+        </c:spPr>
+        <c:txPr>
+          <a:bodyPr rot="-60000000" spcFirstLastPara="1" vertOverflow="ellipsis" vert="horz" wrap="square" anchor="ctr" anchorCtr="1"/>
+          <a:lstStyle/>
+          <a:p>
+            <a:pPr>
+              <a:defRPr sz="1197" b="0" i="0" u="none" strike="noStrike" kern="1200" baseline="0">
+                <a:solidFill>
+                  <a:schemeClr val="lt1">
+                    <a:lumMod val="85000"/>
+                  </a:schemeClr>
+                </a:solidFill>
+                <a:latin typeface="+mn-lt"/>
+                <a:ea typeface="+mn-ea"/>
+                <a:cs typeface="+mn-cs"/>
+              </a:defRPr>
+            </a:pPr>
+            <a:endParaRPr lang="en-US"/>
+          </a:p>
+        </c:txPr>
+        <c:crossAx val="2076991088"/>
+        <c:crosses val="autoZero"/>
+        <c:auto val="1"/>
+        <c:lblAlgn val="ctr"/>
+        <c:lblOffset val="100"/>
+        <c:noMultiLvlLbl val="0"/>
+      </c:catAx>
+      <c:valAx>
+        <c:axId val="2076991088"/>
+        <c:scaling>
+          <c:orientation val="minMax"/>
+        </c:scaling>
+        <c:delete val="0"/>
+        <c:axPos val="l"/>
+        <c:majorGridlines>
+          <c:spPr>
+            <a:ln w="9525" cap="flat" cmpd="sng" algn="ctr">
+              <a:solidFill>
+                <a:schemeClr val="lt1">
+                  <a:lumMod val="95000"/>
+                  <a:alpha val="10000"/>
+                </a:schemeClr>
+              </a:solidFill>
+              <a:round/>
+            </a:ln>
+            <a:effectLst/>
+          </c:spPr>
+        </c:majorGridlines>
+        <c:numFmt formatCode="General" sourceLinked="1"/>
+        <c:majorTickMark val="none"/>
+        <c:minorTickMark val="none"/>
+        <c:tickLblPos val="nextTo"/>
+        <c:spPr>
+          <a:noFill/>
+          <a:ln>
+            <a:noFill/>
+          </a:ln>
+          <a:effectLst/>
+        </c:spPr>
+        <c:txPr>
+          <a:bodyPr rot="-60000000" spcFirstLastPara="1" vertOverflow="ellipsis" vert="horz" wrap="square" anchor="ctr" anchorCtr="1"/>
+          <a:lstStyle/>
+          <a:p>
+            <a:pPr>
+              <a:defRPr sz="1197" b="0" i="0" u="none" strike="noStrike" kern="1200" baseline="0">
+                <a:solidFill>
+                  <a:schemeClr val="lt1">
+                    <a:lumMod val="85000"/>
+                  </a:schemeClr>
+                </a:solidFill>
+                <a:latin typeface="+mn-lt"/>
+                <a:ea typeface="+mn-ea"/>
+                <a:cs typeface="+mn-cs"/>
+              </a:defRPr>
+            </a:pPr>
+            <a:endParaRPr lang="en-US"/>
+          </a:p>
+        </c:txPr>
+        <c:crossAx val="367049920"/>
+        <c:crosses val="autoZero"/>
+        <c:crossBetween val="between"/>
+      </c:valAx>
+      <c:spPr>
+        <a:noFill/>
+        <a:ln>
+          <a:noFill/>
+        </a:ln>
+        <a:effectLst/>
+      </c:spPr>
+    </c:plotArea>
+    <c:legend>
+      <c:legendPos val="b"/>
+      <c:overlay val="0"/>
+      <c:spPr>
+        <a:noFill/>
+        <a:ln>
+          <a:noFill/>
+        </a:ln>
+        <a:effectLst/>
+      </c:spPr>
+      <c:txPr>
+        <a:bodyPr rot="0" spcFirstLastPara="1" vertOverflow="ellipsis" vert="horz" wrap="square" anchor="ctr" anchorCtr="1"/>
+        <a:lstStyle/>
+        <a:p>
+          <a:pPr>
+            <a:defRPr sz="1197" b="0" i="0" u="none" strike="noStrike" kern="1200" baseline="0">
+              <a:solidFill>
+                <a:schemeClr val="lt1">
+                  <a:lumMod val="85000"/>
+                </a:schemeClr>
+              </a:solidFill>
+              <a:latin typeface="+mn-lt"/>
+              <a:ea typeface="+mn-ea"/>
+              <a:cs typeface="+mn-cs"/>
+            </a:defRPr>
+          </a:pPr>
+          <a:endParaRPr lang="en-US"/>
+        </a:p>
+      </c:txPr>
+    </c:legend>
+    <c:plotVisOnly val="1"/>
+    <c:dispBlanksAs val="gap"/>
+    <c:extLst>
+      <c:ext xmlns:c16r3="http://schemas.microsoft.com/office/drawing/2017/03/chart" uri="{56B9EC1D-385E-4148-901F-78D8002777C0}">
+        <c16r3:dataDisplayOptions16>
+          <c16r3:dispNaAsBlank val="1"/>
+        </c16r3:dataDisplayOptions16>
+      </c:ext>
+    </c:extLst>
+    <c:showDLblsOverMax val="0"/>
+  </c:chart>
+  <c:spPr>
+    <a:gradFill flip="none" rotWithShape="1">
+      <a:gsLst>
+        <a:gs pos="0">
+          <a:schemeClr val="dk1">
+            <a:lumMod val="65000"/>
+            <a:lumOff val="35000"/>
+          </a:schemeClr>
+        </a:gs>
+        <a:gs pos="100000">
+          <a:schemeClr val="dk1">
+            <a:lumMod val="85000"/>
+            <a:lumOff val="15000"/>
+          </a:schemeClr>
+        </a:gs>
+      </a:gsLst>
+      <a:path path="circle">
+        <a:fillToRect l="50000" t="50000" r="50000" b="50000"/>
+      </a:path>
+      <a:tileRect/>
+    </a:gradFill>
+    <a:ln>
+      <a:noFill/>
+    </a:ln>
+    <a:effectLst/>
+  </c:spPr>
+  <c:txPr>
+    <a:bodyPr/>
+    <a:lstStyle/>
+    <a:p>
+      <a:pPr>
+        <a:defRPr/>
+      </a:pPr>
+      <a:endParaRPr lang="en-US"/>
+    </a:p>
+  </c:txPr>
+  <c:externalData r:id="rId3">
+    <c:autoUpdate val="0"/>
+  </c:externalData>
+</c:chartSpace>
+</file>
+
+<file path=ppt/charts/chart5.xml><?xml version="1.0" encoding="utf-8"?>
+<c:chartSpace xmlns:c="http://schemas.openxmlformats.org/drawingml/2006/chart" xmlns:a="http://schemas.openxmlformats.org/drawingml/2006/main" xmlns:r="http://schemas.openxmlformats.org/officeDocument/2006/relationships" xmlns:c16r2="http://schemas.microsoft.com/office/drawing/2015/06/chart">
+  <c:date1904 val="0"/>
+  <c:lang val="en-US"/>
+  <c:roundedCorners val="0"/>
+  <mc:AlternateContent xmlns:mc="http://schemas.openxmlformats.org/markup-compatibility/2006">
+    <mc:Choice xmlns:c14="http://schemas.microsoft.com/office/drawing/2007/8/2/chart" Requires="c14">
+      <c14:style val="102"/>
+    </mc:Choice>
+    <mc:Fallback>
+      <c:style val="2"/>
+    </mc:Fallback>
+  </mc:AlternateContent>
+  <c:chart>
+    <c:title>
+      <c:tx>
+        <c:rich>
+          <a:bodyPr rot="0" spcFirstLastPara="1" vertOverflow="ellipsis" vert="horz" wrap="square" anchor="ctr" anchorCtr="1"/>
+          <a:lstStyle/>
+          <a:p>
+            <a:pPr>
+              <a:defRPr sz="2128" b="1" i="0" u="none" strike="noStrike" kern="1200" spc="100" baseline="0">
+                <a:solidFill>
+                  <a:schemeClr val="lt1">
+                    <a:lumMod val="95000"/>
+                  </a:schemeClr>
+                </a:solidFill>
+                <a:effectLst>
+                  <a:outerShdw blurRad="50800" dist="38100" dir="5400000" algn="t" rotWithShape="0">
+                    <a:prstClr val="black">
+                      <a:alpha val="40000"/>
+                    </a:prstClr>
+                  </a:outerShdw>
+                </a:effectLst>
+                <a:latin typeface="+mn-lt"/>
+                <a:ea typeface="+mn-ea"/>
+                <a:cs typeface="+mn-cs"/>
+              </a:defRPr>
+            </a:pPr>
+            <a:r>
+              <a:rPr lang="en-IN"/>
+              <a:t>Kick</a:t>
+            </a:r>
+          </a:p>
+        </c:rich>
+      </c:tx>
+      <c:overlay val="0"/>
+      <c:spPr>
+        <a:noFill/>
+        <a:ln>
+          <a:noFill/>
+        </a:ln>
+        <a:effectLst/>
+      </c:spPr>
+      <c:txPr>
+        <a:bodyPr rot="0" spcFirstLastPara="1" vertOverflow="ellipsis" vert="horz" wrap="square" anchor="ctr" anchorCtr="1"/>
+        <a:lstStyle/>
+        <a:p>
+          <a:pPr>
+            <a:defRPr sz="2128" b="1" i="0" u="none" strike="noStrike" kern="1200" spc="100" baseline="0">
+              <a:solidFill>
+                <a:schemeClr val="lt1">
+                  <a:lumMod val="95000"/>
+                </a:schemeClr>
+              </a:solidFill>
+              <a:effectLst>
+                <a:outerShdw blurRad="50800" dist="38100" dir="5400000" algn="t" rotWithShape="0">
+                  <a:prstClr val="black">
+                    <a:alpha val="40000"/>
+                  </a:prstClr>
+                </a:outerShdw>
+              </a:effectLst>
+              <a:latin typeface="+mn-lt"/>
+              <a:ea typeface="+mn-ea"/>
+              <a:cs typeface="+mn-cs"/>
+            </a:defRPr>
+          </a:pPr>
+          <a:endParaRPr lang="en-US"/>
+        </a:p>
+      </c:txPr>
+    </c:title>
+    <c:autoTitleDeleted val="0"/>
+    <c:plotArea>
+      <c:layout/>
+      <c:barChart>
+        <c:barDir val="col"/>
+        <c:grouping val="clustered"/>
+        <c:varyColors val="0"/>
+        <c:ser>
+          <c:idx val="0"/>
+          <c:order val="0"/>
+          <c:tx>
+            <c:strRef>
+              <c:f>kick!$H$2</c:f>
+              <c:strCache>
+                <c:ptCount val="1"/>
+                <c:pt idx="0">
+                  <c:v>one hot</c:v>
+                </c:pt>
+              </c:strCache>
+            </c:strRef>
+          </c:tx>
+          <c:spPr>
+            <a:gradFill rotWithShape="1">
+              <a:gsLst>
+                <a:gs pos="0">
+                  <a:schemeClr val="accent1">
+                    <a:tint val="98000"/>
+                    <a:lumMod val="114000"/>
+                  </a:schemeClr>
+                </a:gs>
+                <a:gs pos="100000">
+                  <a:schemeClr val="accent1">
+                    <a:shade val="90000"/>
+                    <a:lumMod val="84000"/>
+                  </a:schemeClr>
+                </a:gs>
+              </a:gsLst>
+              <a:lin ang="5400000" scaled="0"/>
+            </a:gradFill>
+            <a:ln>
+              <a:noFill/>
+            </a:ln>
+            <a:effectLst>
+              <a:outerShdw blurRad="63500" dist="38100" dir="5400000" rotWithShape="0">
+                <a:srgbClr val="000000">
+                  <a:alpha val="60000"/>
+                </a:srgbClr>
+              </a:outerShdw>
+            </a:effectLst>
+            <a:scene3d>
+              <a:camera prst="orthographicFront">
+                <a:rot lat="0" lon="0" rev="0"/>
+              </a:camera>
+              <a:lightRig rig="threePt" dir="tl"/>
+            </a:scene3d>
+            <a:sp3d prstMaterial="plastic">
+              <a:bevelT w="0" h="0"/>
+            </a:sp3d>
+          </c:spPr>
+          <c:invertIfNegative val="0"/>
+          <c:cat>
+            <c:strRef>
+              <c:f>kick!$I$1:$L$1</c:f>
+              <c:strCache>
+                <c:ptCount val="4"/>
+                <c:pt idx="0">
+                  <c:v>RF</c:v>
+                </c:pt>
+                <c:pt idx="1">
+                  <c:v>XGBoost</c:v>
+                </c:pt>
+                <c:pt idx="2">
+                  <c:v>LightGBM</c:v>
+                </c:pt>
+                <c:pt idx="3">
+                  <c:v>CatBoost</c:v>
+                </c:pt>
+              </c:strCache>
+            </c:strRef>
+          </c:cat>
+          <c:val>
+            <c:numRef>
+              <c:f>kick!$I$2:$L$2</c:f>
+              <c:numCache>
+                <c:formatCode>General</c:formatCode>
+                <c:ptCount val="4"/>
+                <c:pt idx="0">
+                  <c:v>0.332390223558025</c:v>
+                </c:pt>
+                <c:pt idx="1">
+                  <c:v>0.30036731917711901</c:v>
+                </c:pt>
+                <c:pt idx="2">
+                  <c:v>0.291179358467828</c:v>
+                </c:pt>
+                <c:pt idx="3">
+                  <c:v>0.28872546440681701</c:v>
+                </c:pt>
+              </c:numCache>
+            </c:numRef>
+          </c:val>
+          <c:extLst>
+            <c:ext xmlns:c16="http://schemas.microsoft.com/office/drawing/2014/chart" uri="{C3380CC4-5D6E-409C-BE32-E72D297353CC}">
+              <c16:uniqueId val="{00000000-FFFC-4913-807C-A59F96218F61}"/>
+            </c:ext>
+          </c:extLst>
+        </c:ser>
+        <c:ser>
+          <c:idx val="1"/>
+          <c:order val="1"/>
+          <c:tx>
+            <c:strRef>
+              <c:f>kick!$H$3</c:f>
+              <c:strCache>
+                <c:ptCount val="1"/>
+                <c:pt idx="0">
+                  <c:v>target</c:v>
+                </c:pt>
+              </c:strCache>
+            </c:strRef>
+          </c:tx>
+          <c:spPr>
+            <a:gradFill rotWithShape="1">
+              <a:gsLst>
+                <a:gs pos="0">
+                  <a:schemeClr val="accent2">
+                    <a:tint val="98000"/>
+                    <a:lumMod val="114000"/>
+                  </a:schemeClr>
+                </a:gs>
+                <a:gs pos="100000">
+                  <a:schemeClr val="accent2">
+                    <a:shade val="90000"/>
+                    <a:lumMod val="84000"/>
+                  </a:schemeClr>
+                </a:gs>
+              </a:gsLst>
+              <a:lin ang="5400000" scaled="0"/>
+            </a:gradFill>
+            <a:ln>
+              <a:noFill/>
+            </a:ln>
+            <a:effectLst>
+              <a:outerShdw blurRad="63500" dist="38100" dir="5400000" rotWithShape="0">
+                <a:srgbClr val="000000">
+                  <a:alpha val="60000"/>
+                </a:srgbClr>
+              </a:outerShdw>
+            </a:effectLst>
+            <a:scene3d>
+              <a:camera prst="orthographicFront">
+                <a:rot lat="0" lon="0" rev="0"/>
+              </a:camera>
+              <a:lightRig rig="threePt" dir="tl"/>
+            </a:scene3d>
+            <a:sp3d prstMaterial="plastic">
+              <a:bevelT w="0" h="0"/>
+            </a:sp3d>
+          </c:spPr>
+          <c:invertIfNegative val="0"/>
+          <c:cat>
+            <c:strRef>
+              <c:f>kick!$I$1:$L$1</c:f>
+              <c:strCache>
+                <c:ptCount val="4"/>
+                <c:pt idx="0">
+                  <c:v>RF</c:v>
+                </c:pt>
+                <c:pt idx="1">
+                  <c:v>XGBoost</c:v>
+                </c:pt>
+                <c:pt idx="2">
+                  <c:v>LightGBM</c:v>
+                </c:pt>
+                <c:pt idx="3">
+                  <c:v>CatBoost</c:v>
+                </c:pt>
+              </c:strCache>
+            </c:strRef>
+          </c:cat>
+          <c:val>
+            <c:numRef>
+              <c:f>kick!$I$3:$L$3</c:f>
+              <c:numCache>
+                <c:formatCode>General</c:formatCode>
+                <c:ptCount val="4"/>
+                <c:pt idx="0">
+                  <c:v>0.29703787032846002</c:v>
+                </c:pt>
+                <c:pt idx="1">
+                  <c:v>0.46842770041382298</c:v>
+                </c:pt>
+                <c:pt idx="2">
+                  <c:v>0.30200469210034098</c:v>
+                </c:pt>
+                <c:pt idx="3">
+                  <c:v>0.300494189542655</c:v>
+                </c:pt>
+              </c:numCache>
+            </c:numRef>
+          </c:val>
+          <c:extLst>
+            <c:ext xmlns:c16="http://schemas.microsoft.com/office/drawing/2014/chart" uri="{C3380CC4-5D6E-409C-BE32-E72D297353CC}">
+              <c16:uniqueId val="{00000001-FFFC-4913-807C-A59F96218F61}"/>
+            </c:ext>
+          </c:extLst>
+        </c:ser>
+        <c:ser>
+          <c:idx val="2"/>
+          <c:order val="2"/>
+          <c:tx>
+            <c:strRef>
+              <c:f>kick!$H$4</c:f>
+              <c:strCache>
+                <c:ptCount val="1"/>
+                <c:pt idx="0">
+                  <c:v>mixed</c:v>
+                </c:pt>
+              </c:strCache>
+            </c:strRef>
+          </c:tx>
+          <c:spPr>
+            <a:gradFill rotWithShape="1">
+              <a:gsLst>
+                <a:gs pos="0">
+                  <a:schemeClr val="accent3">
+                    <a:tint val="98000"/>
+                    <a:lumMod val="114000"/>
+                  </a:schemeClr>
+                </a:gs>
+                <a:gs pos="100000">
+                  <a:schemeClr val="accent3">
+                    <a:shade val="90000"/>
+                    <a:lumMod val="84000"/>
+                  </a:schemeClr>
+                </a:gs>
+              </a:gsLst>
+              <a:lin ang="5400000" scaled="0"/>
+            </a:gradFill>
+            <a:ln>
+              <a:noFill/>
+            </a:ln>
+            <a:effectLst>
+              <a:outerShdw blurRad="63500" dist="38100" dir="5400000" rotWithShape="0">
+                <a:srgbClr val="000000">
+                  <a:alpha val="60000"/>
+                </a:srgbClr>
+              </a:outerShdw>
+            </a:effectLst>
+            <a:scene3d>
+              <a:camera prst="orthographicFront">
+                <a:rot lat="0" lon="0" rev="0"/>
+              </a:camera>
+              <a:lightRig rig="threePt" dir="tl"/>
+            </a:scene3d>
+            <a:sp3d prstMaterial="plastic">
+              <a:bevelT w="0" h="0"/>
+            </a:sp3d>
+          </c:spPr>
+          <c:invertIfNegative val="0"/>
+          <c:cat>
+            <c:strRef>
+              <c:f>kick!$I$1:$L$1</c:f>
+              <c:strCache>
+                <c:ptCount val="4"/>
+                <c:pt idx="0">
+                  <c:v>RF</c:v>
+                </c:pt>
+                <c:pt idx="1">
+                  <c:v>XGBoost</c:v>
+                </c:pt>
+                <c:pt idx="2">
+                  <c:v>LightGBM</c:v>
+                </c:pt>
+                <c:pt idx="3">
+                  <c:v>CatBoost</c:v>
+                </c:pt>
+              </c:strCache>
+            </c:strRef>
+          </c:cat>
+          <c:val>
+            <c:numRef>
+              <c:f>kick!$I$4:$L$4</c:f>
+              <c:numCache>
+                <c:formatCode>General</c:formatCode>
+                <c:ptCount val="4"/>
+                <c:pt idx="0">
+                  <c:v>0.29982024025530302</c:v>
+                </c:pt>
+                <c:pt idx="1">
+                  <c:v>0.42322487093316702</c:v>
+                </c:pt>
+                <c:pt idx="2">
+                  <c:v>0.30022273586713799</c:v>
+                </c:pt>
+                <c:pt idx="3">
+                  <c:v>0.297122130972237</c:v>
+                </c:pt>
+              </c:numCache>
+            </c:numRef>
+          </c:val>
+          <c:extLst>
+            <c:ext xmlns:c16="http://schemas.microsoft.com/office/drawing/2014/chart" uri="{C3380CC4-5D6E-409C-BE32-E72D297353CC}">
+              <c16:uniqueId val="{00000002-FFFC-4913-807C-A59F96218F61}"/>
+            </c:ext>
+          </c:extLst>
+        </c:ser>
+        <c:ser>
+          <c:idx val="3"/>
+          <c:order val="3"/>
+          <c:tx>
+            <c:strRef>
+              <c:f>kick!$H$5</c:f>
+              <c:strCache>
+                <c:ptCount val="1"/>
+                <c:pt idx="0">
+                  <c:v>native</c:v>
+                </c:pt>
+              </c:strCache>
+            </c:strRef>
+          </c:tx>
+          <c:spPr>
+            <a:gradFill rotWithShape="1">
+              <a:gsLst>
+                <a:gs pos="0">
+                  <a:schemeClr val="accent4">
+                    <a:tint val="98000"/>
+                    <a:lumMod val="114000"/>
+                  </a:schemeClr>
+                </a:gs>
+                <a:gs pos="100000">
+                  <a:schemeClr val="accent4">
+                    <a:shade val="90000"/>
+                    <a:lumMod val="84000"/>
+                  </a:schemeClr>
+                </a:gs>
+              </a:gsLst>
+              <a:lin ang="5400000" scaled="0"/>
+            </a:gradFill>
+            <a:ln>
+              <a:noFill/>
+            </a:ln>
+            <a:effectLst>
+              <a:outerShdw blurRad="63500" dist="38100" dir="5400000" rotWithShape="0">
+                <a:srgbClr val="000000">
+                  <a:alpha val="60000"/>
+                </a:srgbClr>
+              </a:outerShdw>
+            </a:effectLst>
+            <a:scene3d>
+              <a:camera prst="orthographicFront">
+                <a:rot lat="0" lon="0" rev="0"/>
+              </a:camera>
+              <a:lightRig rig="threePt" dir="tl"/>
+            </a:scene3d>
+            <a:sp3d prstMaterial="plastic">
+              <a:bevelT w="0" h="0"/>
+            </a:sp3d>
+          </c:spPr>
+          <c:invertIfNegative val="0"/>
+          <c:cat>
+            <c:strRef>
+              <c:f>kick!$I$1:$L$1</c:f>
+              <c:strCache>
+                <c:ptCount val="4"/>
+                <c:pt idx="0">
+                  <c:v>RF</c:v>
+                </c:pt>
+                <c:pt idx="1">
+                  <c:v>XGBoost</c:v>
+                </c:pt>
+                <c:pt idx="2">
+                  <c:v>LightGBM</c:v>
+                </c:pt>
+                <c:pt idx="3">
+                  <c:v>CatBoost</c:v>
+                </c:pt>
+              </c:strCache>
+            </c:strRef>
+          </c:cat>
+          <c:val>
+            <c:numRef>
+              <c:f>kick!$I$5:$L$5</c:f>
+              <c:numCache>
+                <c:formatCode>General</c:formatCode>
+                <c:ptCount val="4"/>
+                <c:pt idx="0">
+                  <c:v>0</c:v>
+                </c:pt>
+                <c:pt idx="1">
+                  <c:v>0</c:v>
+                </c:pt>
+                <c:pt idx="2">
+                  <c:v>0.297015920634076</c:v>
+                </c:pt>
+              </c:numCache>
+            </c:numRef>
+          </c:val>
+          <c:extLst>
+            <c:ext xmlns:c16="http://schemas.microsoft.com/office/drawing/2014/chart" uri="{C3380CC4-5D6E-409C-BE32-E72D297353CC}">
+              <c16:uniqueId val="{00000003-FFFC-4913-807C-A59F96218F61}"/>
+            </c:ext>
+          </c:extLst>
+        </c:ser>
+        <c:dLbls>
+          <c:showLegendKey val="0"/>
+          <c:showVal val="0"/>
+          <c:showCatName val="0"/>
+          <c:showSerName val="0"/>
+          <c:showPercent val="0"/>
+          <c:showBubbleSize val="0"/>
+        </c:dLbls>
+        <c:gapWidth val="219"/>
+        <c:overlap val="-27"/>
+        <c:axId val="209397856"/>
+        <c:axId val="28984032"/>
+      </c:barChart>
+      <c:lineChart>
+        <c:grouping val="standard"/>
+        <c:varyColors val="0"/>
+        <c:ser>
+          <c:idx val="4"/>
+          <c:order val="4"/>
+          <c:tx>
+            <c:strRef>
+              <c:f>kick!$H$6</c:f>
+              <c:strCache>
+                <c:ptCount val="1"/>
+                <c:pt idx="0">
+                  <c:v>Random log-loss</c:v>
+                </c:pt>
+              </c:strCache>
+            </c:strRef>
+          </c:tx>
+          <c:spPr>
+            <a:ln w="34925" cap="rnd">
+              <a:solidFill>
+                <a:schemeClr val="accent5"/>
+              </a:solidFill>
+              <a:round/>
+            </a:ln>
+            <a:effectLst>
+              <a:outerShdw blurRad="63500" dist="38100" dir="5400000" rotWithShape="0">
+                <a:srgbClr val="000000">
+                  <a:alpha val="60000"/>
+                </a:srgbClr>
+              </a:outerShdw>
+            </a:effectLst>
+          </c:spPr>
+          <c:marker>
+            <c:symbol val="none"/>
+          </c:marker>
+          <c:cat>
+            <c:strRef>
+              <c:f>kick!$I$1:$L$1</c:f>
+              <c:strCache>
+                <c:ptCount val="4"/>
+                <c:pt idx="0">
+                  <c:v>RF</c:v>
+                </c:pt>
+                <c:pt idx="1">
+                  <c:v>XGBoost</c:v>
+                </c:pt>
+                <c:pt idx="2">
+                  <c:v>LightGBM</c:v>
+                </c:pt>
+                <c:pt idx="3">
+                  <c:v>CatBoost</c:v>
+                </c:pt>
+              </c:strCache>
+            </c:strRef>
+          </c:cat>
+          <c:val>
+            <c:numRef>
+              <c:f>kick!$I$6:$L$6</c:f>
+              <c:numCache>
+                <c:formatCode>General</c:formatCode>
+                <c:ptCount val="4"/>
+                <c:pt idx="0">
+                  <c:v>0.3669</c:v>
+                </c:pt>
+                <c:pt idx="1">
+                  <c:v>0.3669</c:v>
+                </c:pt>
+                <c:pt idx="2">
+                  <c:v>0.3669</c:v>
+                </c:pt>
+                <c:pt idx="3">
+                  <c:v>0.3669</c:v>
+                </c:pt>
+              </c:numCache>
+            </c:numRef>
+          </c:val>
+          <c:smooth val="0"/>
+          <c:extLst>
+            <c:ext xmlns:c16="http://schemas.microsoft.com/office/drawing/2014/chart" uri="{C3380CC4-5D6E-409C-BE32-E72D297353CC}">
+              <c16:uniqueId val="{00000004-FFFC-4913-807C-A59F96218F61}"/>
+            </c:ext>
+          </c:extLst>
+        </c:ser>
+        <c:dLbls>
+          <c:showLegendKey val="0"/>
+          <c:showVal val="0"/>
+          <c:showCatName val="0"/>
+          <c:showSerName val="0"/>
+          <c:showPercent val="0"/>
+          <c:showBubbleSize val="0"/>
+        </c:dLbls>
+        <c:marker val="1"/>
+        <c:smooth val="0"/>
+        <c:axId val="209397856"/>
+        <c:axId val="28984032"/>
+      </c:lineChart>
+      <c:catAx>
+        <c:axId val="209397856"/>
+        <c:scaling>
+          <c:orientation val="minMax"/>
+        </c:scaling>
+        <c:delete val="0"/>
+        <c:axPos val="b"/>
+        <c:numFmt formatCode="General" sourceLinked="1"/>
+        <c:majorTickMark val="none"/>
+        <c:minorTickMark val="none"/>
+        <c:tickLblPos val="nextTo"/>
+        <c:spPr>
+          <a:noFill/>
+          <a:ln w="12700" cap="flat" cmpd="sng" algn="ctr">
+            <a:solidFill>
+              <a:schemeClr val="lt1">
+                <a:lumMod val="95000"/>
+                <a:alpha val="54000"/>
+              </a:schemeClr>
+            </a:solidFill>
+            <a:round/>
+          </a:ln>
+          <a:effectLst/>
+        </c:spPr>
+        <c:txPr>
+          <a:bodyPr rot="-60000000" spcFirstLastPara="1" vertOverflow="ellipsis" vert="horz" wrap="square" anchor="ctr" anchorCtr="1"/>
+          <a:lstStyle/>
+          <a:p>
+            <a:pPr>
+              <a:defRPr sz="1197" b="0" i="0" u="none" strike="noStrike" kern="1200" baseline="0">
+                <a:solidFill>
+                  <a:schemeClr val="lt1">
+                    <a:lumMod val="85000"/>
+                  </a:schemeClr>
+                </a:solidFill>
+                <a:latin typeface="+mn-lt"/>
+                <a:ea typeface="+mn-ea"/>
+                <a:cs typeface="+mn-cs"/>
+              </a:defRPr>
+            </a:pPr>
+            <a:endParaRPr lang="en-US"/>
+          </a:p>
+        </c:txPr>
+        <c:crossAx val="28984032"/>
+        <c:crosses val="autoZero"/>
+        <c:auto val="1"/>
+        <c:lblAlgn val="ctr"/>
+        <c:lblOffset val="100"/>
+        <c:noMultiLvlLbl val="0"/>
+      </c:catAx>
+      <c:valAx>
+        <c:axId val="28984032"/>
+        <c:scaling>
+          <c:orientation val="minMax"/>
+        </c:scaling>
+        <c:delete val="0"/>
+        <c:axPos val="l"/>
+        <c:majorGridlines>
+          <c:spPr>
+            <a:ln w="9525" cap="flat" cmpd="sng" algn="ctr">
+              <a:solidFill>
+                <a:schemeClr val="lt1">
+                  <a:lumMod val="95000"/>
+                  <a:alpha val="10000"/>
+                </a:schemeClr>
+              </a:solidFill>
+              <a:round/>
+            </a:ln>
+            <a:effectLst/>
+          </c:spPr>
+        </c:majorGridlines>
+        <c:numFmt formatCode="General" sourceLinked="1"/>
+        <c:majorTickMark val="none"/>
+        <c:minorTickMark val="none"/>
+        <c:tickLblPos val="nextTo"/>
+        <c:spPr>
+          <a:noFill/>
+          <a:ln>
+            <a:noFill/>
+          </a:ln>
+          <a:effectLst/>
+        </c:spPr>
+        <c:txPr>
+          <a:bodyPr rot="-60000000" spcFirstLastPara="1" vertOverflow="ellipsis" vert="horz" wrap="square" anchor="ctr" anchorCtr="1"/>
+          <a:lstStyle/>
+          <a:p>
+            <a:pPr>
+              <a:defRPr sz="1197" b="0" i="0" u="none" strike="noStrike" kern="1200" baseline="0">
+                <a:solidFill>
+                  <a:schemeClr val="lt1">
+                    <a:lumMod val="85000"/>
+                  </a:schemeClr>
+                </a:solidFill>
+                <a:latin typeface="+mn-lt"/>
+                <a:ea typeface="+mn-ea"/>
+                <a:cs typeface="+mn-cs"/>
+              </a:defRPr>
+            </a:pPr>
+            <a:endParaRPr lang="en-US"/>
+          </a:p>
+        </c:txPr>
+        <c:crossAx val="209397856"/>
+        <c:crosses val="autoZero"/>
+        <c:crossBetween val="between"/>
+      </c:valAx>
+      <c:spPr>
+        <a:noFill/>
+        <a:ln>
+          <a:noFill/>
+        </a:ln>
+        <a:effectLst/>
+      </c:spPr>
+    </c:plotArea>
+    <c:legend>
+      <c:legendPos val="b"/>
+      <c:overlay val="0"/>
+      <c:spPr>
+        <a:noFill/>
+        <a:ln>
+          <a:noFill/>
+        </a:ln>
+        <a:effectLst/>
+      </c:spPr>
+      <c:txPr>
+        <a:bodyPr rot="0" spcFirstLastPara="1" vertOverflow="ellipsis" vert="horz" wrap="square" anchor="ctr" anchorCtr="1"/>
+        <a:lstStyle/>
+        <a:p>
+          <a:pPr>
+            <a:defRPr sz="1197" b="0" i="0" u="none" strike="noStrike" kern="1200" baseline="0">
+              <a:solidFill>
+                <a:schemeClr val="lt1">
+                  <a:lumMod val="85000"/>
+                </a:schemeClr>
+              </a:solidFill>
+              <a:latin typeface="+mn-lt"/>
+              <a:ea typeface="+mn-ea"/>
+              <a:cs typeface="+mn-cs"/>
+            </a:defRPr>
+          </a:pPr>
+          <a:endParaRPr lang="en-US"/>
+        </a:p>
+      </c:txPr>
+    </c:legend>
+    <c:plotVisOnly val="1"/>
+    <c:dispBlanksAs val="gap"/>
+    <c:extLst>
+      <c:ext xmlns:c16r3="http://schemas.microsoft.com/office/drawing/2017/03/chart" uri="{56B9EC1D-385E-4148-901F-78D8002777C0}">
+        <c16r3:dataDisplayOptions16>
+          <c16r3:dispNaAsBlank val="1"/>
+        </c16r3:dataDisplayOptions16>
+      </c:ext>
+    </c:extLst>
+    <c:showDLblsOverMax val="0"/>
+  </c:chart>
+  <c:spPr>
+    <a:gradFill flip="none" rotWithShape="1">
+      <a:gsLst>
+        <a:gs pos="0">
+          <a:schemeClr val="dk1">
+            <a:lumMod val="65000"/>
+            <a:lumOff val="35000"/>
+          </a:schemeClr>
+        </a:gs>
+        <a:gs pos="100000">
+          <a:schemeClr val="dk1">
+            <a:lumMod val="85000"/>
+            <a:lumOff val="15000"/>
+          </a:schemeClr>
+        </a:gs>
+      </a:gsLst>
+      <a:path path="circle">
+        <a:fillToRect l="50000" t="50000" r="50000" b="50000"/>
+      </a:path>
+      <a:tileRect/>
+    </a:gradFill>
+    <a:ln>
+      <a:noFill/>
+    </a:ln>
+    <a:effectLst/>
+  </c:spPr>
+  <c:txPr>
+    <a:bodyPr/>
+    <a:lstStyle/>
+    <a:p>
+      <a:pPr>
+        <a:defRPr/>
+      </a:pPr>
+      <a:endParaRPr lang="en-US"/>
+    </a:p>
+  </c:txPr>
+  <c:externalData r:id="rId3">
+    <c:autoUpdate val="0"/>
+  </c:externalData>
+</c:chartSpace>
+</file>
+
+<file path=ppt/charts/colors1.xml><?xml version="1.0" encoding="utf-8"?>
+<cs:colorStyle xmlns:cs="http://schemas.microsoft.com/office/drawing/2012/chartStyle" xmlns:a="http://schemas.openxmlformats.org/drawingml/2006/main" meth="cycle" id="10">
+  <a:schemeClr val="accent1"/>
+  <a:schemeClr val="accent2"/>
+  <a:schemeClr val="accent3"/>
+  <a:schemeClr val="accent4"/>
+  <a:schemeClr val="accent5"/>
+  <a:schemeClr val="accent6"/>
+  <cs:variation/>
+  <cs:variation>
+    <a:lumMod val="60000"/>
+  </cs:variation>
+  <cs:variation>
+    <a:lumMod val="80000"/>
+    <a:lumOff val="20000"/>
+  </cs:variation>
+  <cs:variation>
+    <a:lumMod val="80000"/>
+  </cs:variation>
+  <cs:variation>
+    <a:lumMod val="60000"/>
+    <a:lumOff val="40000"/>
+  </cs:variation>
+  <cs:variation>
+    <a:lumMod val="50000"/>
+  </cs:variation>
+  <cs:variation>
+    <a:lumMod val="70000"/>
+    <a:lumOff val="30000"/>
+  </cs:variation>
+  <cs:variation>
+    <a:lumMod val="70000"/>
+  </cs:variation>
+  <cs:variation>
+    <a:lumMod val="50000"/>
+    <a:lumOff val="50000"/>
+  </cs:variation>
+</cs:colorStyle>
+</file>
+
+<file path=ppt/charts/colors2.xml><?xml version="1.0" encoding="utf-8"?>
+<cs:colorStyle xmlns:cs="http://schemas.microsoft.com/office/drawing/2012/chartStyle" xmlns:a="http://schemas.openxmlformats.org/drawingml/2006/main" meth="cycle" id="10">
+  <a:schemeClr val="accent1"/>
+  <a:schemeClr val="accent2"/>
+  <a:schemeClr val="accent3"/>
+  <a:schemeClr val="accent4"/>
+  <a:schemeClr val="accent5"/>
+  <a:schemeClr val="accent6"/>
+  <cs:variation/>
+  <cs:variation>
+    <a:lumMod val="60000"/>
+  </cs:variation>
+  <cs:variation>
+    <a:lumMod val="80000"/>
+    <a:lumOff val="20000"/>
+  </cs:variation>
+  <cs:variation>
+    <a:lumMod val="80000"/>
+  </cs:variation>
+  <cs:variation>
+    <a:lumMod val="60000"/>
+    <a:lumOff val="40000"/>
+  </cs:variation>
+  <cs:variation>
+    <a:lumMod val="50000"/>
+  </cs:variation>
+  <cs:variation>
+    <a:lumMod val="70000"/>
+    <a:lumOff val="30000"/>
+  </cs:variation>
+  <cs:variation>
+    <a:lumMod val="70000"/>
+  </cs:variation>
+  <cs:variation>
+    <a:lumMod val="50000"/>
+    <a:lumOff val="50000"/>
+  </cs:variation>
+</cs:colorStyle>
+</file>
+
+<file path=ppt/charts/colors3.xml><?xml version="1.0" encoding="utf-8"?>
+<cs:colorStyle xmlns:cs="http://schemas.microsoft.com/office/drawing/2012/chartStyle" xmlns:a="http://schemas.openxmlformats.org/drawingml/2006/main" meth="cycle" id="10">
+  <a:schemeClr val="accent1"/>
+  <a:schemeClr val="accent2"/>
+  <a:schemeClr val="accent3"/>
+  <a:schemeClr val="accent4"/>
+  <a:schemeClr val="accent5"/>
+  <a:schemeClr val="accent6"/>
+  <cs:variation/>
+  <cs:variation>
+    <a:lumMod val="60000"/>
+  </cs:variation>
+  <cs:variation>
+    <a:lumMod val="80000"/>
+    <a:lumOff val="20000"/>
+  </cs:variation>
+  <cs:variation>
+    <a:lumMod val="80000"/>
+  </cs:variation>
+  <cs:variation>
+    <a:lumMod val="60000"/>
+    <a:lumOff val="40000"/>
+  </cs:variation>
+  <cs:variation>
+    <a:lumMod val="50000"/>
+  </cs:variation>
+  <cs:variation>
+    <a:lumMod val="70000"/>
+    <a:lumOff val="30000"/>
+  </cs:variation>
+  <cs:variation>
+    <a:lumMod val="70000"/>
+  </cs:variation>
+  <cs:variation>
+    <a:lumMod val="50000"/>
+    <a:lumOff val="50000"/>
+  </cs:variation>
+</cs:colorStyle>
+</file>
+
+<file path=ppt/charts/colors4.xml><?xml version="1.0" encoding="utf-8"?>
+<cs:colorStyle xmlns:cs="http://schemas.microsoft.com/office/drawing/2012/chartStyle" xmlns:a="http://schemas.openxmlformats.org/drawingml/2006/main" meth="cycle" id="10">
+  <a:schemeClr val="accent1"/>
+  <a:schemeClr val="accent2"/>
+  <a:schemeClr val="accent3"/>
+  <a:schemeClr val="accent4"/>
+  <a:schemeClr val="accent5"/>
+  <a:schemeClr val="accent6"/>
+  <cs:variation/>
+  <cs:variation>
+    <a:lumMod val="60000"/>
+  </cs:variation>
+  <cs:variation>
+    <a:lumMod val="80000"/>
+    <a:lumOff val="20000"/>
+  </cs:variation>
+  <cs:variation>
+    <a:lumMod val="80000"/>
+  </cs:variation>
+  <cs:variation>
+    <a:lumMod val="60000"/>
+    <a:lumOff val="40000"/>
+  </cs:variation>
+  <cs:variation>
+    <a:lumMod val="50000"/>
+  </cs:variation>
+  <cs:variation>
+    <a:lumMod val="70000"/>
+    <a:lumOff val="30000"/>
+  </cs:variation>
+  <cs:variation>
+    <a:lumMod val="70000"/>
+  </cs:variation>
+  <cs:variation>
+    <a:lumMod val="50000"/>
+    <a:lumOff val="50000"/>
+  </cs:variation>
+</cs:colorStyle>
+</file>
+
+<file path=ppt/charts/colors5.xml><?xml version="1.0" encoding="utf-8"?>
+<cs:colorStyle xmlns:cs="http://schemas.microsoft.com/office/drawing/2012/chartStyle" xmlns:a="http://schemas.openxmlformats.org/drawingml/2006/main" meth="cycle" id="10">
+  <a:schemeClr val="accent1"/>
+  <a:schemeClr val="accent2"/>
+  <a:schemeClr val="accent3"/>
+  <a:schemeClr val="accent4"/>
+  <a:schemeClr val="accent5"/>
+  <a:schemeClr val="accent6"/>
+  <cs:variation/>
+  <cs:variation>
+    <a:lumMod val="60000"/>
+  </cs:variation>
+  <cs:variation>
+    <a:lumMod val="80000"/>
+    <a:lumOff val="20000"/>
+  </cs:variation>
+  <cs:variation>
+    <a:lumMod val="80000"/>
+  </cs:variation>
+  <cs:variation>
+    <a:lumMod val="60000"/>
+    <a:lumOff val="40000"/>
+  </cs:variation>
+  <cs:variation>
+    <a:lumMod val="50000"/>
+  </cs:variation>
+  <cs:variation>
+    <a:lumMod val="70000"/>
+    <a:lumOff val="30000"/>
+  </cs:variation>
+  <cs:variation>
+    <a:lumMod val="70000"/>
+  </cs:variation>
+  <cs:variation>
+    <a:lumMod val="50000"/>
+    <a:lumOff val="50000"/>
+  </cs:variation>
+</cs:colorStyle>
+</file>
+
+<file path=ppt/charts/style1.xml><?xml version="1.0" encoding="utf-8"?>
+<cs:chartStyle xmlns:cs="http://schemas.microsoft.com/office/drawing/2012/chartStyle" xmlns:a="http://schemas.openxmlformats.org/drawingml/2006/main" id="201">
+  <cs:axisTitle>
+    <cs:lnRef idx="0"/>
+    <cs:fillRef idx="0"/>
+    <cs:effectRef idx="0"/>
+    <cs:fontRef idx="minor">
+      <a:schemeClr val="tx1">
+        <a:lumMod val="65000"/>
+        <a:lumOff val="35000"/>
+      </a:schemeClr>
+    </cs:fontRef>
+    <cs:defRPr sz="1000" kern="1200"/>
+  </cs:axisTitle>
+  <cs:categoryAxis>
+    <cs:lnRef idx="0"/>
+    <cs:fillRef idx="0"/>
+    <cs:effectRef idx="0"/>
+    <cs:fontRef idx="minor">
+      <a:schemeClr val="tx1">
+        <a:lumMod val="65000"/>
+        <a:lumOff val="35000"/>
+      </a:schemeClr>
+    </cs:fontRef>
+    <cs:spPr>
+      <a:ln w="9525" cap="flat" cmpd="sng" algn="ctr">
+        <a:solidFill>
+          <a:schemeClr val="tx1">
+            <a:lumMod val="15000"/>
+            <a:lumOff val="85000"/>
+          </a:schemeClr>
+        </a:solidFill>
+        <a:round/>
+      </a:ln>
+    </cs:spPr>
+    <cs:defRPr sz="900" kern="1200"/>
+  </cs:categoryAxis>
+  <cs:chartArea mods="allowNoFillOverride allowNoLineOverride">
+    <cs:lnRef idx="0"/>
+    <cs:fillRef idx="0"/>
+    <cs:effectRef idx="0"/>
+    <cs:fontRef idx="minor">
+      <a:schemeClr val="tx1"/>
+    </cs:fontRef>
+    <cs:spPr>
+      <a:solidFill>
+        <a:schemeClr val="bg1"/>
+      </a:solidFill>
+      <a:ln w="9525" cap="flat" cmpd="sng" algn="ctr">
+        <a:solidFill>
+          <a:schemeClr val="tx1">
+            <a:lumMod val="15000"/>
+            <a:lumOff val="85000"/>
+          </a:schemeClr>
+        </a:solidFill>
+        <a:round/>
+      </a:ln>
+    </cs:spPr>
+    <cs:defRPr sz="1000" kern="1200"/>
+  </cs:chartArea>
+  <cs:dataLabel>
+    <cs:lnRef idx="0"/>
+    <cs:fillRef idx="0"/>
+    <cs:effectRef idx="0"/>
+    <cs:fontRef idx="minor">
+      <a:schemeClr val="tx1">
+        <a:lumMod val="75000"/>
+        <a:lumOff val="25000"/>
+      </a:schemeClr>
+    </cs:fontRef>
+    <cs:defRPr sz="900" kern="1200"/>
+  </cs:dataLabel>
+  <cs:dataLabelCallout>
+    <cs:lnRef idx="0"/>
+    <cs:fillRef idx="0"/>
+    <cs:effectRef idx="0"/>
+    <cs:fontRef idx="minor">
+      <a:schemeClr val="dk1">
+        <a:lumMod val="65000"/>
+        <a:lumOff val="35000"/>
+      </a:schemeClr>
+    </cs:fontRef>
+    <cs:spPr>
+      <a:solidFill>
+        <a:schemeClr val="lt1"/>
+      </a:solidFill>
+      <a:ln>
+        <a:solidFill>
+          <a:schemeClr val="dk1">
+            <a:lumMod val="25000"/>
+            <a:lumOff val="75000"/>
+          </a:schemeClr>
+        </a:solidFill>
+      </a:ln>
+    </cs:spPr>
+    <cs:defRPr sz="900" kern="1200"/>
+    <cs:bodyPr rot="0" spcFirstLastPara="1" vertOverflow="clip" horzOverflow="clip" vert="horz" wrap="square" lIns="36576" tIns="18288" rIns="36576" bIns="18288" anchor="ctr" anchorCtr="1">
+      <a:spAutoFit/>
+    </cs:bodyPr>
+  </cs:dataLabelCallout>
+  <cs:dataPoint>
+    <cs:lnRef idx="0"/>
+    <cs:fillRef idx="1">
+      <cs:styleClr val="auto"/>
+    </cs:fillRef>
+    <cs:effectRef idx="0"/>
+    <cs:fontRef idx="minor">
+      <a:schemeClr val="tx1"/>
+    </cs:fontRef>
+  </cs:dataPoint>
+  <cs:dataPoint3D>
+    <cs:lnRef idx="0"/>
+    <cs:fillRef idx="1">
+      <cs:styleClr val="auto"/>
+    </cs:fillRef>
+    <cs:effectRef idx="0"/>
+    <cs:fontRef idx="minor">
+      <a:schemeClr val="tx1"/>
+    </cs:fontRef>
+  </cs:dataPoint3D>
+  <cs:dataPointLine>
+    <cs:lnRef idx="0">
+      <cs:styleClr val="auto"/>
+    </cs:lnRef>
+    <cs:fillRef idx="1"/>
+    <cs:effectRef idx="0"/>
+    <cs:fontRef idx="minor">
+      <a:schemeClr val="tx1"/>
+    </cs:fontRef>
+    <cs:spPr>
+      <a:ln w="28575" cap="rnd">
+        <a:solidFill>
+          <a:schemeClr val="phClr"/>
+        </a:solidFill>
+        <a:round/>
+      </a:ln>
+    </cs:spPr>
+  </cs:dataPointLine>
+  <cs:dataPointMarker>
+    <cs:lnRef idx="0">
+      <cs:styleClr val="auto"/>
+    </cs:lnRef>
+    <cs:fillRef idx="1">
+      <cs:styleClr val="auto"/>
+    </cs:fillRef>
+    <cs:effectRef idx="0"/>
+    <cs:fontRef idx="minor">
+      <a:schemeClr val="tx1"/>
+    </cs:fontRef>
+    <cs:spPr>
+      <a:ln w="9525">
+        <a:solidFill>
+          <a:schemeClr val="phClr"/>
+        </a:solidFill>
+      </a:ln>
+    </cs:spPr>
+  </cs:dataPointMarker>
+  <cs:dataPointMarkerLayout symbol="circle" size="5"/>
+  <cs:dataPointWireframe>
+    <cs:lnRef idx="0">
+      <cs:styleClr val="auto"/>
+    </cs:lnRef>
+    <cs:fillRef idx="1"/>
+    <cs:effectRef idx="0"/>
+    <cs:fontRef idx="minor">
+      <a:schemeClr val="tx1"/>
+    </cs:fontRef>
+    <cs:spPr>
+      <a:ln w="9525" cap="rnd">
+        <a:solidFill>
+          <a:schemeClr val="phClr"/>
+        </a:solidFill>
+        <a:round/>
+      </a:ln>
+    </cs:spPr>
+  </cs:dataPointWireframe>
+  <cs:dataTable>
+    <cs:lnRef idx="0"/>
+    <cs:fillRef idx="0"/>
+    <cs:effectRef idx="0"/>
+    <cs:fontRef idx="minor">
+      <a:schemeClr val="tx1">
+        <a:lumMod val="65000"/>
+        <a:lumOff val="35000"/>
+      </a:schemeClr>
+    </cs:fontRef>
+    <cs:spPr>
+      <a:noFill/>
+      <a:ln w="9525" cap="flat" cmpd="sng" algn="ctr">
+        <a:solidFill>
+          <a:schemeClr val="tx1">
+            <a:lumMod val="15000"/>
+            <a:lumOff val="85000"/>
+          </a:schemeClr>
+        </a:solidFill>
+        <a:round/>
+      </a:ln>
+    </cs:spPr>
+    <cs:defRPr sz="900" kern="1200"/>
+  </cs:dataTable>
+  <cs:downBar>
+    <cs:lnRef idx="0"/>
+    <cs:fillRef idx="0"/>
+    <cs:effectRef idx="0"/>
+    <cs:fontRef idx="minor">
+      <a:schemeClr val="dk1"/>
+    </cs:fontRef>
+    <cs:spPr>
+      <a:solidFill>
+        <a:schemeClr val="dk1">
+          <a:lumMod val="65000"/>
+          <a:lumOff val="35000"/>
+        </a:schemeClr>
+      </a:solidFill>
+      <a:ln w="9525">
+        <a:solidFill>
+          <a:schemeClr val="tx1">
+            <a:lumMod val="65000"/>
+            <a:lumOff val="35000"/>
+          </a:schemeClr>
+        </a:solidFill>
+      </a:ln>
+    </cs:spPr>
+  </cs:downBar>
+  <cs:dropLine>
+    <cs:lnRef idx="0"/>
+    <cs:fillRef idx="0"/>
+    <cs:effectRef idx="0"/>
+    <cs:fontRef idx="minor">
+      <a:schemeClr val="tx1"/>
+    </cs:fontRef>
+    <cs:spPr>
+      <a:ln w="9525" cap="flat" cmpd="sng" algn="ctr">
+        <a:solidFill>
+          <a:schemeClr val="tx1">
+            <a:lumMod val="35000"/>
+            <a:lumOff val="65000"/>
+          </a:schemeClr>
+        </a:solidFill>
+        <a:round/>
+      </a:ln>
+    </cs:spPr>
+  </cs:dropLine>
+  <cs:errorBar>
+    <cs:lnRef idx="0"/>
+    <cs:fillRef idx="0"/>
+    <cs:effectRef idx="0"/>
+    <cs:fontRef idx="minor">
+      <a:schemeClr val="tx1"/>
+    </cs:fontRef>
+    <cs:spPr>
+      <a:ln w="9525" cap="flat" cmpd="sng" algn="ctr">
+        <a:solidFill>
+          <a:schemeClr val="tx1">
+            <a:lumMod val="65000"/>
+            <a:lumOff val="35000"/>
+          </a:schemeClr>
+        </a:solidFill>
+        <a:round/>
+      </a:ln>
+    </cs:spPr>
+  </cs:errorBar>
+  <cs:floor>
+    <cs:lnRef idx="0"/>
+    <cs:fillRef idx="0"/>
+    <cs:effectRef idx="0"/>
+    <cs:fontRef idx="minor">
+      <a:schemeClr val="tx1"/>
+    </cs:fontRef>
+    <cs:spPr>
+      <a:noFill/>
+      <a:ln>
+        <a:noFill/>
+      </a:ln>
+    </cs:spPr>
+  </cs:floor>
+  <cs:gridlineMajor>
+    <cs:lnRef idx="0"/>
+    <cs:fillRef idx="0"/>
+    <cs:effectRef idx="0"/>
+    <cs:fontRef idx="minor">
+      <a:schemeClr val="tx1"/>
+    </cs:fontRef>
+    <cs:spPr>
+      <a:ln w="9525" cap="flat" cmpd="sng" algn="ctr">
+        <a:solidFill>
+          <a:schemeClr val="tx1">
+            <a:lumMod val="15000"/>
+            <a:lumOff val="85000"/>
+          </a:schemeClr>
+        </a:solidFill>
+        <a:round/>
+      </a:ln>
+    </cs:spPr>
+  </cs:gridlineMajor>
+  <cs:gridlineMinor>
+    <cs:lnRef idx="0"/>
+    <cs:fillRef idx="0"/>
+    <cs:effectRef idx="0"/>
+    <cs:fontRef idx="minor">
+      <a:schemeClr val="tx1"/>
+    </cs:fontRef>
+    <cs:spPr>
+      <a:ln w="9525" cap="flat" cmpd="sng" algn="ctr">
+        <a:solidFill>
+          <a:schemeClr val="tx1">
+            <a:lumMod val="5000"/>
+            <a:lumOff val="95000"/>
+          </a:schemeClr>
+        </a:solidFill>
+        <a:round/>
+      </a:ln>
+    </cs:spPr>
+  </cs:gridlineMinor>
+  <cs:hiLoLine>
+    <cs:lnRef idx="0"/>
+    <cs:fillRef idx="0"/>
+    <cs:effectRef idx="0"/>
+    <cs:fontRef idx="minor">
+      <a:schemeClr val="tx1"/>
+    </cs:fontRef>
+    <cs:spPr>
+      <a:ln w="9525" cap="flat" cmpd="sng" algn="ctr">
+        <a:solidFill>
+          <a:schemeClr val="tx1">
+            <a:lumMod val="75000"/>
+            <a:lumOff val="25000"/>
+          </a:schemeClr>
+        </a:solidFill>
+        <a:round/>
+      </a:ln>
+    </cs:spPr>
+  </cs:hiLoLine>
+  <cs:leaderLine>
+    <cs:lnRef idx="0"/>
+    <cs:fillRef idx="0"/>
+    <cs:effectRef idx="0"/>
+    <cs:fontRef idx="minor">
+      <a:schemeClr val="tx1"/>
+    </cs:fontRef>
+    <cs:spPr>
+      <a:ln w="9525" cap="flat" cmpd="sng" algn="ctr">
+        <a:solidFill>
+          <a:schemeClr val="tx1">
+            <a:lumMod val="35000"/>
+            <a:lumOff val="65000"/>
+          </a:schemeClr>
+        </a:solidFill>
+        <a:round/>
+      </a:ln>
+    </cs:spPr>
+  </cs:leaderLine>
+  <cs:legend>
+    <cs:lnRef idx="0"/>
+    <cs:fillRef idx="0"/>
+    <cs:effectRef idx="0"/>
+    <cs:fontRef idx="minor">
+      <a:schemeClr val="tx1">
+        <a:lumMod val="65000"/>
+        <a:lumOff val="35000"/>
+      </a:schemeClr>
+    </cs:fontRef>
+    <cs:defRPr sz="900" kern="1200"/>
+  </cs:legend>
+  <cs:plotArea mods="allowNoFillOverride allowNoLineOverride">
+    <cs:lnRef idx="0"/>
+    <cs:fillRef idx="0"/>
+    <cs:effectRef idx="0"/>
+    <cs:fontRef idx="minor">
+      <a:schemeClr val="tx1"/>
+    </cs:fontRef>
+  </cs:plotArea>
+  <cs:plotArea3D mods="allowNoFillOverride allowNoLineOverride">
+    <cs:lnRef idx="0"/>
+    <cs:fillRef idx="0"/>
+    <cs:effectRef idx="0"/>
+    <cs:fontRef idx="minor">
+      <a:schemeClr val="tx1"/>
+    </cs:fontRef>
+  </cs:plotArea3D>
+  <cs:seriesAxis>
+    <cs:lnRef idx="0"/>
+    <cs:fillRef idx="0"/>
+    <cs:effectRef idx="0"/>
+    <cs:fontRef idx="minor">
+      <a:schemeClr val="tx1">
+        <a:lumMod val="65000"/>
+        <a:lumOff val="35000"/>
+      </a:schemeClr>
+    </cs:fontRef>
+    <cs:defRPr sz="900" kern="1200"/>
+  </cs:seriesAxis>
+  <cs:seriesLine>
+    <cs:lnRef idx="0"/>
+    <cs:fillRef idx="0"/>
+    <cs:effectRef idx="0"/>
+    <cs:fontRef idx="minor">
+      <a:schemeClr val="tx1"/>
+    </cs:fontRef>
+    <cs:spPr>
+      <a:ln w="9525" cap="flat" cmpd="sng" algn="ctr">
+        <a:solidFill>
+          <a:schemeClr val="tx1">
+            <a:lumMod val="35000"/>
+            <a:lumOff val="65000"/>
+          </a:schemeClr>
+        </a:solidFill>
+        <a:round/>
+      </a:ln>
+    </cs:spPr>
+  </cs:seriesLine>
+  <cs:title>
+    <cs:lnRef idx="0"/>
+    <cs:fillRef idx="0"/>
+    <cs:effectRef idx="0"/>
+    <cs:fontRef idx="minor">
+      <a:schemeClr val="tx1">
+        <a:lumMod val="65000"/>
+        <a:lumOff val="35000"/>
+      </a:schemeClr>
+    </cs:fontRef>
+    <cs:defRPr sz="1400" b="0" kern="1200" spc="0" baseline="0"/>
+  </cs:title>
+  <cs:trendline>
+    <cs:lnRef idx="0">
+      <cs:styleClr val="auto"/>
+    </cs:lnRef>
+    <cs:fillRef idx="0"/>
+    <cs:effectRef idx="0"/>
+    <cs:fontRef idx="minor">
+      <a:schemeClr val="tx1"/>
+    </cs:fontRef>
+    <cs:spPr>
+      <a:ln w="19050" cap="rnd">
+        <a:solidFill>
+          <a:schemeClr val="phClr"/>
+        </a:solidFill>
+        <a:prstDash val="sysDot"/>
+      </a:ln>
+    </cs:spPr>
+  </cs:trendline>
+  <cs:trendlineLabel>
+    <cs:lnRef idx="0"/>
+    <cs:fillRef idx="0"/>
+    <cs:effectRef idx="0"/>
+    <cs:fontRef idx="minor">
+      <a:schemeClr val="tx1">
+        <a:lumMod val="65000"/>
+        <a:lumOff val="35000"/>
+      </a:schemeClr>
+    </cs:fontRef>
+    <cs:defRPr sz="900" kern="1200"/>
+  </cs:trendlineLabel>
+  <cs:upBar>
+    <cs:lnRef idx="0"/>
+    <cs:fillRef idx="0"/>
+    <cs:effectRef idx="0"/>
+    <cs:fontRef idx="minor">
+      <a:schemeClr val="dk1"/>
+    </cs:fontRef>
+    <cs:spPr>
+      <a:solidFill>
+        <a:schemeClr val="lt1"/>
+      </a:solidFill>
+      <a:ln w="9525">
+        <a:solidFill>
+          <a:schemeClr val="tx1">
+            <a:lumMod val="15000"/>
+            <a:lumOff val="85000"/>
+          </a:schemeClr>
+        </a:solidFill>
+      </a:ln>
+    </cs:spPr>
+  </cs:upBar>
+  <cs:valueAxis>
+    <cs:lnRef idx="0"/>
+    <cs:fillRef idx="0"/>
+    <cs:effectRef idx="0"/>
+    <cs:fontRef idx="minor">
+      <a:schemeClr val="tx1">
+        <a:lumMod val="65000"/>
+        <a:lumOff val="35000"/>
+      </a:schemeClr>
+    </cs:fontRef>
+    <cs:defRPr sz="900" kern="1200"/>
+  </cs:valueAxis>
+  <cs:wall>
+    <cs:lnRef idx="0"/>
+    <cs:fillRef idx="0"/>
+    <cs:effectRef idx="0"/>
+    <cs:fontRef idx="minor">
+      <a:schemeClr val="tx1"/>
+    </cs:fontRef>
+    <cs:spPr>
+      <a:noFill/>
+      <a:ln>
+        <a:noFill/>
+      </a:ln>
+    </cs:spPr>
+  </cs:wall>
+</cs:chartStyle>
+</file>
+
+<file path=ppt/charts/style2.xml><?xml version="1.0" encoding="utf-8"?>
+<cs:chartStyle xmlns:cs="http://schemas.microsoft.com/office/drawing/2012/chartStyle" xmlns:a="http://schemas.openxmlformats.org/drawingml/2006/main" id="328">
+  <cs:axisTitle>
+    <cs:lnRef idx="0"/>
+    <cs:fillRef idx="0"/>
+    <cs:effectRef idx="0"/>
+    <cs:fontRef idx="minor">
+      <a:schemeClr val="lt1">
+        <a:lumMod val="85000"/>
+      </a:schemeClr>
+    </cs:fontRef>
+    <cs:defRPr sz="1197" b="1" kern="1200" cap="all"/>
+  </cs:axisTitle>
+  <cs:categoryAxis>
+    <cs:lnRef idx="0"/>
+    <cs:fillRef idx="0"/>
+    <cs:effectRef idx="0"/>
+    <cs:fontRef idx="minor">
+      <a:schemeClr val="lt1">
+        <a:lumMod val="85000"/>
+      </a:schemeClr>
+    </cs:fontRef>
+    <cs:spPr>
+      <a:ln w="12700" cap="flat" cmpd="sng" algn="ctr">
+        <a:solidFill>
+          <a:schemeClr val="lt1">
+            <a:lumMod val="95000"/>
+            <a:alpha val="54000"/>
+          </a:schemeClr>
+        </a:solidFill>
+        <a:round/>
+      </a:ln>
+    </cs:spPr>
+    <cs:defRPr sz="1197" kern="1200"/>
+  </cs:categoryAxis>
+  <cs:chartArea>
+    <cs:lnRef idx="0"/>
+    <cs:fillRef idx="0"/>
+    <cs:effectRef idx="0"/>
+    <cs:fontRef idx="minor">
+      <a:schemeClr val="dk1"/>
+    </cs:fontRef>
+    <cs:spPr>
+      <a:gradFill flip="none" rotWithShape="1">
+        <a:gsLst>
+          <a:gs pos="0">
+            <a:schemeClr val="dk1">
+              <a:lumMod val="65000"/>
+              <a:lumOff val="35000"/>
+            </a:schemeClr>
+          </a:gs>
+          <a:gs pos="100000">
+            <a:schemeClr val="dk1">
+              <a:lumMod val="85000"/>
+              <a:lumOff val="15000"/>
+            </a:schemeClr>
+          </a:gs>
+        </a:gsLst>
+        <a:path path="circle">
+          <a:fillToRect l="50000" t="50000" r="50000" b="50000"/>
+        </a:path>
+        <a:tileRect/>
+      </a:gradFill>
+    </cs:spPr>
+    <cs:defRPr sz="1330" kern="1200"/>
+  </cs:chartArea>
+  <cs:dataLabel>
+    <cs:lnRef idx="0"/>
+    <cs:fillRef idx="0"/>
+    <cs:effectRef idx="0"/>
+    <cs:fontRef idx="minor">
+      <a:schemeClr val="lt1">
+        <a:lumMod val="85000"/>
+      </a:schemeClr>
+    </cs:fontRef>
+    <cs:defRPr sz="1197" kern="1200"/>
+  </cs:dataLabel>
+  <cs:dataLabelCallout>
+    <cs:lnRef idx="0"/>
+    <cs:fillRef idx="0"/>
+    <cs:effectRef idx="0"/>
+    <cs:fontRef idx="minor">
+      <a:schemeClr val="dk1">
+        <a:lumMod val="65000"/>
+        <a:lumOff val="35000"/>
+      </a:schemeClr>
+    </cs:fontRef>
+    <cs:spPr>
+      <a:solidFill>
+        <a:schemeClr val="lt1"/>
+      </a:solidFill>
+    </cs:spPr>
+    <cs:defRPr sz="1197" kern="1200"/>
+    <cs:bodyPr rot="0" spcFirstLastPara="1" vertOverflow="clip" horzOverflow="clip" vert="horz" wrap="square" lIns="36576" tIns="18288" rIns="36576" bIns="18288" anchor="ctr" anchorCtr="1">
+      <a:spAutoFit/>
+    </cs:bodyPr>
+  </cs:dataLabelCallout>
+  <cs:dataPoint>
+    <cs:lnRef idx="0"/>
+    <cs:fillRef idx="3">
+      <cs:styleClr val="auto"/>
+    </cs:fillRef>
+    <cs:effectRef idx="3"/>
+    <cs:fontRef idx="minor">
+      <a:schemeClr val="tx1"/>
+    </cs:fontRef>
+  </cs:dataPoint>
+  <cs:dataPoint3D>
+    <cs:lnRef idx="0"/>
+    <cs:fillRef idx="3">
+      <cs:styleClr val="auto"/>
+    </cs:fillRef>
+    <cs:effectRef idx="3"/>
+    <cs:fontRef idx="minor">
+      <a:schemeClr val="tx1"/>
+    </cs:fontRef>
+  </cs:dataPoint3D>
+  <cs:dataPointLine>
+    <cs:lnRef idx="0">
+      <cs:styleClr val="auto"/>
+    </cs:lnRef>
+    <cs:fillRef idx="3"/>
+    <cs:effectRef idx="3"/>
+    <cs:fontRef idx="minor">
+      <a:schemeClr val="tx1"/>
+    </cs:fontRef>
+    <cs:spPr>
+      <a:ln w="34925" cap="rnd">
+        <a:solidFill>
+          <a:schemeClr val="phClr"/>
+        </a:solidFill>
+        <a:round/>
+      </a:ln>
+    </cs:spPr>
+  </cs:dataPointLine>
+  <cs:dataPointMarker>
+    <cs:lnRef idx="0">
+      <cs:styleClr val="auto"/>
+    </cs:lnRef>
+    <cs:fillRef idx="3">
+      <cs:styleClr val="auto"/>
+    </cs:fillRef>
+    <cs:effectRef idx="3"/>
+    <cs:fontRef idx="minor">
+      <a:schemeClr val="tx1"/>
+    </cs:fontRef>
+    <cs:spPr>
+      <a:ln w="9525">
+        <a:solidFill>
+          <a:schemeClr val="phClr"/>
+        </a:solidFill>
+        <a:round/>
+      </a:ln>
+    </cs:spPr>
+  </cs:dataPointMarker>
+  <cs:dataPointMarkerLayout symbol="circle" size="6"/>
+  <cs:dataPointWireframe>
+    <cs:lnRef idx="0">
+      <cs:styleClr val="auto"/>
+    </cs:lnRef>
+    <cs:fillRef idx="3"/>
+    <cs:effectRef idx="3"/>
+    <cs:fontRef idx="minor">
+      <a:schemeClr val="tx1"/>
+    </cs:fontRef>
+    <cs:spPr>
+      <a:ln w="9525" cap="rnd">
+        <a:solidFill>
+          <a:schemeClr val="phClr"/>
+        </a:solidFill>
+        <a:round/>
+      </a:ln>
+    </cs:spPr>
+  </cs:dataPointWireframe>
+  <cs:dataTable>
+    <cs:lnRef idx="0"/>
+    <cs:fillRef idx="0"/>
+    <cs:effectRef idx="0"/>
+    <cs:fontRef idx="minor">
+      <a:schemeClr val="lt1">
+        <a:lumMod val="85000"/>
+      </a:schemeClr>
+    </cs:fontRef>
+    <cs:spPr>
+      <a:ln w="9525">
+        <a:solidFill>
+          <a:schemeClr val="lt1">
+            <a:lumMod val="95000"/>
+            <a:alpha val="54000"/>
+          </a:schemeClr>
+        </a:solidFill>
+      </a:ln>
+    </cs:spPr>
+    <cs:defRPr sz="1197" kern="1200"/>
+  </cs:dataTable>
+  <cs:downBar>
+    <cs:lnRef idx="0"/>
+    <cs:fillRef idx="0"/>
+    <cs:effectRef idx="0"/>
+    <cs:fontRef idx="minor">
+      <a:schemeClr val="tx1"/>
+    </cs:fontRef>
+    <cs:spPr>
+      <a:gradFill>
+        <a:gsLst>
+          <a:gs pos="100000">
+            <a:schemeClr val="dk1">
+              <a:lumMod val="95000"/>
+              <a:lumOff val="5000"/>
+            </a:schemeClr>
+          </a:gs>
+          <a:gs pos="0">
+            <a:schemeClr val="dk1">
+              <a:lumMod val="75000"/>
+              <a:lumOff val="25000"/>
+            </a:schemeClr>
+          </a:gs>
+        </a:gsLst>
+        <a:path path="circle">
+          <a:fillToRect l="50000" t="50000" r="50000" b="50000"/>
+        </a:path>
+      </a:gradFill>
+      <a:ln w="9525">
+        <a:solidFill>
+          <a:schemeClr val="dk1">
+            <a:lumMod val="75000"/>
+            <a:lumOff val="25000"/>
+          </a:schemeClr>
+        </a:solidFill>
+      </a:ln>
+    </cs:spPr>
+  </cs:downBar>
+  <cs:dropLine>
+    <cs:lnRef idx="0"/>
+    <cs:fillRef idx="0"/>
+    <cs:effectRef idx="0"/>
+    <cs:fontRef idx="minor">
+      <a:schemeClr val="tx1"/>
+    </cs:fontRef>
+    <cs:spPr>
+      <a:ln w="9525" cap="flat" cmpd="sng" algn="ctr">
+        <a:solidFill>
+          <a:schemeClr val="lt1"/>
+        </a:solidFill>
+        <a:round/>
+      </a:ln>
+    </cs:spPr>
+  </cs:dropLine>
+  <cs:errorBar>
+    <cs:lnRef idx="0"/>
+    <cs:fillRef idx="0"/>
+    <cs:effectRef idx="0"/>
+    <cs:fontRef idx="minor">
+      <a:schemeClr val="tx1"/>
+    </cs:fontRef>
+    <cs:spPr>
+      <a:ln w="9525" cap="flat" cmpd="sng" algn="ctr">
+        <a:solidFill>
+          <a:schemeClr val="lt1">
+            <a:lumMod val="95000"/>
+          </a:schemeClr>
+        </a:solidFill>
+        <a:round/>
+      </a:ln>
+    </cs:spPr>
+  </cs:errorBar>
+  <cs:floor>
+    <cs:lnRef idx="0"/>
+    <cs:fillRef idx="0"/>
+    <cs:effectRef idx="0"/>
+    <cs:fontRef idx="minor">
+      <a:schemeClr val="tx1"/>
+    </cs:fontRef>
+  </cs:floor>
+  <cs:gridlineMajor>
+    <cs:lnRef idx="0"/>
+    <cs:fillRef idx="0"/>
+    <cs:effectRef idx="0"/>
+    <cs:fontRef idx="minor">
+      <a:schemeClr val="tx1"/>
+    </cs:fontRef>
+    <cs:spPr>
+      <a:ln w="9525" cap="flat" cmpd="sng" algn="ctr">
+        <a:solidFill>
+          <a:schemeClr val="lt1">
+            <a:lumMod val="95000"/>
+            <a:alpha val="10000"/>
+          </a:schemeClr>
+        </a:solidFill>
+        <a:round/>
+      </a:ln>
+    </cs:spPr>
+  </cs:gridlineMajor>
+  <cs:gridlineMinor>
+    <cs:lnRef idx="0"/>
+    <cs:fillRef idx="0"/>
+    <cs:effectRef idx="0"/>
+    <cs:fontRef idx="minor">
+      <a:schemeClr val="tx1"/>
+    </cs:fontRef>
+    <cs:spPr>
+      <a:ln>
+        <a:solidFill>
+          <a:schemeClr val="lt1">
+            <a:lumMod val="95000"/>
+            <a:alpha val="5000"/>
+          </a:schemeClr>
+        </a:solidFill>
+      </a:ln>
+    </cs:spPr>
+  </cs:gridlineMinor>
+  <cs:hiLoLine>
+    <cs:lnRef idx="0"/>
+    <cs:fillRef idx="0"/>
+    <cs:effectRef idx="0"/>
+    <cs:fontRef idx="minor">
+      <a:schemeClr val="tx1"/>
+    </cs:fontRef>
+    <cs:spPr>
+      <a:ln w="9525" cap="flat" cmpd="sng" algn="ctr">
+        <a:solidFill>
+          <a:schemeClr val="lt1"/>
+        </a:solidFill>
+        <a:round/>
+      </a:ln>
+    </cs:spPr>
+  </cs:hiLoLine>
+  <cs:leaderLine>
+    <cs:lnRef idx="0"/>
+    <cs:fillRef idx="0"/>
+    <cs:effectRef idx="0"/>
+    <cs:fontRef idx="minor">
+      <a:schemeClr val="tx1"/>
+    </cs:fontRef>
+    <cs:spPr>
+      <a:ln w="9525">
+        <a:solidFill>
+          <a:schemeClr val="lt1">
+            <a:lumMod val="95000"/>
+            <a:alpha val="54000"/>
+          </a:schemeClr>
+        </a:solidFill>
+      </a:ln>
+    </cs:spPr>
+  </cs:leaderLine>
+  <cs:legend>
+    <cs:lnRef idx="0"/>
+    <cs:fillRef idx="0"/>
+    <cs:effectRef idx="0"/>
+    <cs:fontRef idx="minor">
+      <a:schemeClr val="lt1">
+        <a:lumMod val="85000"/>
+      </a:schemeClr>
+    </cs:fontRef>
+    <cs:defRPr sz="1197" kern="1200"/>
+  </cs:legend>
+  <cs:plotArea>
+    <cs:lnRef idx="0"/>
+    <cs:fillRef idx="0"/>
+    <cs:effectRef idx="0"/>
+    <cs:fontRef idx="minor">
+      <a:schemeClr val="tx1"/>
+    </cs:fontRef>
+  </cs:plotArea>
+  <cs:plotArea3D>
+    <cs:lnRef idx="0"/>
+    <cs:fillRef idx="0"/>
+    <cs:effectRef idx="0"/>
+    <cs:fontRef idx="minor">
+      <a:schemeClr val="tx1"/>
+    </cs:fontRef>
+  </cs:plotArea3D>
+  <cs:seriesAxis>
+    <cs:lnRef idx="0"/>
+    <cs:fillRef idx="0"/>
+    <cs:effectRef idx="0"/>
+    <cs:fontRef idx="minor">
+      <a:schemeClr val="lt1">
+        <a:lumMod val="85000"/>
+      </a:schemeClr>
+    </cs:fontRef>
+    <cs:spPr>
+      <a:ln w="12700" cap="flat" cmpd="sng" algn="ctr">
+        <a:solidFill>
+          <a:schemeClr val="lt1">
+            <a:lumMod val="95000"/>
+            <a:alpha val="54000"/>
+          </a:schemeClr>
+        </a:solidFill>
+        <a:round/>
+      </a:ln>
+    </cs:spPr>
+    <cs:defRPr sz="1197" kern="1200"/>
+  </cs:seriesAxis>
+  <cs:seriesLine>
+    <cs:lnRef idx="0"/>
+    <cs:fillRef idx="0"/>
+    <cs:effectRef idx="0"/>
+    <cs:fontRef idx="minor">
+      <a:schemeClr val="lt1"/>
+    </cs:fontRef>
+    <cs:spPr>
+      <a:ln w="9525" cap="flat" cmpd="sng" algn="ctr">
+        <a:solidFill>
+          <a:schemeClr val="lt1">
+            <a:lumMod val="95000"/>
+            <a:alpha val="54000"/>
+          </a:schemeClr>
+        </a:solidFill>
+        <a:round/>
+      </a:ln>
+    </cs:spPr>
+  </cs:seriesLine>
+  <cs:title>
+    <cs:lnRef idx="0"/>
+    <cs:fillRef idx="0"/>
+    <cs:effectRef idx="0"/>
+    <cs:fontRef idx="minor">
+      <a:schemeClr val="lt1">
+        <a:lumMod val="95000"/>
+      </a:schemeClr>
+    </cs:fontRef>
+    <cs:defRPr sz="2128" b="1" kern="1200" spc="100" baseline="0">
+      <a:effectLst>
+        <a:outerShdw blurRad="50800" dist="38100" dir="5400000" algn="t" rotWithShape="0">
+          <a:prstClr val="black">
+            <a:alpha val="40000"/>
+          </a:prstClr>
+        </a:outerShdw>
+      </a:effectLst>
+    </cs:defRPr>
+  </cs:title>
+  <cs:trendline>
+    <cs:lnRef idx="0">
+      <cs:styleClr val="auto"/>
+    </cs:lnRef>
+    <cs:fillRef idx="0"/>
+    <cs:effectRef idx="0"/>
+    <cs:fontRef idx="minor">
+      <a:schemeClr val="tx1"/>
+    </cs:fontRef>
+    <cs:spPr>
+      <a:ln w="19050" cap="rnd">
+        <a:solidFill>
+          <a:schemeClr val="phClr"/>
+        </a:solidFill>
+      </a:ln>
+    </cs:spPr>
+  </cs:trendline>
+  <cs:trendlineLabel>
+    <cs:lnRef idx="0"/>
+    <cs:fillRef idx="0"/>
+    <cs:effectRef idx="0"/>
+    <cs:fontRef idx="minor">
+      <a:schemeClr val="lt1">
+        <a:lumMod val="85000"/>
+      </a:schemeClr>
+    </cs:fontRef>
+    <cs:defRPr sz="1197" kern="1200"/>
+  </cs:trendlineLabel>
+  <cs:upBar>
+    <cs:lnRef idx="0"/>
+    <cs:fillRef idx="0"/>
+    <cs:effectRef idx="0"/>
+    <cs:fontRef idx="minor">
+      <a:schemeClr val="tx1"/>
+    </cs:fontRef>
+    <cs:spPr>
+      <a:gradFill>
+        <a:gsLst>
+          <a:gs pos="100000">
+            <a:schemeClr val="lt1">
+              <a:lumMod val="85000"/>
+            </a:schemeClr>
+          </a:gs>
+          <a:gs pos="0">
+            <a:schemeClr val="lt1"/>
+          </a:gs>
+        </a:gsLst>
+        <a:path path="circle">
+          <a:fillToRect l="50000" t="50000" r="50000" b="50000"/>
+        </a:path>
+      </a:gradFill>
+      <a:ln w="9525" cap="flat" cmpd="sng" algn="ctr">
+        <a:solidFill>
+          <a:schemeClr val="lt1"/>
+        </a:solidFill>
+        <a:round/>
+      </a:ln>
+    </cs:spPr>
+  </cs:upBar>
+  <cs:valueAxis>
+    <cs:lnRef idx="0"/>
+    <cs:fillRef idx="0"/>
+    <cs:effectRef idx="0"/>
+    <cs:fontRef idx="minor">
+      <a:schemeClr val="lt1">
+        <a:lumMod val="85000"/>
+      </a:schemeClr>
+    </cs:fontRef>
+    <cs:defRPr sz="1197" kern="1200"/>
+  </cs:valueAxis>
+  <cs:wall>
+    <cs:lnRef idx="0"/>
+    <cs:fillRef idx="0"/>
+    <cs:effectRef idx="0"/>
+    <cs:fontRef idx="minor">
+      <a:schemeClr val="tx1"/>
+    </cs:fontRef>
+  </cs:wall>
+</cs:chartStyle>
+</file>
+
+<file path=ppt/charts/style3.xml><?xml version="1.0" encoding="utf-8"?>
+<cs:chartStyle xmlns:cs="http://schemas.microsoft.com/office/drawing/2012/chartStyle" xmlns:a="http://schemas.openxmlformats.org/drawingml/2006/main" id="328">
+  <cs:axisTitle>
+    <cs:lnRef idx="0"/>
+    <cs:fillRef idx="0"/>
+    <cs:effectRef idx="0"/>
+    <cs:fontRef idx="minor">
+      <a:schemeClr val="lt1">
+        <a:lumMod val="85000"/>
+      </a:schemeClr>
+    </cs:fontRef>
+    <cs:defRPr sz="1197" b="1" kern="1200" cap="all"/>
+  </cs:axisTitle>
+  <cs:categoryAxis>
+    <cs:lnRef idx="0"/>
+    <cs:fillRef idx="0"/>
+    <cs:effectRef idx="0"/>
+    <cs:fontRef idx="minor">
+      <a:schemeClr val="lt1">
+        <a:lumMod val="85000"/>
+      </a:schemeClr>
+    </cs:fontRef>
+    <cs:spPr>
+      <a:ln w="12700" cap="flat" cmpd="sng" algn="ctr">
+        <a:solidFill>
+          <a:schemeClr val="lt1">
+            <a:lumMod val="95000"/>
+            <a:alpha val="54000"/>
+          </a:schemeClr>
+        </a:solidFill>
+        <a:round/>
+      </a:ln>
+    </cs:spPr>
+    <cs:defRPr sz="1197" kern="1200"/>
+  </cs:categoryAxis>
+  <cs:chartArea>
+    <cs:lnRef idx="0"/>
+    <cs:fillRef idx="0"/>
+    <cs:effectRef idx="0"/>
+    <cs:fontRef idx="minor">
+      <a:schemeClr val="dk1"/>
+    </cs:fontRef>
+    <cs:spPr>
+      <a:gradFill flip="none" rotWithShape="1">
+        <a:gsLst>
+          <a:gs pos="0">
+            <a:schemeClr val="dk1">
+              <a:lumMod val="65000"/>
+              <a:lumOff val="35000"/>
+            </a:schemeClr>
+          </a:gs>
+          <a:gs pos="100000">
+            <a:schemeClr val="dk1">
+              <a:lumMod val="85000"/>
+              <a:lumOff val="15000"/>
+            </a:schemeClr>
+          </a:gs>
+        </a:gsLst>
+        <a:path path="circle">
+          <a:fillToRect l="50000" t="50000" r="50000" b="50000"/>
+        </a:path>
+        <a:tileRect/>
+      </a:gradFill>
+    </cs:spPr>
+    <cs:defRPr sz="1330" kern="1200"/>
+  </cs:chartArea>
+  <cs:dataLabel>
+    <cs:lnRef idx="0"/>
+    <cs:fillRef idx="0"/>
+    <cs:effectRef idx="0"/>
+    <cs:fontRef idx="minor">
+      <a:schemeClr val="lt1">
+        <a:lumMod val="85000"/>
+      </a:schemeClr>
+    </cs:fontRef>
+    <cs:defRPr sz="1197" kern="1200"/>
+  </cs:dataLabel>
+  <cs:dataLabelCallout>
+    <cs:lnRef idx="0"/>
+    <cs:fillRef idx="0"/>
+    <cs:effectRef idx="0"/>
+    <cs:fontRef idx="minor">
+      <a:schemeClr val="dk1">
+        <a:lumMod val="65000"/>
+        <a:lumOff val="35000"/>
+      </a:schemeClr>
+    </cs:fontRef>
+    <cs:spPr>
+      <a:solidFill>
+        <a:schemeClr val="lt1"/>
+      </a:solidFill>
+    </cs:spPr>
+    <cs:defRPr sz="1197" kern="1200"/>
+    <cs:bodyPr rot="0" spcFirstLastPara="1" vertOverflow="clip" horzOverflow="clip" vert="horz" wrap="square" lIns="36576" tIns="18288" rIns="36576" bIns="18288" anchor="ctr" anchorCtr="1">
+      <a:spAutoFit/>
+    </cs:bodyPr>
+  </cs:dataLabelCallout>
+  <cs:dataPoint>
+    <cs:lnRef idx="0"/>
+    <cs:fillRef idx="3">
+      <cs:styleClr val="auto"/>
+    </cs:fillRef>
+    <cs:effectRef idx="3"/>
+    <cs:fontRef idx="minor">
+      <a:schemeClr val="tx1"/>
+    </cs:fontRef>
+  </cs:dataPoint>
+  <cs:dataPoint3D>
+    <cs:lnRef idx="0"/>
+    <cs:fillRef idx="3">
+      <cs:styleClr val="auto"/>
+    </cs:fillRef>
+    <cs:effectRef idx="3"/>
+    <cs:fontRef idx="minor">
+      <a:schemeClr val="tx1"/>
+    </cs:fontRef>
+  </cs:dataPoint3D>
+  <cs:dataPointLine>
+    <cs:lnRef idx="0">
+      <cs:styleClr val="auto"/>
+    </cs:lnRef>
+    <cs:fillRef idx="3"/>
+    <cs:effectRef idx="3"/>
+    <cs:fontRef idx="minor">
+      <a:schemeClr val="tx1"/>
+    </cs:fontRef>
+    <cs:spPr>
+      <a:ln w="34925" cap="rnd">
+        <a:solidFill>
+          <a:schemeClr val="phClr"/>
+        </a:solidFill>
+        <a:round/>
+      </a:ln>
+    </cs:spPr>
+  </cs:dataPointLine>
+  <cs:dataPointMarker>
+    <cs:lnRef idx="0">
+      <cs:styleClr val="auto"/>
+    </cs:lnRef>
+    <cs:fillRef idx="3">
+      <cs:styleClr val="auto"/>
+    </cs:fillRef>
+    <cs:effectRef idx="3"/>
+    <cs:fontRef idx="minor">
+      <a:schemeClr val="tx1"/>
+    </cs:fontRef>
+    <cs:spPr>
+      <a:ln w="9525">
+        <a:solidFill>
+          <a:schemeClr val="phClr"/>
+        </a:solidFill>
+        <a:round/>
+      </a:ln>
+    </cs:spPr>
+  </cs:dataPointMarker>
+  <cs:dataPointMarkerLayout symbol="circle" size="6"/>
+  <cs:dataPointWireframe>
+    <cs:lnRef idx="0">
+      <cs:styleClr val="auto"/>
+    </cs:lnRef>
+    <cs:fillRef idx="3"/>
+    <cs:effectRef idx="3"/>
+    <cs:fontRef idx="minor">
+      <a:schemeClr val="tx1"/>
+    </cs:fontRef>
+    <cs:spPr>
+      <a:ln w="9525" cap="rnd">
+        <a:solidFill>
+          <a:schemeClr val="phClr"/>
+        </a:solidFill>
+        <a:round/>
+      </a:ln>
+    </cs:spPr>
+  </cs:dataPointWireframe>
+  <cs:dataTable>
+    <cs:lnRef idx="0"/>
+    <cs:fillRef idx="0"/>
+    <cs:effectRef idx="0"/>
+    <cs:fontRef idx="minor">
+      <a:schemeClr val="lt1">
+        <a:lumMod val="85000"/>
+      </a:schemeClr>
+    </cs:fontRef>
+    <cs:spPr>
+      <a:ln w="9525">
+        <a:solidFill>
+          <a:schemeClr val="lt1">
+            <a:lumMod val="95000"/>
+            <a:alpha val="54000"/>
+          </a:schemeClr>
+        </a:solidFill>
+      </a:ln>
+    </cs:spPr>
+    <cs:defRPr sz="1197" kern="1200"/>
+  </cs:dataTable>
+  <cs:downBar>
+    <cs:lnRef idx="0"/>
+    <cs:fillRef idx="0"/>
+    <cs:effectRef idx="0"/>
+    <cs:fontRef idx="minor">
+      <a:schemeClr val="tx1"/>
+    </cs:fontRef>
+    <cs:spPr>
+      <a:gradFill>
+        <a:gsLst>
+          <a:gs pos="100000">
+            <a:schemeClr val="dk1">
+              <a:lumMod val="95000"/>
+              <a:lumOff val="5000"/>
+            </a:schemeClr>
+          </a:gs>
+          <a:gs pos="0">
+            <a:schemeClr val="dk1">
+              <a:lumMod val="75000"/>
+              <a:lumOff val="25000"/>
+            </a:schemeClr>
+          </a:gs>
+        </a:gsLst>
+        <a:path path="circle">
+          <a:fillToRect l="50000" t="50000" r="50000" b="50000"/>
+        </a:path>
+      </a:gradFill>
+      <a:ln w="9525">
+        <a:solidFill>
+          <a:schemeClr val="dk1">
+            <a:lumMod val="75000"/>
+            <a:lumOff val="25000"/>
+          </a:schemeClr>
+        </a:solidFill>
+      </a:ln>
+    </cs:spPr>
+  </cs:downBar>
+  <cs:dropLine>
+    <cs:lnRef idx="0"/>
+    <cs:fillRef idx="0"/>
+    <cs:effectRef idx="0"/>
+    <cs:fontRef idx="minor">
+      <a:schemeClr val="tx1"/>
+    </cs:fontRef>
+    <cs:spPr>
+      <a:ln w="9525" cap="flat" cmpd="sng" algn="ctr">
+        <a:solidFill>
+          <a:schemeClr val="lt1"/>
+        </a:solidFill>
+        <a:round/>
+      </a:ln>
+    </cs:spPr>
+  </cs:dropLine>
+  <cs:errorBar>
+    <cs:lnRef idx="0"/>
+    <cs:fillRef idx="0"/>
+    <cs:effectRef idx="0"/>
+    <cs:fontRef idx="minor">
+      <a:schemeClr val="tx1"/>
+    </cs:fontRef>
+    <cs:spPr>
+      <a:ln w="9525" cap="flat" cmpd="sng" algn="ctr">
+        <a:solidFill>
+          <a:schemeClr val="lt1">
+            <a:lumMod val="95000"/>
+          </a:schemeClr>
+        </a:solidFill>
+        <a:round/>
+      </a:ln>
+    </cs:spPr>
+  </cs:errorBar>
+  <cs:floor>
+    <cs:lnRef idx="0"/>
+    <cs:fillRef idx="0"/>
+    <cs:effectRef idx="0"/>
+    <cs:fontRef idx="minor">
+      <a:schemeClr val="tx1"/>
+    </cs:fontRef>
+  </cs:floor>
+  <cs:gridlineMajor>
+    <cs:lnRef idx="0"/>
+    <cs:fillRef idx="0"/>
+    <cs:effectRef idx="0"/>
+    <cs:fontRef idx="minor">
+      <a:schemeClr val="tx1"/>
+    </cs:fontRef>
+    <cs:spPr>
+      <a:ln w="9525" cap="flat" cmpd="sng" algn="ctr">
+        <a:solidFill>
+          <a:schemeClr val="lt1">
+            <a:lumMod val="95000"/>
+            <a:alpha val="10000"/>
+          </a:schemeClr>
+        </a:solidFill>
+        <a:round/>
+      </a:ln>
+    </cs:spPr>
+  </cs:gridlineMajor>
+  <cs:gridlineMinor>
+    <cs:lnRef idx="0"/>
+    <cs:fillRef idx="0"/>
+    <cs:effectRef idx="0"/>
+    <cs:fontRef idx="minor">
+      <a:schemeClr val="tx1"/>
+    </cs:fontRef>
+    <cs:spPr>
+      <a:ln>
+        <a:solidFill>
+          <a:schemeClr val="lt1">
+            <a:lumMod val="95000"/>
+            <a:alpha val="5000"/>
+          </a:schemeClr>
+        </a:solidFill>
+      </a:ln>
+    </cs:spPr>
+  </cs:gridlineMinor>
+  <cs:hiLoLine>
+    <cs:lnRef idx="0"/>
+    <cs:fillRef idx="0"/>
+    <cs:effectRef idx="0"/>
+    <cs:fontRef idx="minor">
+      <a:schemeClr val="tx1"/>
+    </cs:fontRef>
+    <cs:spPr>
+      <a:ln w="9525" cap="flat" cmpd="sng" algn="ctr">
+        <a:solidFill>
+          <a:schemeClr val="lt1"/>
+        </a:solidFill>
+        <a:round/>
+      </a:ln>
+    </cs:spPr>
+  </cs:hiLoLine>
+  <cs:leaderLine>
+    <cs:lnRef idx="0"/>
+    <cs:fillRef idx="0"/>
+    <cs:effectRef idx="0"/>
+    <cs:fontRef idx="minor">
+      <a:schemeClr val="tx1"/>
+    </cs:fontRef>
+    <cs:spPr>
+      <a:ln w="9525">
+        <a:solidFill>
+          <a:schemeClr val="lt1">
+            <a:lumMod val="95000"/>
+            <a:alpha val="54000"/>
+          </a:schemeClr>
+        </a:solidFill>
+      </a:ln>
+    </cs:spPr>
+  </cs:leaderLine>
+  <cs:legend>
+    <cs:lnRef idx="0"/>
+    <cs:fillRef idx="0"/>
+    <cs:effectRef idx="0"/>
+    <cs:fontRef idx="minor">
+      <a:schemeClr val="lt1">
+        <a:lumMod val="85000"/>
+      </a:schemeClr>
+    </cs:fontRef>
+    <cs:defRPr sz="1197" kern="1200"/>
+  </cs:legend>
+  <cs:plotArea>
+    <cs:lnRef idx="0"/>
+    <cs:fillRef idx="0"/>
+    <cs:effectRef idx="0"/>
+    <cs:fontRef idx="minor">
+      <a:schemeClr val="tx1"/>
+    </cs:fontRef>
+  </cs:plotArea>
+  <cs:plotArea3D>
+    <cs:lnRef idx="0"/>
+    <cs:fillRef idx="0"/>
+    <cs:effectRef idx="0"/>
+    <cs:fontRef idx="minor">
+      <a:schemeClr val="tx1"/>
+    </cs:fontRef>
+  </cs:plotArea3D>
+  <cs:seriesAxis>
+    <cs:lnRef idx="0"/>
+    <cs:fillRef idx="0"/>
+    <cs:effectRef idx="0"/>
+    <cs:fontRef idx="minor">
+      <a:schemeClr val="lt1">
+        <a:lumMod val="85000"/>
+      </a:schemeClr>
+    </cs:fontRef>
+    <cs:spPr>
+      <a:ln w="12700" cap="flat" cmpd="sng" algn="ctr">
+        <a:solidFill>
+          <a:schemeClr val="lt1">
+            <a:lumMod val="95000"/>
+            <a:alpha val="54000"/>
+          </a:schemeClr>
+        </a:solidFill>
+        <a:round/>
+      </a:ln>
+    </cs:spPr>
+    <cs:defRPr sz="1197" kern="1200"/>
+  </cs:seriesAxis>
+  <cs:seriesLine>
+    <cs:lnRef idx="0"/>
+    <cs:fillRef idx="0"/>
+    <cs:effectRef idx="0"/>
+    <cs:fontRef idx="minor">
+      <a:schemeClr val="lt1"/>
+    </cs:fontRef>
+    <cs:spPr>
+      <a:ln w="9525" cap="flat" cmpd="sng" algn="ctr">
+        <a:solidFill>
+          <a:schemeClr val="lt1">
+            <a:lumMod val="95000"/>
+            <a:alpha val="54000"/>
+          </a:schemeClr>
+        </a:solidFill>
+        <a:round/>
+      </a:ln>
+    </cs:spPr>
+  </cs:seriesLine>
+  <cs:title>
+    <cs:lnRef idx="0"/>
+    <cs:fillRef idx="0"/>
+    <cs:effectRef idx="0"/>
+    <cs:fontRef idx="minor">
+      <a:schemeClr val="lt1">
+        <a:lumMod val="95000"/>
+      </a:schemeClr>
+    </cs:fontRef>
+    <cs:defRPr sz="2128" b="1" kern="1200" spc="100" baseline="0">
+      <a:effectLst>
+        <a:outerShdw blurRad="50800" dist="38100" dir="5400000" algn="t" rotWithShape="0">
+          <a:prstClr val="black">
+            <a:alpha val="40000"/>
+          </a:prstClr>
+        </a:outerShdw>
+      </a:effectLst>
+    </cs:defRPr>
+  </cs:title>
+  <cs:trendline>
+    <cs:lnRef idx="0">
+      <cs:styleClr val="auto"/>
+    </cs:lnRef>
+    <cs:fillRef idx="0"/>
+    <cs:effectRef idx="0"/>
+    <cs:fontRef idx="minor">
+      <a:schemeClr val="tx1"/>
+    </cs:fontRef>
+    <cs:spPr>
+      <a:ln w="19050" cap="rnd">
+        <a:solidFill>
+          <a:schemeClr val="phClr"/>
+        </a:solidFill>
+      </a:ln>
+    </cs:spPr>
+  </cs:trendline>
+  <cs:trendlineLabel>
+    <cs:lnRef idx="0"/>
+    <cs:fillRef idx="0"/>
+    <cs:effectRef idx="0"/>
+    <cs:fontRef idx="minor">
+      <a:schemeClr val="lt1">
+        <a:lumMod val="85000"/>
+      </a:schemeClr>
+    </cs:fontRef>
+    <cs:defRPr sz="1197" kern="1200"/>
+  </cs:trendlineLabel>
+  <cs:upBar>
+    <cs:lnRef idx="0"/>
+    <cs:fillRef idx="0"/>
+    <cs:effectRef idx="0"/>
+    <cs:fontRef idx="minor">
+      <a:schemeClr val="tx1"/>
+    </cs:fontRef>
+    <cs:spPr>
+      <a:gradFill>
+        <a:gsLst>
+          <a:gs pos="100000">
+            <a:schemeClr val="lt1">
+              <a:lumMod val="85000"/>
+            </a:schemeClr>
+          </a:gs>
+          <a:gs pos="0">
+            <a:schemeClr val="lt1"/>
+          </a:gs>
+        </a:gsLst>
+        <a:path path="circle">
+          <a:fillToRect l="50000" t="50000" r="50000" b="50000"/>
+        </a:path>
+      </a:gradFill>
+      <a:ln w="9525" cap="flat" cmpd="sng" algn="ctr">
+        <a:solidFill>
+          <a:schemeClr val="lt1"/>
+        </a:solidFill>
+        <a:round/>
+      </a:ln>
+    </cs:spPr>
+  </cs:upBar>
+  <cs:valueAxis>
+    <cs:lnRef idx="0"/>
+    <cs:fillRef idx="0"/>
+    <cs:effectRef idx="0"/>
+    <cs:fontRef idx="minor">
+      <a:schemeClr val="lt1">
+        <a:lumMod val="85000"/>
+      </a:schemeClr>
+    </cs:fontRef>
+    <cs:defRPr sz="1197" kern="1200"/>
+  </cs:valueAxis>
+  <cs:wall>
+    <cs:lnRef idx="0"/>
+    <cs:fillRef idx="0"/>
+    <cs:effectRef idx="0"/>
+    <cs:fontRef idx="minor">
+      <a:schemeClr val="tx1"/>
+    </cs:fontRef>
+  </cs:wall>
+</cs:chartStyle>
+</file>
+
+<file path=ppt/charts/style4.xml><?xml version="1.0" encoding="utf-8"?>
+<cs:chartStyle xmlns:cs="http://schemas.microsoft.com/office/drawing/2012/chartStyle" xmlns:a="http://schemas.openxmlformats.org/drawingml/2006/main" id="328">
+  <cs:axisTitle>
+    <cs:lnRef idx="0"/>
+    <cs:fillRef idx="0"/>
+    <cs:effectRef idx="0"/>
+    <cs:fontRef idx="minor">
+      <a:schemeClr val="lt1">
+        <a:lumMod val="85000"/>
+      </a:schemeClr>
+    </cs:fontRef>
+    <cs:defRPr sz="1197" b="1" kern="1200" cap="all"/>
+  </cs:axisTitle>
+  <cs:categoryAxis>
+    <cs:lnRef idx="0"/>
+    <cs:fillRef idx="0"/>
+    <cs:effectRef idx="0"/>
+    <cs:fontRef idx="minor">
+      <a:schemeClr val="lt1">
+        <a:lumMod val="85000"/>
+      </a:schemeClr>
+    </cs:fontRef>
+    <cs:spPr>
+      <a:ln w="12700" cap="flat" cmpd="sng" algn="ctr">
+        <a:solidFill>
+          <a:schemeClr val="lt1">
+            <a:lumMod val="95000"/>
+            <a:alpha val="54000"/>
+          </a:schemeClr>
+        </a:solidFill>
+        <a:round/>
+      </a:ln>
+    </cs:spPr>
+    <cs:defRPr sz="1197" kern="1200"/>
+  </cs:categoryAxis>
+  <cs:chartArea>
+    <cs:lnRef idx="0"/>
+    <cs:fillRef idx="0"/>
+    <cs:effectRef idx="0"/>
+    <cs:fontRef idx="minor">
+      <a:schemeClr val="dk1"/>
+    </cs:fontRef>
+    <cs:spPr>
+      <a:gradFill flip="none" rotWithShape="1">
+        <a:gsLst>
+          <a:gs pos="0">
+            <a:schemeClr val="dk1">
+              <a:lumMod val="65000"/>
+              <a:lumOff val="35000"/>
+            </a:schemeClr>
+          </a:gs>
+          <a:gs pos="100000">
+            <a:schemeClr val="dk1">
+              <a:lumMod val="85000"/>
+              <a:lumOff val="15000"/>
+            </a:schemeClr>
+          </a:gs>
+        </a:gsLst>
+        <a:path path="circle">
+          <a:fillToRect l="50000" t="50000" r="50000" b="50000"/>
+        </a:path>
+        <a:tileRect/>
+      </a:gradFill>
+    </cs:spPr>
+    <cs:defRPr sz="1330" kern="1200"/>
+  </cs:chartArea>
+  <cs:dataLabel>
+    <cs:lnRef idx="0"/>
+    <cs:fillRef idx="0"/>
+    <cs:effectRef idx="0"/>
+    <cs:fontRef idx="minor">
+      <a:schemeClr val="lt1">
+        <a:lumMod val="85000"/>
+      </a:schemeClr>
+    </cs:fontRef>
+    <cs:defRPr sz="1197" kern="1200"/>
+  </cs:dataLabel>
+  <cs:dataLabelCallout>
+    <cs:lnRef idx="0"/>
+    <cs:fillRef idx="0"/>
+    <cs:effectRef idx="0"/>
+    <cs:fontRef idx="minor">
+      <a:schemeClr val="dk1">
+        <a:lumMod val="65000"/>
+        <a:lumOff val="35000"/>
+      </a:schemeClr>
+    </cs:fontRef>
+    <cs:spPr>
+      <a:solidFill>
+        <a:schemeClr val="lt1"/>
+      </a:solidFill>
+    </cs:spPr>
+    <cs:defRPr sz="1197" kern="1200"/>
+    <cs:bodyPr rot="0" spcFirstLastPara="1" vertOverflow="clip" horzOverflow="clip" vert="horz" wrap="square" lIns="36576" tIns="18288" rIns="36576" bIns="18288" anchor="ctr" anchorCtr="1">
+      <a:spAutoFit/>
+    </cs:bodyPr>
+  </cs:dataLabelCallout>
+  <cs:dataPoint>
+    <cs:lnRef idx="0"/>
+    <cs:fillRef idx="3">
+      <cs:styleClr val="auto"/>
+    </cs:fillRef>
+    <cs:effectRef idx="3"/>
+    <cs:fontRef idx="minor">
+      <a:schemeClr val="tx1"/>
+    </cs:fontRef>
+  </cs:dataPoint>
+  <cs:dataPoint3D>
+    <cs:lnRef idx="0"/>
+    <cs:fillRef idx="3">
+      <cs:styleClr val="auto"/>
+    </cs:fillRef>
+    <cs:effectRef idx="3"/>
+    <cs:fontRef idx="minor">
+      <a:schemeClr val="tx1"/>
+    </cs:fontRef>
+  </cs:dataPoint3D>
+  <cs:dataPointLine>
+    <cs:lnRef idx="0">
+      <cs:styleClr val="auto"/>
+    </cs:lnRef>
+    <cs:fillRef idx="3"/>
+    <cs:effectRef idx="3"/>
+    <cs:fontRef idx="minor">
+      <a:schemeClr val="tx1"/>
+    </cs:fontRef>
+    <cs:spPr>
+      <a:ln w="34925" cap="rnd">
+        <a:solidFill>
+          <a:schemeClr val="phClr"/>
+        </a:solidFill>
+        <a:round/>
+      </a:ln>
+    </cs:spPr>
+  </cs:dataPointLine>
+  <cs:dataPointMarker>
+    <cs:lnRef idx="0">
+      <cs:styleClr val="auto"/>
+    </cs:lnRef>
+    <cs:fillRef idx="3">
+      <cs:styleClr val="auto"/>
+    </cs:fillRef>
+    <cs:effectRef idx="3"/>
+    <cs:fontRef idx="minor">
+      <a:schemeClr val="tx1"/>
+    </cs:fontRef>
+    <cs:spPr>
+      <a:ln w="9525">
+        <a:solidFill>
+          <a:schemeClr val="phClr"/>
+        </a:solidFill>
+        <a:round/>
+      </a:ln>
+    </cs:spPr>
+  </cs:dataPointMarker>
+  <cs:dataPointMarkerLayout symbol="circle" size="6"/>
+  <cs:dataPointWireframe>
+    <cs:lnRef idx="0">
+      <cs:styleClr val="auto"/>
+    </cs:lnRef>
+    <cs:fillRef idx="3"/>
+    <cs:effectRef idx="3"/>
+    <cs:fontRef idx="minor">
+      <a:schemeClr val="tx1"/>
+    </cs:fontRef>
+    <cs:spPr>
+      <a:ln w="9525" cap="rnd">
+        <a:solidFill>
+          <a:schemeClr val="phClr"/>
+        </a:solidFill>
+        <a:round/>
+      </a:ln>
+    </cs:spPr>
+  </cs:dataPointWireframe>
+  <cs:dataTable>
+    <cs:lnRef idx="0"/>
+    <cs:fillRef idx="0"/>
+    <cs:effectRef idx="0"/>
+    <cs:fontRef idx="minor">
+      <a:schemeClr val="lt1">
+        <a:lumMod val="85000"/>
+      </a:schemeClr>
+    </cs:fontRef>
+    <cs:spPr>
+      <a:ln w="9525">
+        <a:solidFill>
+          <a:schemeClr val="lt1">
+            <a:lumMod val="95000"/>
+            <a:alpha val="54000"/>
+          </a:schemeClr>
+        </a:solidFill>
+      </a:ln>
+    </cs:spPr>
+    <cs:defRPr sz="1197" kern="1200"/>
+  </cs:dataTable>
+  <cs:downBar>
+    <cs:lnRef idx="0"/>
+    <cs:fillRef idx="0"/>
+    <cs:effectRef idx="0"/>
+    <cs:fontRef idx="minor">
+      <a:schemeClr val="tx1"/>
+    </cs:fontRef>
+    <cs:spPr>
+      <a:gradFill>
+        <a:gsLst>
+          <a:gs pos="100000">
+            <a:schemeClr val="dk1">
+              <a:lumMod val="95000"/>
+              <a:lumOff val="5000"/>
+            </a:schemeClr>
+          </a:gs>
+          <a:gs pos="0">
+            <a:schemeClr val="dk1">
+              <a:lumMod val="75000"/>
+              <a:lumOff val="25000"/>
+            </a:schemeClr>
+          </a:gs>
+        </a:gsLst>
+        <a:path path="circle">
+          <a:fillToRect l="50000" t="50000" r="50000" b="50000"/>
+        </a:path>
+      </a:gradFill>
+      <a:ln w="9525">
+        <a:solidFill>
+          <a:schemeClr val="dk1">
+            <a:lumMod val="75000"/>
+            <a:lumOff val="25000"/>
+          </a:schemeClr>
+        </a:solidFill>
+      </a:ln>
+    </cs:spPr>
+  </cs:downBar>
+  <cs:dropLine>
+    <cs:lnRef idx="0"/>
+    <cs:fillRef idx="0"/>
+    <cs:effectRef idx="0"/>
+    <cs:fontRef idx="minor">
+      <a:schemeClr val="tx1"/>
+    </cs:fontRef>
+    <cs:spPr>
+      <a:ln w="9525" cap="flat" cmpd="sng" algn="ctr">
+        <a:solidFill>
+          <a:schemeClr val="lt1"/>
+        </a:solidFill>
+        <a:round/>
+      </a:ln>
+    </cs:spPr>
+  </cs:dropLine>
+  <cs:errorBar>
+    <cs:lnRef idx="0"/>
+    <cs:fillRef idx="0"/>
+    <cs:effectRef idx="0"/>
+    <cs:fontRef idx="minor">
+      <a:schemeClr val="tx1"/>
+    </cs:fontRef>
+    <cs:spPr>
+      <a:ln w="9525" cap="flat" cmpd="sng" algn="ctr">
+        <a:solidFill>
+          <a:schemeClr val="lt1">
+            <a:lumMod val="95000"/>
+          </a:schemeClr>
+        </a:solidFill>
+        <a:round/>
+      </a:ln>
+    </cs:spPr>
+  </cs:errorBar>
+  <cs:floor>
+    <cs:lnRef idx="0"/>
+    <cs:fillRef idx="0"/>
+    <cs:effectRef idx="0"/>
+    <cs:fontRef idx="minor">
+      <a:schemeClr val="tx1"/>
+    </cs:fontRef>
+  </cs:floor>
+  <cs:gridlineMajor>
+    <cs:lnRef idx="0"/>
+    <cs:fillRef idx="0"/>
+    <cs:effectRef idx="0"/>
+    <cs:fontRef idx="minor">
+      <a:schemeClr val="tx1"/>
+    </cs:fontRef>
+    <cs:spPr>
+      <a:ln w="9525" cap="flat" cmpd="sng" algn="ctr">
+        <a:solidFill>
+          <a:schemeClr val="lt1">
+            <a:lumMod val="95000"/>
+            <a:alpha val="10000"/>
+          </a:schemeClr>
+        </a:solidFill>
+        <a:round/>
+      </a:ln>
+    </cs:spPr>
+  </cs:gridlineMajor>
+  <cs:gridlineMinor>
+    <cs:lnRef idx="0"/>
+    <cs:fillRef idx="0"/>
+    <cs:effectRef idx="0"/>
+    <cs:fontRef idx="minor">
+      <a:schemeClr val="tx1"/>
+    </cs:fontRef>
+    <cs:spPr>
+      <a:ln>
+        <a:solidFill>
+          <a:schemeClr val="lt1">
+            <a:lumMod val="95000"/>
+            <a:alpha val="5000"/>
+          </a:schemeClr>
+        </a:solidFill>
+      </a:ln>
+    </cs:spPr>
+  </cs:gridlineMinor>
+  <cs:hiLoLine>
+    <cs:lnRef idx="0"/>
+    <cs:fillRef idx="0"/>
+    <cs:effectRef idx="0"/>
+    <cs:fontRef idx="minor">
+      <a:schemeClr val="tx1"/>
+    </cs:fontRef>
+    <cs:spPr>
+      <a:ln w="9525" cap="flat" cmpd="sng" algn="ctr">
+        <a:solidFill>
+          <a:schemeClr val="lt1"/>
+        </a:solidFill>
+        <a:round/>
+      </a:ln>
+    </cs:spPr>
+  </cs:hiLoLine>
+  <cs:leaderLine>
+    <cs:lnRef idx="0"/>
+    <cs:fillRef idx="0"/>
+    <cs:effectRef idx="0"/>
+    <cs:fontRef idx="minor">
+      <a:schemeClr val="tx1"/>
+    </cs:fontRef>
+    <cs:spPr>
+      <a:ln w="9525">
+        <a:solidFill>
+          <a:schemeClr val="lt1">
+            <a:lumMod val="95000"/>
+            <a:alpha val="54000"/>
+          </a:schemeClr>
+        </a:solidFill>
+      </a:ln>
+    </cs:spPr>
+  </cs:leaderLine>
+  <cs:legend>
+    <cs:lnRef idx="0"/>
+    <cs:fillRef idx="0"/>
+    <cs:effectRef idx="0"/>
+    <cs:fontRef idx="minor">
+      <a:schemeClr val="lt1">
+        <a:lumMod val="85000"/>
+      </a:schemeClr>
+    </cs:fontRef>
+    <cs:defRPr sz="1197" kern="1200"/>
+  </cs:legend>
+  <cs:plotArea>
+    <cs:lnRef idx="0"/>
+    <cs:fillRef idx="0"/>
+    <cs:effectRef idx="0"/>
+    <cs:fontRef idx="minor">
+      <a:schemeClr val="tx1"/>
+    </cs:fontRef>
+  </cs:plotArea>
+  <cs:plotArea3D>
+    <cs:lnRef idx="0"/>
+    <cs:fillRef idx="0"/>
+    <cs:effectRef idx="0"/>
+    <cs:fontRef idx="minor">
+      <a:schemeClr val="tx1"/>
+    </cs:fontRef>
+  </cs:plotArea3D>
+  <cs:seriesAxis>
+    <cs:lnRef idx="0"/>
+    <cs:fillRef idx="0"/>
+    <cs:effectRef idx="0"/>
+    <cs:fontRef idx="minor">
+      <a:schemeClr val="lt1">
+        <a:lumMod val="85000"/>
+      </a:schemeClr>
+    </cs:fontRef>
+    <cs:spPr>
+      <a:ln w="12700" cap="flat" cmpd="sng" algn="ctr">
+        <a:solidFill>
+          <a:schemeClr val="lt1">
+            <a:lumMod val="95000"/>
+            <a:alpha val="54000"/>
+          </a:schemeClr>
+        </a:solidFill>
+        <a:round/>
+      </a:ln>
+    </cs:spPr>
+    <cs:defRPr sz="1197" kern="1200"/>
+  </cs:seriesAxis>
+  <cs:seriesLine>
+    <cs:lnRef idx="0"/>
+    <cs:fillRef idx="0"/>
+    <cs:effectRef idx="0"/>
+    <cs:fontRef idx="minor">
+      <a:schemeClr val="lt1"/>
+    </cs:fontRef>
+    <cs:spPr>
+      <a:ln w="9525" cap="flat" cmpd="sng" algn="ctr">
+        <a:solidFill>
+          <a:schemeClr val="lt1">
+            <a:lumMod val="95000"/>
+            <a:alpha val="54000"/>
+          </a:schemeClr>
+        </a:solidFill>
+        <a:round/>
+      </a:ln>
+    </cs:spPr>
+  </cs:seriesLine>
+  <cs:title>
+    <cs:lnRef idx="0"/>
+    <cs:fillRef idx="0"/>
+    <cs:effectRef idx="0"/>
+    <cs:fontRef idx="minor">
+      <a:schemeClr val="lt1">
+        <a:lumMod val="95000"/>
+      </a:schemeClr>
+    </cs:fontRef>
+    <cs:defRPr sz="2128" b="1" kern="1200" spc="100" baseline="0">
+      <a:effectLst>
+        <a:outerShdw blurRad="50800" dist="38100" dir="5400000" algn="t" rotWithShape="0">
+          <a:prstClr val="black">
+            <a:alpha val="40000"/>
+          </a:prstClr>
+        </a:outerShdw>
+      </a:effectLst>
+    </cs:defRPr>
+  </cs:title>
+  <cs:trendline>
+    <cs:lnRef idx="0">
+      <cs:styleClr val="auto"/>
+    </cs:lnRef>
+    <cs:fillRef idx="0"/>
+    <cs:effectRef idx="0"/>
+    <cs:fontRef idx="minor">
+      <a:schemeClr val="tx1"/>
+    </cs:fontRef>
+    <cs:spPr>
+      <a:ln w="19050" cap="rnd">
+        <a:solidFill>
+          <a:schemeClr val="phClr"/>
+        </a:solidFill>
+      </a:ln>
+    </cs:spPr>
+  </cs:trendline>
+  <cs:trendlineLabel>
+    <cs:lnRef idx="0"/>
+    <cs:fillRef idx="0"/>
+    <cs:effectRef idx="0"/>
+    <cs:fontRef idx="minor">
+      <a:schemeClr val="lt1">
+        <a:lumMod val="85000"/>
+      </a:schemeClr>
+    </cs:fontRef>
+    <cs:defRPr sz="1197" kern="1200"/>
+  </cs:trendlineLabel>
+  <cs:upBar>
+    <cs:lnRef idx="0"/>
+    <cs:fillRef idx="0"/>
+    <cs:effectRef idx="0"/>
+    <cs:fontRef idx="minor">
+      <a:schemeClr val="tx1"/>
+    </cs:fontRef>
+    <cs:spPr>
+      <a:gradFill>
+        <a:gsLst>
+          <a:gs pos="100000">
+            <a:schemeClr val="lt1">
+              <a:lumMod val="85000"/>
+            </a:schemeClr>
+          </a:gs>
+          <a:gs pos="0">
+            <a:schemeClr val="lt1"/>
+          </a:gs>
+        </a:gsLst>
+        <a:path path="circle">
+          <a:fillToRect l="50000" t="50000" r="50000" b="50000"/>
+        </a:path>
+      </a:gradFill>
+      <a:ln w="9525" cap="flat" cmpd="sng" algn="ctr">
+        <a:solidFill>
+          <a:schemeClr val="lt1"/>
+        </a:solidFill>
+        <a:round/>
+      </a:ln>
+    </cs:spPr>
+  </cs:upBar>
+  <cs:valueAxis>
+    <cs:lnRef idx="0"/>
+    <cs:fillRef idx="0"/>
+    <cs:effectRef idx="0"/>
+    <cs:fontRef idx="minor">
+      <a:schemeClr val="lt1">
+        <a:lumMod val="85000"/>
+      </a:schemeClr>
+    </cs:fontRef>
+    <cs:defRPr sz="1197" kern="1200"/>
+  </cs:valueAxis>
+  <cs:wall>
+    <cs:lnRef idx="0"/>
+    <cs:fillRef idx="0"/>
+    <cs:effectRef idx="0"/>
+    <cs:fontRef idx="minor">
+      <a:schemeClr val="tx1"/>
+    </cs:fontRef>
+  </cs:wall>
+</cs:chartStyle>
+</file>
+
+<file path=ppt/charts/style5.xml><?xml version="1.0" encoding="utf-8"?>
+<cs:chartStyle xmlns:cs="http://schemas.microsoft.com/office/drawing/2012/chartStyle" xmlns:a="http://schemas.openxmlformats.org/drawingml/2006/main" id="328">
+  <cs:axisTitle>
+    <cs:lnRef idx="0"/>
+    <cs:fillRef idx="0"/>
+    <cs:effectRef idx="0"/>
+    <cs:fontRef idx="minor">
+      <a:schemeClr val="lt1">
+        <a:lumMod val="85000"/>
+      </a:schemeClr>
+    </cs:fontRef>
+    <cs:defRPr sz="1197" b="1" kern="1200" cap="all"/>
+  </cs:axisTitle>
+  <cs:categoryAxis>
+    <cs:lnRef idx="0"/>
+    <cs:fillRef idx="0"/>
+    <cs:effectRef idx="0"/>
+    <cs:fontRef idx="minor">
+      <a:schemeClr val="lt1">
+        <a:lumMod val="85000"/>
+      </a:schemeClr>
+    </cs:fontRef>
+    <cs:spPr>
+      <a:ln w="12700" cap="flat" cmpd="sng" algn="ctr">
+        <a:solidFill>
+          <a:schemeClr val="lt1">
+            <a:lumMod val="95000"/>
+            <a:alpha val="54000"/>
+          </a:schemeClr>
+        </a:solidFill>
+        <a:round/>
+      </a:ln>
+    </cs:spPr>
+    <cs:defRPr sz="1197" kern="1200"/>
+  </cs:categoryAxis>
+  <cs:chartArea>
+    <cs:lnRef idx="0"/>
+    <cs:fillRef idx="0"/>
+    <cs:effectRef idx="0"/>
+    <cs:fontRef idx="minor">
+      <a:schemeClr val="dk1"/>
+    </cs:fontRef>
+    <cs:spPr>
+      <a:gradFill flip="none" rotWithShape="1">
+        <a:gsLst>
+          <a:gs pos="0">
+            <a:schemeClr val="dk1">
+              <a:lumMod val="65000"/>
+              <a:lumOff val="35000"/>
+            </a:schemeClr>
+          </a:gs>
+          <a:gs pos="100000">
+            <a:schemeClr val="dk1">
+              <a:lumMod val="85000"/>
+              <a:lumOff val="15000"/>
+            </a:schemeClr>
+          </a:gs>
+        </a:gsLst>
+        <a:path path="circle">
+          <a:fillToRect l="50000" t="50000" r="50000" b="50000"/>
+        </a:path>
+        <a:tileRect/>
+      </a:gradFill>
+    </cs:spPr>
+    <cs:defRPr sz="1330" kern="1200"/>
+  </cs:chartArea>
+  <cs:dataLabel>
+    <cs:lnRef idx="0"/>
+    <cs:fillRef idx="0"/>
+    <cs:effectRef idx="0"/>
+    <cs:fontRef idx="minor">
+      <a:schemeClr val="lt1">
+        <a:lumMod val="85000"/>
+      </a:schemeClr>
+    </cs:fontRef>
+    <cs:defRPr sz="1197" kern="1200"/>
+  </cs:dataLabel>
+  <cs:dataLabelCallout>
+    <cs:lnRef idx="0"/>
+    <cs:fillRef idx="0"/>
+    <cs:effectRef idx="0"/>
+    <cs:fontRef idx="minor">
+      <a:schemeClr val="dk1">
+        <a:lumMod val="65000"/>
+        <a:lumOff val="35000"/>
+      </a:schemeClr>
+    </cs:fontRef>
+    <cs:spPr>
+      <a:solidFill>
+        <a:schemeClr val="lt1"/>
+      </a:solidFill>
+    </cs:spPr>
+    <cs:defRPr sz="1197" kern="1200"/>
+    <cs:bodyPr rot="0" spcFirstLastPara="1" vertOverflow="clip" horzOverflow="clip" vert="horz" wrap="square" lIns="36576" tIns="18288" rIns="36576" bIns="18288" anchor="ctr" anchorCtr="1">
+      <a:spAutoFit/>
+    </cs:bodyPr>
+  </cs:dataLabelCallout>
+  <cs:dataPoint>
+    <cs:lnRef idx="0"/>
+    <cs:fillRef idx="3">
+      <cs:styleClr val="auto"/>
+    </cs:fillRef>
+    <cs:effectRef idx="3"/>
+    <cs:fontRef idx="minor">
+      <a:schemeClr val="tx1"/>
+    </cs:fontRef>
+  </cs:dataPoint>
+  <cs:dataPoint3D>
+    <cs:lnRef idx="0"/>
+    <cs:fillRef idx="3">
+      <cs:styleClr val="auto"/>
+    </cs:fillRef>
+    <cs:effectRef idx="3"/>
+    <cs:fontRef idx="minor">
+      <a:schemeClr val="tx1"/>
+    </cs:fontRef>
+  </cs:dataPoint3D>
+  <cs:dataPointLine>
+    <cs:lnRef idx="0">
+      <cs:styleClr val="auto"/>
+    </cs:lnRef>
+    <cs:fillRef idx="3"/>
+    <cs:effectRef idx="3"/>
+    <cs:fontRef idx="minor">
+      <a:schemeClr val="tx1"/>
+    </cs:fontRef>
+    <cs:spPr>
+      <a:ln w="34925" cap="rnd">
+        <a:solidFill>
+          <a:schemeClr val="phClr"/>
+        </a:solidFill>
+        <a:round/>
+      </a:ln>
+    </cs:spPr>
+  </cs:dataPointLine>
+  <cs:dataPointMarker>
+    <cs:lnRef idx="0">
+      <cs:styleClr val="auto"/>
+    </cs:lnRef>
+    <cs:fillRef idx="3">
+      <cs:styleClr val="auto"/>
+    </cs:fillRef>
+    <cs:effectRef idx="3"/>
+    <cs:fontRef idx="minor">
+      <a:schemeClr val="tx1"/>
+    </cs:fontRef>
+    <cs:spPr>
+      <a:ln w="9525">
+        <a:solidFill>
+          <a:schemeClr val="phClr"/>
+        </a:solidFill>
+        <a:round/>
+      </a:ln>
+    </cs:spPr>
+  </cs:dataPointMarker>
+  <cs:dataPointMarkerLayout symbol="circle" size="6"/>
+  <cs:dataPointWireframe>
+    <cs:lnRef idx="0">
+      <cs:styleClr val="auto"/>
+    </cs:lnRef>
+    <cs:fillRef idx="3"/>
+    <cs:effectRef idx="3"/>
+    <cs:fontRef idx="minor">
+      <a:schemeClr val="tx1"/>
+    </cs:fontRef>
+    <cs:spPr>
+      <a:ln w="9525" cap="rnd">
+        <a:solidFill>
+          <a:schemeClr val="phClr"/>
+        </a:solidFill>
+        <a:round/>
+      </a:ln>
+    </cs:spPr>
+  </cs:dataPointWireframe>
+  <cs:dataTable>
+    <cs:lnRef idx="0"/>
+    <cs:fillRef idx="0"/>
+    <cs:effectRef idx="0"/>
+    <cs:fontRef idx="minor">
+      <a:schemeClr val="lt1">
+        <a:lumMod val="85000"/>
+      </a:schemeClr>
+    </cs:fontRef>
+    <cs:spPr>
+      <a:ln w="9525">
+        <a:solidFill>
+          <a:schemeClr val="lt1">
+            <a:lumMod val="95000"/>
+            <a:alpha val="54000"/>
+          </a:schemeClr>
+        </a:solidFill>
+      </a:ln>
+    </cs:spPr>
+    <cs:defRPr sz="1197" kern="1200"/>
+  </cs:dataTable>
+  <cs:downBar>
+    <cs:lnRef idx="0"/>
+    <cs:fillRef idx="0"/>
+    <cs:effectRef idx="0"/>
+    <cs:fontRef idx="minor">
+      <a:schemeClr val="tx1"/>
+    </cs:fontRef>
+    <cs:spPr>
+      <a:gradFill>
+        <a:gsLst>
+          <a:gs pos="100000">
+            <a:schemeClr val="dk1">
+              <a:lumMod val="95000"/>
+              <a:lumOff val="5000"/>
+            </a:schemeClr>
+          </a:gs>
+          <a:gs pos="0">
+            <a:schemeClr val="dk1">
+              <a:lumMod val="75000"/>
+              <a:lumOff val="25000"/>
+            </a:schemeClr>
+          </a:gs>
+        </a:gsLst>
+        <a:path path="circle">
+          <a:fillToRect l="50000" t="50000" r="50000" b="50000"/>
+        </a:path>
+      </a:gradFill>
+      <a:ln w="9525">
+        <a:solidFill>
+          <a:schemeClr val="dk1">
+            <a:lumMod val="75000"/>
+            <a:lumOff val="25000"/>
+          </a:schemeClr>
+        </a:solidFill>
+      </a:ln>
+    </cs:spPr>
+  </cs:downBar>
+  <cs:dropLine>
+    <cs:lnRef idx="0"/>
+    <cs:fillRef idx="0"/>
+    <cs:effectRef idx="0"/>
+    <cs:fontRef idx="minor">
+      <a:schemeClr val="tx1"/>
+    </cs:fontRef>
+    <cs:spPr>
+      <a:ln w="9525" cap="flat" cmpd="sng" algn="ctr">
+        <a:solidFill>
+          <a:schemeClr val="lt1"/>
+        </a:solidFill>
+        <a:round/>
+      </a:ln>
+    </cs:spPr>
+  </cs:dropLine>
+  <cs:errorBar>
+    <cs:lnRef idx="0"/>
+    <cs:fillRef idx="0"/>
+    <cs:effectRef idx="0"/>
+    <cs:fontRef idx="minor">
+      <a:schemeClr val="tx1"/>
+    </cs:fontRef>
+    <cs:spPr>
+      <a:ln w="9525" cap="flat" cmpd="sng" algn="ctr">
+        <a:solidFill>
+          <a:schemeClr val="lt1">
+            <a:lumMod val="95000"/>
+          </a:schemeClr>
+        </a:solidFill>
+        <a:round/>
+      </a:ln>
+    </cs:spPr>
+  </cs:errorBar>
+  <cs:floor>
+    <cs:lnRef idx="0"/>
+    <cs:fillRef idx="0"/>
+    <cs:effectRef idx="0"/>
+    <cs:fontRef idx="minor">
+      <a:schemeClr val="tx1"/>
+    </cs:fontRef>
+  </cs:floor>
+  <cs:gridlineMajor>
+    <cs:lnRef idx="0"/>
+    <cs:fillRef idx="0"/>
+    <cs:effectRef idx="0"/>
+    <cs:fontRef idx="minor">
+      <a:schemeClr val="tx1"/>
+    </cs:fontRef>
+    <cs:spPr>
+      <a:ln w="9525" cap="flat" cmpd="sng" algn="ctr">
+        <a:solidFill>
+          <a:schemeClr val="lt1">
+            <a:lumMod val="95000"/>
+            <a:alpha val="10000"/>
+          </a:schemeClr>
+        </a:solidFill>
+        <a:round/>
+      </a:ln>
+    </cs:spPr>
+  </cs:gridlineMajor>
+  <cs:gridlineMinor>
+    <cs:lnRef idx="0"/>
+    <cs:fillRef idx="0"/>
+    <cs:effectRef idx="0"/>
+    <cs:fontRef idx="minor">
+      <a:schemeClr val="tx1"/>
+    </cs:fontRef>
+    <cs:spPr>
+      <a:ln>
+        <a:solidFill>
+          <a:schemeClr val="lt1">
+            <a:lumMod val="95000"/>
+            <a:alpha val="5000"/>
+          </a:schemeClr>
+        </a:solidFill>
+      </a:ln>
+    </cs:spPr>
+  </cs:gridlineMinor>
+  <cs:hiLoLine>
+    <cs:lnRef idx="0"/>
+    <cs:fillRef idx="0"/>
+    <cs:effectRef idx="0"/>
+    <cs:fontRef idx="minor">
+      <a:schemeClr val="tx1"/>
+    </cs:fontRef>
+    <cs:spPr>
+      <a:ln w="9525" cap="flat" cmpd="sng" algn="ctr">
+        <a:solidFill>
+          <a:schemeClr val="lt1"/>
+        </a:solidFill>
+        <a:round/>
+      </a:ln>
+    </cs:spPr>
+  </cs:hiLoLine>
+  <cs:leaderLine>
+    <cs:lnRef idx="0"/>
+    <cs:fillRef idx="0"/>
+    <cs:effectRef idx="0"/>
+    <cs:fontRef idx="minor">
+      <a:schemeClr val="tx1"/>
+    </cs:fontRef>
+    <cs:spPr>
+      <a:ln w="9525">
+        <a:solidFill>
+          <a:schemeClr val="lt1">
+            <a:lumMod val="95000"/>
+            <a:alpha val="54000"/>
+          </a:schemeClr>
+        </a:solidFill>
+      </a:ln>
+    </cs:spPr>
+  </cs:leaderLine>
+  <cs:legend>
+    <cs:lnRef idx="0"/>
+    <cs:fillRef idx="0"/>
+    <cs:effectRef idx="0"/>
+    <cs:fontRef idx="minor">
+      <a:schemeClr val="lt1">
+        <a:lumMod val="85000"/>
+      </a:schemeClr>
+    </cs:fontRef>
+    <cs:defRPr sz="1197" kern="1200"/>
+  </cs:legend>
+  <cs:plotArea>
+    <cs:lnRef idx="0"/>
+    <cs:fillRef idx="0"/>
+    <cs:effectRef idx="0"/>
+    <cs:fontRef idx="minor">
+      <a:schemeClr val="tx1"/>
+    </cs:fontRef>
+  </cs:plotArea>
+  <cs:plotArea3D>
+    <cs:lnRef idx="0"/>
+    <cs:fillRef idx="0"/>
+    <cs:effectRef idx="0"/>
+    <cs:fontRef idx="minor">
+      <a:schemeClr val="tx1"/>
+    </cs:fontRef>
+  </cs:plotArea3D>
+  <cs:seriesAxis>
+    <cs:lnRef idx="0"/>
+    <cs:fillRef idx="0"/>
+    <cs:effectRef idx="0"/>
+    <cs:fontRef idx="minor">
+      <a:schemeClr val="lt1">
+        <a:lumMod val="85000"/>
+      </a:schemeClr>
+    </cs:fontRef>
+    <cs:spPr>
+      <a:ln w="12700" cap="flat" cmpd="sng" algn="ctr">
+        <a:solidFill>
+          <a:schemeClr val="lt1">
+            <a:lumMod val="95000"/>
+            <a:alpha val="54000"/>
+          </a:schemeClr>
+        </a:solidFill>
+        <a:round/>
+      </a:ln>
+    </cs:spPr>
+    <cs:defRPr sz="1197" kern="1200"/>
+  </cs:seriesAxis>
+  <cs:seriesLine>
+    <cs:lnRef idx="0"/>
+    <cs:fillRef idx="0"/>
+    <cs:effectRef idx="0"/>
+    <cs:fontRef idx="minor">
+      <a:schemeClr val="lt1"/>
+    </cs:fontRef>
+    <cs:spPr>
+      <a:ln w="9525" cap="flat" cmpd="sng" algn="ctr">
+        <a:solidFill>
+          <a:schemeClr val="lt1">
+            <a:lumMod val="95000"/>
+            <a:alpha val="54000"/>
+          </a:schemeClr>
+        </a:solidFill>
+        <a:round/>
+      </a:ln>
+    </cs:spPr>
+  </cs:seriesLine>
+  <cs:title>
+    <cs:lnRef idx="0"/>
+    <cs:fillRef idx="0"/>
+    <cs:effectRef idx="0"/>
+    <cs:fontRef idx="minor">
+      <a:schemeClr val="lt1">
+        <a:lumMod val="95000"/>
+      </a:schemeClr>
+    </cs:fontRef>
+    <cs:defRPr sz="2128" b="1" kern="1200" spc="100" baseline="0">
+      <a:effectLst>
+        <a:outerShdw blurRad="50800" dist="38100" dir="5400000" algn="t" rotWithShape="0">
+          <a:prstClr val="black">
+            <a:alpha val="40000"/>
+          </a:prstClr>
+        </a:outerShdw>
+      </a:effectLst>
+    </cs:defRPr>
+  </cs:title>
+  <cs:trendline>
+    <cs:lnRef idx="0">
+      <cs:styleClr val="auto"/>
+    </cs:lnRef>
+    <cs:fillRef idx="0"/>
+    <cs:effectRef idx="0"/>
+    <cs:fontRef idx="minor">
+      <a:schemeClr val="tx1"/>
+    </cs:fontRef>
+    <cs:spPr>
+      <a:ln w="19050" cap="rnd">
+        <a:solidFill>
+          <a:schemeClr val="phClr"/>
+        </a:solidFill>
+      </a:ln>
+    </cs:spPr>
+  </cs:trendline>
+  <cs:trendlineLabel>
+    <cs:lnRef idx="0"/>
+    <cs:fillRef idx="0"/>
+    <cs:effectRef idx="0"/>
+    <cs:fontRef idx="minor">
+      <a:schemeClr val="lt1">
+        <a:lumMod val="85000"/>
+      </a:schemeClr>
+    </cs:fontRef>
+    <cs:defRPr sz="1197" kern="1200"/>
+  </cs:trendlineLabel>
+  <cs:upBar>
+    <cs:lnRef idx="0"/>
+    <cs:fillRef idx="0"/>
+    <cs:effectRef idx="0"/>
+    <cs:fontRef idx="minor">
+      <a:schemeClr val="tx1"/>
+    </cs:fontRef>
+    <cs:spPr>
+      <a:gradFill>
+        <a:gsLst>
+          <a:gs pos="100000">
+            <a:schemeClr val="lt1">
+              <a:lumMod val="85000"/>
+            </a:schemeClr>
+          </a:gs>
+          <a:gs pos="0">
+            <a:schemeClr val="lt1"/>
+          </a:gs>
+        </a:gsLst>
+        <a:path path="circle">
+          <a:fillToRect l="50000" t="50000" r="50000" b="50000"/>
+        </a:path>
+      </a:gradFill>
+      <a:ln w="9525" cap="flat" cmpd="sng" algn="ctr">
+        <a:solidFill>
+          <a:schemeClr val="lt1"/>
+        </a:solidFill>
+        <a:round/>
+      </a:ln>
+    </cs:spPr>
+  </cs:upBar>
+  <cs:valueAxis>
+    <cs:lnRef idx="0"/>
+    <cs:fillRef idx="0"/>
+    <cs:effectRef idx="0"/>
+    <cs:fontRef idx="minor">
+      <a:schemeClr val="lt1">
+        <a:lumMod val="85000"/>
+      </a:schemeClr>
+    </cs:fontRef>
+    <cs:defRPr sz="1197" kern="1200"/>
+  </cs:valueAxis>
+  <cs:wall>
+    <cs:lnRef idx="0"/>
+    <cs:fillRef idx="0"/>
+    <cs:effectRef idx="0"/>
+    <cs:fontRef idx="minor">
+      <a:schemeClr val="tx1"/>
+    </cs:fontRef>
+  </cs:wall>
+</cs:chartStyle>
 </file>
 
 <file path=ppt/diagrams/colors1.xml><?xml version="1.0" encoding="utf-8"?>
@@ -6394,7 +12774,7 @@
 <dgm:dataModel xmlns:dgm="http://schemas.openxmlformats.org/drawingml/2006/diagram" xmlns:a="http://schemas.openxmlformats.org/drawingml/2006/main">
   <dgm:ptLst>
     <dgm:pt modelId="{B6868C48-BB86-4FA9-A093-4254BB9BD0E5}" type="doc">
-      <dgm:prSet loTypeId="urn:microsoft.com/office/officeart/2005/8/layout/balance1" loCatId="relationship" qsTypeId="urn:microsoft.com/office/officeart/2005/8/quickstyle/simple1" qsCatId="simple" csTypeId="urn:microsoft.com/office/officeart/2005/8/colors/colorful5" csCatId="colorful" phldr="1"/>
+      <dgm:prSet loTypeId="urn:microsoft.com/office/officeart/2005/8/layout/balance1" loCatId="relationship" qsTypeId="urn:microsoft.com/office/officeart/2005/8/quickstyle/simple5" qsCatId="simple" csTypeId="urn:microsoft.com/office/officeart/2005/8/colors/colorful5" csCatId="colorful" phldr="1"/>
       <dgm:spPr/>
       <dgm:t>
         <a:bodyPr/>
@@ -6412,9 +12792,10 @@
         <a:lstStyle/>
         <a:p>
           <a:r>
-            <a:rPr lang="en-IN" sz="2000" dirty="0"/>
+            <a:rPr lang="en-IN" sz="2000"/>
             <a:t>Accuracy and F1 score</a:t>
           </a:r>
+          <a:endParaRPr lang="en-IN" sz="2000" dirty="0"/>
         </a:p>
       </dgm:t>
     </dgm:pt>
@@ -6448,9 +12829,10 @@
         <a:lstStyle/>
         <a:p>
           <a:r>
-            <a:rPr lang="en-IN" sz="1400" dirty="0"/>
+            <a:rPr lang="en-IN" sz="1400"/>
             <a:t>Accuracy gives a wrong picture for unbalanced datasets: an accuracy of 95% could be misleading if dataset has 95% 0’s and 5% 1s</a:t>
           </a:r>
+          <a:endParaRPr lang="en-IN" sz="1400" dirty="0"/>
         </a:p>
       </dgm:t>
     </dgm:pt>
@@ -6484,11 +12866,11 @@
         <a:lstStyle/>
         <a:p>
           <a:r>
-            <a:rPr lang="en-IN" sz="1400" dirty="0"/>
+            <a:rPr lang="en-IN" sz="1400"/>
             <a:t>F1 score penalizes incorrect predictions, but ignores </a:t>
           </a:r>
           <a:r>
-            <a:rPr lang="en-US" sz="1400" dirty="0"/>
+            <a:rPr lang="en-US" sz="1400"/>
             <a:t>the probabilistic nature of classification</a:t>
           </a:r>
           <a:endParaRPr lang="en-IN" sz="1400" dirty="0"/>
@@ -6525,9 +12907,10 @@
         <a:lstStyle/>
         <a:p>
           <a:r>
-            <a:rPr lang="en-US" sz="1400" dirty="0"/>
+            <a:rPr lang="en-US" sz="1400"/>
             <a:t>Optimizes the certainty of a prediction</a:t>
           </a:r>
+          <a:endParaRPr lang="en-US" sz="1400" dirty="0"/>
         </a:p>
       </dgm:t>
     </dgm:pt>
@@ -6561,9 +12944,10 @@
         <a:lstStyle/>
         <a:p>
           <a:r>
-            <a:rPr lang="en-IN" sz="1400" dirty="0"/>
+            <a:rPr lang="en-IN" sz="1400"/>
             <a:t>Log-loss is not a metric, but a loss function</a:t>
           </a:r>
+          <a:endParaRPr lang="en-IN" sz="1400" dirty="0"/>
         </a:p>
       </dgm:t>
     </dgm:pt>
@@ -6597,9 +12981,10 @@
         <a:lstStyle/>
         <a:p>
           <a:r>
-            <a:rPr lang="en-IN" sz="2000" dirty="0"/>
+            <a:rPr lang="en-IN" sz="2000"/>
             <a:t>Log-loss</a:t>
           </a:r>
+          <a:endParaRPr lang="en-IN" sz="2000" dirty="0"/>
         </a:p>
       </dgm:t>
     </dgm:pt>
@@ -6633,11 +13018,11 @@
         <a:lstStyle/>
         <a:p>
           <a:r>
-            <a:rPr lang="en-IN" sz="1400" dirty="0"/>
+            <a:rPr lang="en-IN" sz="1400"/>
             <a:t> </a:t>
           </a:r>
           <a:r>
-            <a:rPr lang="en-US" sz="1400" dirty="0"/>
+            <a:rPr lang="en-US" sz="1400"/>
             <a:t>Penalizes the predictions made with lesser certainty</a:t>
           </a:r>
           <a:endParaRPr lang="en-IN" sz="1400" dirty="0"/>
@@ -6770,34 +13155,34 @@
     </dgm:pt>
   </dgm:ptLst>
   <dgm:cxnLst>
-    <dgm:cxn modelId="{C67C7007-91BB-47CD-8E80-015E9574239D}" type="presOf" srcId="{209FD04F-7FF2-4D3B-811E-D8892F685599}" destId="{65E90EC1-F35B-4068-983F-E955AA231ABA}" srcOrd="0" destOrd="0" presId="urn:microsoft.com/office/officeart/2005/8/layout/balance1"/>
-    <dgm:cxn modelId="{2C573B1B-A42F-44BC-9E12-12990198B7CD}" type="presOf" srcId="{58816C17-A0FE-4E3C-BCCB-53D9868633BA}" destId="{01984161-E760-4B2C-A44F-144274B264B0}" srcOrd="0" destOrd="0" presId="urn:microsoft.com/office/officeart/2005/8/layout/balance1"/>
+    <dgm:cxn modelId="{B4C3B90F-F83C-47CF-9903-4A6A9A729FCA}" type="presOf" srcId="{209FD04F-7FF2-4D3B-811E-D8892F685599}" destId="{65E90EC1-F35B-4068-983F-E955AA231ABA}" srcOrd="0" destOrd="0" presId="urn:microsoft.com/office/officeart/2005/8/layout/balance1"/>
+    <dgm:cxn modelId="{D9E80210-2763-4C73-A575-08D1C34A7FC6}" type="presOf" srcId="{4625A81C-C2FB-40FB-9F0E-ECD6687A1583}" destId="{BB110693-7530-4CA9-AD42-945708DF6AAA}" srcOrd="0" destOrd="0" presId="urn:microsoft.com/office/officeart/2005/8/layout/balance1"/>
+    <dgm:cxn modelId="{C0530927-391E-450B-94DE-8D0AAB07DB0B}" type="presOf" srcId="{58816C17-A0FE-4E3C-BCCB-53D9868633BA}" destId="{01984161-E760-4B2C-A44F-144274B264B0}" srcOrd="0" destOrd="0" presId="urn:microsoft.com/office/officeart/2005/8/layout/balance1"/>
     <dgm:cxn modelId="{B9B8732C-2CCC-440B-A67D-5CC4FCEA99D6}" srcId="{58816C17-A0FE-4E3C-BCCB-53D9868633BA}" destId="{209FD04F-7FF2-4D3B-811E-D8892F685599}" srcOrd="0" destOrd="0" parTransId="{5D1A7CAD-516E-4AAD-BA95-FBB6ED109D63}" sibTransId="{55492D15-2AAE-489C-8F40-151088F985C8}"/>
     <dgm:cxn modelId="{6F716A3F-1C01-41F4-A099-15C6FE5600B2}" srcId="{B6868C48-BB86-4FA9-A093-4254BB9BD0E5}" destId="{725CAA04-9133-46DA-BAD4-69FE7989B6D2}" srcOrd="1" destOrd="0" parTransId="{1B12BBB4-9275-475C-8198-614609D2FC8E}" sibTransId="{364FF6C4-86A6-4C74-8FE9-81F382625D69}"/>
     <dgm:cxn modelId="{85158160-70A9-40C3-9FEC-723B5E094362}" srcId="{58816C17-A0FE-4E3C-BCCB-53D9868633BA}" destId="{02B5482F-CC86-4BD0-9FDF-06BB5C25016B}" srcOrd="1" destOrd="0" parTransId="{16783506-C71A-4121-BA59-F08936DF654B}" sibTransId="{802EDF0E-EDA8-4A78-B773-FD10B1FB0EB5}"/>
+    <dgm:cxn modelId="{72610D4A-71C6-485B-9F78-56F6300F8386}" type="presOf" srcId="{725CAA04-9133-46DA-BAD4-69FE7989B6D2}" destId="{86C76BE2-88D7-443B-A6D0-2A124402D019}" srcOrd="0" destOrd="0" presId="urn:microsoft.com/office/officeart/2005/8/layout/balance1"/>
     <dgm:cxn modelId="{36F7206C-2BCB-4890-B6D2-7A884C726995}" srcId="{725CAA04-9133-46DA-BAD4-69FE7989B6D2}" destId="{4625A81C-C2FB-40FB-9F0E-ECD6687A1583}" srcOrd="1" destOrd="0" parTransId="{A8DD5A2A-332C-499B-81A6-85605681C82E}" sibTransId="{89AEF12D-613F-4F7F-B61D-387AC6F1DE79}"/>
-    <dgm:cxn modelId="{0BD8346C-F004-4187-A7CA-AA4A3D430F18}" type="presOf" srcId="{725CAA04-9133-46DA-BAD4-69FE7989B6D2}" destId="{86C76BE2-88D7-443B-A6D0-2A124402D019}" srcOrd="0" destOrd="0" presId="urn:microsoft.com/office/officeart/2005/8/layout/balance1"/>
-    <dgm:cxn modelId="{53BB4A4D-1755-416F-9215-5831301A4C64}" type="presOf" srcId="{02B5482F-CC86-4BD0-9FDF-06BB5C25016B}" destId="{D96DBE78-4547-4CF9-9BA2-F12F23397820}" srcOrd="0" destOrd="0" presId="urn:microsoft.com/office/officeart/2005/8/layout/balance1"/>
     <dgm:cxn modelId="{ACC4C96D-FD7F-4F62-B71B-F3A0AD68E8EC}" srcId="{725CAA04-9133-46DA-BAD4-69FE7989B6D2}" destId="{7A65A464-5907-4587-B67A-37BAA6BC9254}" srcOrd="0" destOrd="0" parTransId="{8E8CD9F5-674D-4669-8E37-97344B078C48}" sibTransId="{958298F7-2ABD-427E-802B-D60C1AFEF6BC}"/>
-    <dgm:cxn modelId="{7DD8DA71-3CA0-4FDE-A72E-841BD5E4D606}" type="presOf" srcId="{7A65A464-5907-4587-B67A-37BAA6BC9254}" destId="{9843BE10-906D-43B8-9814-52914F970118}" srcOrd="0" destOrd="0" presId="urn:microsoft.com/office/officeart/2005/8/layout/balance1"/>
     <dgm:cxn modelId="{5E7B8E57-E347-450C-A089-6B4394446F53}" srcId="{B6868C48-BB86-4FA9-A093-4254BB9BD0E5}" destId="{58816C17-A0FE-4E3C-BCCB-53D9868633BA}" srcOrd="0" destOrd="0" parTransId="{A74EFA40-C9C7-43E3-BA24-4D175A827A50}" sibTransId="{F3819238-E5C6-4D96-9C02-BE4ED6161B0B}"/>
-    <dgm:cxn modelId="{C13095AF-2425-4D52-8026-3552C0BC4F51}" type="presOf" srcId="{B6868C48-BB86-4FA9-A093-4254BB9BD0E5}" destId="{2200831A-B989-45ED-8F76-19EF33D06B8E}" srcOrd="0" destOrd="0" presId="urn:microsoft.com/office/officeart/2005/8/layout/balance1"/>
+    <dgm:cxn modelId="{05254D84-D24E-4775-829F-0962EE987EC8}" type="presOf" srcId="{B6868C48-BB86-4FA9-A093-4254BB9BD0E5}" destId="{2200831A-B989-45ED-8F76-19EF33D06B8E}" srcOrd="0" destOrd="0" presId="urn:microsoft.com/office/officeart/2005/8/layout/balance1"/>
+    <dgm:cxn modelId="{BE016191-6191-439A-A5EA-B15DAFD481B6}" type="presOf" srcId="{7A65A464-5907-4587-B67A-37BAA6BC9254}" destId="{9843BE10-906D-43B8-9814-52914F970118}" srcOrd="0" destOrd="0" presId="urn:microsoft.com/office/officeart/2005/8/layout/balance1"/>
+    <dgm:cxn modelId="{8019B8B2-529B-487C-BC03-B9FEF5A4D97C}" type="presOf" srcId="{28849504-4184-475D-9520-1AEBA820D83B}" destId="{CDF499B7-936E-41E9-9FD3-1DEC7D816F68}" srcOrd="0" destOrd="0" presId="urn:microsoft.com/office/officeart/2005/8/layout/balance1"/>
     <dgm:cxn modelId="{BCE496B9-6C24-4F39-A83A-1B9475852EA9}" srcId="{725CAA04-9133-46DA-BAD4-69FE7989B6D2}" destId="{28849504-4184-475D-9520-1AEBA820D83B}" srcOrd="2" destOrd="0" parTransId="{4EA81598-F617-450B-8457-1FEF804CDE55}" sibTransId="{44DE4C50-B078-4C51-A34C-B70B7CB46F74}"/>
-    <dgm:cxn modelId="{D69F6BD2-5EC5-4C12-A31A-46D61382C3C2}" type="presOf" srcId="{28849504-4184-475D-9520-1AEBA820D83B}" destId="{CDF499B7-936E-41E9-9FD3-1DEC7D816F68}" srcOrd="0" destOrd="0" presId="urn:microsoft.com/office/officeart/2005/8/layout/balance1"/>
-    <dgm:cxn modelId="{8845AADE-4939-4336-A69B-0C20FAA7FDEA}" type="presOf" srcId="{4625A81C-C2FB-40FB-9F0E-ECD6687A1583}" destId="{BB110693-7530-4CA9-AD42-945708DF6AAA}" srcOrd="0" destOrd="0" presId="urn:microsoft.com/office/officeart/2005/8/layout/balance1"/>
-    <dgm:cxn modelId="{0D2AE294-241A-4DBF-B557-9B233E7072A9}" type="presParOf" srcId="{2200831A-B989-45ED-8F76-19EF33D06B8E}" destId="{15FBE2D7-AD09-4DE7-BC49-9540D167FAF8}" srcOrd="0" destOrd="0" presId="urn:microsoft.com/office/officeart/2005/8/layout/balance1"/>
-    <dgm:cxn modelId="{4E90D5B0-EB06-4EE6-8C98-5E213B342BC9}" type="presParOf" srcId="{2200831A-B989-45ED-8F76-19EF33D06B8E}" destId="{C672B730-7E3B-4222-ADA1-F499CAFDC01D}" srcOrd="1" destOrd="0" presId="urn:microsoft.com/office/officeart/2005/8/layout/balance1"/>
-    <dgm:cxn modelId="{9DF9EE2B-50A1-4A89-9B6F-54A8540CFC8C}" type="presParOf" srcId="{C672B730-7E3B-4222-ADA1-F499CAFDC01D}" destId="{01984161-E760-4B2C-A44F-144274B264B0}" srcOrd="0" destOrd="0" presId="urn:microsoft.com/office/officeart/2005/8/layout/balance1"/>
-    <dgm:cxn modelId="{D1698BD6-B6F1-4190-819D-6D26AC2AE69E}" type="presParOf" srcId="{C672B730-7E3B-4222-ADA1-F499CAFDC01D}" destId="{86C76BE2-88D7-443B-A6D0-2A124402D019}" srcOrd="1" destOrd="0" presId="urn:microsoft.com/office/officeart/2005/8/layout/balance1"/>
-    <dgm:cxn modelId="{98EC6F72-FEC2-46E7-8703-371C5DE4BAE2}" type="presParOf" srcId="{2200831A-B989-45ED-8F76-19EF33D06B8E}" destId="{E5E174F9-005C-405F-939D-28D818F1DD27}" srcOrd="2" destOrd="0" presId="urn:microsoft.com/office/officeart/2005/8/layout/balance1"/>
-    <dgm:cxn modelId="{C0BA7E4C-5C8E-4E4E-951D-496C7F9046E2}" type="presParOf" srcId="{E5E174F9-005C-405F-939D-28D818F1DD27}" destId="{A4089BCA-D280-4F0F-BD6D-625A99585E93}" srcOrd="0" destOrd="0" presId="urn:microsoft.com/office/officeart/2005/8/layout/balance1"/>
-    <dgm:cxn modelId="{8EFA4993-B7FB-45DC-820F-4848D277220C}" type="presParOf" srcId="{E5E174F9-005C-405F-939D-28D818F1DD27}" destId="{D952FC23-71FD-4EEF-B894-FAA7B8BB17FC}" srcOrd="1" destOrd="0" presId="urn:microsoft.com/office/officeart/2005/8/layout/balance1"/>
-    <dgm:cxn modelId="{EFC3DE19-FE21-4414-A670-C073BCB31C5A}" type="presParOf" srcId="{E5E174F9-005C-405F-939D-28D818F1DD27}" destId="{7C76DAED-D1C9-4FC7-9E44-EB95D71B4BBC}" srcOrd="2" destOrd="0" presId="urn:microsoft.com/office/officeart/2005/8/layout/balance1"/>
-    <dgm:cxn modelId="{57D88576-694D-4910-B4C3-71F0959B2DE8}" type="presParOf" srcId="{E5E174F9-005C-405F-939D-28D818F1DD27}" destId="{9843BE10-906D-43B8-9814-52914F970118}" srcOrd="3" destOrd="0" presId="urn:microsoft.com/office/officeart/2005/8/layout/balance1"/>
-    <dgm:cxn modelId="{A3D8BB2E-0232-4719-81D7-92AE43B86DA4}" type="presParOf" srcId="{E5E174F9-005C-405F-939D-28D818F1DD27}" destId="{BB110693-7530-4CA9-AD42-945708DF6AAA}" srcOrd="4" destOrd="0" presId="urn:microsoft.com/office/officeart/2005/8/layout/balance1"/>
-    <dgm:cxn modelId="{BD7E8CCD-A175-4C20-9DE7-ADFAFD7BE699}" type="presParOf" srcId="{E5E174F9-005C-405F-939D-28D818F1DD27}" destId="{CDF499B7-936E-41E9-9FD3-1DEC7D816F68}" srcOrd="5" destOrd="0" presId="urn:microsoft.com/office/officeart/2005/8/layout/balance1"/>
-    <dgm:cxn modelId="{FEF09983-8C0E-431A-86F5-3BFF77235984}" type="presParOf" srcId="{E5E174F9-005C-405F-939D-28D818F1DD27}" destId="{65E90EC1-F35B-4068-983F-E955AA231ABA}" srcOrd="6" destOrd="0" presId="urn:microsoft.com/office/officeart/2005/8/layout/balance1"/>
-    <dgm:cxn modelId="{58734012-3065-4872-B0FE-50E366F53D02}" type="presParOf" srcId="{E5E174F9-005C-405F-939D-28D818F1DD27}" destId="{D96DBE78-4547-4CF9-9BA2-F12F23397820}" srcOrd="7" destOrd="0" presId="urn:microsoft.com/office/officeart/2005/8/layout/balance1"/>
+    <dgm:cxn modelId="{69E3D4EE-2F07-4B28-9F50-3EA36B0702D3}" type="presOf" srcId="{02B5482F-CC86-4BD0-9FDF-06BB5C25016B}" destId="{D96DBE78-4547-4CF9-9BA2-F12F23397820}" srcOrd="0" destOrd="0" presId="urn:microsoft.com/office/officeart/2005/8/layout/balance1"/>
+    <dgm:cxn modelId="{AD39DE79-820C-4812-A1D1-FBBDD381DE43}" type="presParOf" srcId="{2200831A-B989-45ED-8F76-19EF33D06B8E}" destId="{15FBE2D7-AD09-4DE7-BC49-9540D167FAF8}" srcOrd="0" destOrd="0" presId="urn:microsoft.com/office/officeart/2005/8/layout/balance1"/>
+    <dgm:cxn modelId="{B32CEFC4-0E98-4116-A63A-82B5DC389B97}" type="presParOf" srcId="{2200831A-B989-45ED-8F76-19EF33D06B8E}" destId="{C672B730-7E3B-4222-ADA1-F499CAFDC01D}" srcOrd="1" destOrd="0" presId="urn:microsoft.com/office/officeart/2005/8/layout/balance1"/>
+    <dgm:cxn modelId="{57DA2D58-102B-4A37-BD91-9D24A748A415}" type="presParOf" srcId="{C672B730-7E3B-4222-ADA1-F499CAFDC01D}" destId="{01984161-E760-4B2C-A44F-144274B264B0}" srcOrd="0" destOrd="0" presId="urn:microsoft.com/office/officeart/2005/8/layout/balance1"/>
+    <dgm:cxn modelId="{CAC7B21E-32C3-40CC-AC6B-0E9AF4086176}" type="presParOf" srcId="{C672B730-7E3B-4222-ADA1-F499CAFDC01D}" destId="{86C76BE2-88D7-443B-A6D0-2A124402D019}" srcOrd="1" destOrd="0" presId="urn:microsoft.com/office/officeart/2005/8/layout/balance1"/>
+    <dgm:cxn modelId="{9C64DD35-AB4B-4D74-905D-FF43C0E963FC}" type="presParOf" srcId="{2200831A-B989-45ED-8F76-19EF33D06B8E}" destId="{E5E174F9-005C-405F-939D-28D818F1DD27}" srcOrd="2" destOrd="0" presId="urn:microsoft.com/office/officeart/2005/8/layout/balance1"/>
+    <dgm:cxn modelId="{523E213B-9A88-42E7-9DA8-C26E36ECE175}" type="presParOf" srcId="{E5E174F9-005C-405F-939D-28D818F1DD27}" destId="{A4089BCA-D280-4F0F-BD6D-625A99585E93}" srcOrd="0" destOrd="0" presId="urn:microsoft.com/office/officeart/2005/8/layout/balance1"/>
+    <dgm:cxn modelId="{766960C3-31E5-4F9A-8ABF-44F0B4D0CD3D}" type="presParOf" srcId="{E5E174F9-005C-405F-939D-28D818F1DD27}" destId="{D952FC23-71FD-4EEF-B894-FAA7B8BB17FC}" srcOrd="1" destOrd="0" presId="urn:microsoft.com/office/officeart/2005/8/layout/balance1"/>
+    <dgm:cxn modelId="{52C7A1A6-1C0B-4A5E-BEC6-B5E475C97AF3}" type="presParOf" srcId="{E5E174F9-005C-405F-939D-28D818F1DD27}" destId="{7C76DAED-D1C9-4FC7-9E44-EB95D71B4BBC}" srcOrd="2" destOrd="0" presId="urn:microsoft.com/office/officeart/2005/8/layout/balance1"/>
+    <dgm:cxn modelId="{286B7FA5-E342-4E1A-82D4-2090DEAD6B0A}" type="presParOf" srcId="{E5E174F9-005C-405F-939D-28D818F1DD27}" destId="{9843BE10-906D-43B8-9814-52914F970118}" srcOrd="3" destOrd="0" presId="urn:microsoft.com/office/officeart/2005/8/layout/balance1"/>
+    <dgm:cxn modelId="{12D2A36E-6871-44B3-8DE4-B7A341969D55}" type="presParOf" srcId="{E5E174F9-005C-405F-939D-28D818F1DD27}" destId="{BB110693-7530-4CA9-AD42-945708DF6AAA}" srcOrd="4" destOrd="0" presId="urn:microsoft.com/office/officeart/2005/8/layout/balance1"/>
+    <dgm:cxn modelId="{0486A46B-32C8-4CBF-BF92-DC88C9206072}" type="presParOf" srcId="{E5E174F9-005C-405F-939D-28D818F1DD27}" destId="{CDF499B7-936E-41E9-9FD3-1DEC7D816F68}" srcOrd="5" destOrd="0" presId="urn:microsoft.com/office/officeart/2005/8/layout/balance1"/>
+    <dgm:cxn modelId="{5A4B010D-CF64-41BC-A4D6-2F71C9C2477D}" type="presParOf" srcId="{E5E174F9-005C-405F-939D-28D818F1DD27}" destId="{65E90EC1-F35B-4068-983F-E955AA231ABA}" srcOrd="6" destOrd="0" presId="urn:microsoft.com/office/officeart/2005/8/layout/balance1"/>
+    <dgm:cxn modelId="{EB01B1AE-B781-46B7-8A26-5D75CF5E0269}" type="presParOf" srcId="{E5E174F9-005C-405F-939D-28D818F1DD27}" destId="{D96DBE78-4547-4CF9-9BA2-F12F23397820}" srcOrd="7" destOrd="0" presId="urn:microsoft.com/office/officeart/2005/8/layout/balance1"/>
   </dgm:cxnLst>
   <dgm:bg/>
   <dgm:whole/>
@@ -9896,7 +16281,7 @@
             <a:alphaOff val="0"/>
           </a:schemeClr>
         </a:solidFill>
-        <a:ln w="19050" cap="rnd" cmpd="sng" algn="ctr">
+        <a:ln w="9525" cap="rnd" cmpd="sng" algn="ctr">
           <a:solidFill>
             <a:schemeClr val="accent5">
               <a:tint val="40000"/>
@@ -9909,16 +16294,22 @@
           </a:solidFill>
           <a:prstDash val="solid"/>
         </a:ln>
-        <a:effectLst/>
+        <a:effectLst>
+          <a:outerShdw blurRad="38100" dist="25400" dir="5400000" rotWithShape="0">
+            <a:srgbClr val="000000">
+              <a:alpha val="45000"/>
+            </a:srgbClr>
+          </a:outerShdw>
+        </a:effectLst>
       </dsp:spPr>
       <dsp:style>
-        <a:lnRef idx="2">
+        <a:lnRef idx="1">
           <a:scrgbClr r="0" g="0" b="0"/>
         </a:lnRef>
         <a:fillRef idx="1">
           <a:scrgbClr r="0" g="0" b="0"/>
         </a:fillRef>
-        <a:effectRef idx="0">
+        <a:effectRef idx="2">
           <a:scrgbClr r="0" g="0" b="0"/>
         </a:effectRef>
         <a:fontRef idx="minor"/>
@@ -9942,9 +16333,10 @@
             <a:buNone/>
           </a:pPr>
           <a:r>
-            <a:rPr lang="en-IN" sz="2000" kern="1200" dirty="0"/>
+            <a:rPr lang="en-IN" sz="2000" kern="1200"/>
             <a:t>Accuracy and F1 score</a:t>
           </a:r>
+          <a:endParaRPr lang="en-IN" sz="2000" kern="1200" dirty="0"/>
         </a:p>
       </dsp:txBody>
       <dsp:txXfrm>
@@ -9975,7 +16367,7 @@
             <a:alphaOff val="0"/>
           </a:schemeClr>
         </a:solidFill>
-        <a:ln w="19050" cap="rnd" cmpd="sng" algn="ctr">
+        <a:ln w="9525" cap="rnd" cmpd="sng" algn="ctr">
           <a:solidFill>
             <a:schemeClr val="accent5">
               <a:tint val="40000"/>
@@ -9988,16 +16380,22 @@
           </a:solidFill>
           <a:prstDash val="solid"/>
         </a:ln>
-        <a:effectLst/>
+        <a:effectLst>
+          <a:outerShdw blurRad="38100" dist="25400" dir="5400000" rotWithShape="0">
+            <a:srgbClr val="000000">
+              <a:alpha val="45000"/>
+            </a:srgbClr>
+          </a:outerShdw>
+        </a:effectLst>
       </dsp:spPr>
       <dsp:style>
-        <a:lnRef idx="2">
+        <a:lnRef idx="1">
           <a:scrgbClr r="0" g="0" b="0"/>
         </a:lnRef>
         <a:fillRef idx="1">
           <a:scrgbClr r="0" g="0" b="0"/>
         </a:fillRef>
-        <a:effectRef idx="0">
+        <a:effectRef idx="2">
           <a:scrgbClr r="0" g="0" b="0"/>
         </a:effectRef>
         <a:fontRef idx="minor"/>
@@ -10021,9 +16419,10 @@
             <a:buNone/>
           </a:pPr>
           <a:r>
-            <a:rPr lang="en-IN" sz="2000" kern="1200" dirty="0"/>
+            <a:rPr lang="en-IN" sz="2000" kern="1200"/>
             <a:t>Log-loss</a:t>
           </a:r>
+          <a:endParaRPr lang="en-IN" sz="2000" kern="1200" dirty="0"/>
         </a:p>
       </dsp:txBody>
       <dsp:txXfrm>
@@ -10054,7 +16453,7 @@
             <a:alphaOff val="0"/>
           </a:schemeClr>
         </a:solidFill>
-        <a:ln w="19050" cap="rnd" cmpd="sng" algn="ctr">
+        <a:ln w="9525" cap="rnd" cmpd="sng" algn="ctr">
           <a:solidFill>
             <a:schemeClr val="accent5">
               <a:tint val="40000"/>
@@ -10067,16 +16466,22 @@
           </a:solidFill>
           <a:prstDash val="solid"/>
         </a:ln>
-        <a:effectLst/>
+        <a:effectLst>
+          <a:outerShdw blurRad="38100" dist="25400" dir="5400000" rotWithShape="0">
+            <a:srgbClr val="000000">
+              <a:alpha val="45000"/>
+            </a:srgbClr>
+          </a:outerShdw>
+        </a:effectLst>
       </dsp:spPr>
       <dsp:style>
-        <a:lnRef idx="2">
+        <a:lnRef idx="1">
           <a:scrgbClr r="0" g="0" b="0"/>
         </a:lnRef>
         <a:fillRef idx="1">
           <a:scrgbClr r="0" g="0" b="0"/>
         </a:fillRef>
-        <a:effectRef idx="0">
+        <a:effectRef idx="2">
           <a:scrgbClr r="0" g="0" b="0"/>
         </a:effectRef>
         <a:fontRef idx="minor"/>
@@ -10105,7 +16510,7 @@
             <a:alphaOff val="0"/>
           </a:schemeClr>
         </a:solidFill>
-        <a:ln w="19050" cap="rnd" cmpd="sng" algn="ctr">
+        <a:ln w="9525" cap="rnd" cmpd="sng" algn="ctr">
           <a:solidFill>
             <a:schemeClr val="accent5">
               <a:tint val="40000"/>
@@ -10118,16 +16523,22 @@
           </a:solidFill>
           <a:prstDash val="solid"/>
         </a:ln>
-        <a:effectLst/>
+        <a:effectLst>
+          <a:outerShdw blurRad="38100" dist="25400" dir="5400000" rotWithShape="0">
+            <a:srgbClr val="000000">
+              <a:alpha val="45000"/>
+            </a:srgbClr>
+          </a:outerShdw>
+        </a:effectLst>
       </dsp:spPr>
       <dsp:style>
-        <a:lnRef idx="2">
+        <a:lnRef idx="1">
           <a:scrgbClr r="0" g="0" b="0"/>
         </a:lnRef>
         <a:fillRef idx="1">
           <a:scrgbClr r="0" g="0" b="0"/>
         </a:fillRef>
-        <a:effectRef idx="0">
+        <a:effectRef idx="2">
           <a:scrgbClr r="0" g="0" b="0"/>
         </a:effectRef>
         <a:fontRef idx="minor"/>
@@ -10146,35 +16557,59 @@
         <a:prstGeom prst="roundRect">
           <a:avLst/>
         </a:prstGeom>
-        <a:solidFill>
-          <a:schemeClr val="accent5">
-            <a:hueOff val="0"/>
-            <a:satOff val="0"/>
-            <a:lumOff val="0"/>
-            <a:alphaOff val="0"/>
-          </a:schemeClr>
-        </a:solidFill>
-        <a:ln w="19050" cap="rnd" cmpd="sng" algn="ctr">
-          <a:solidFill>
-            <a:schemeClr val="lt1">
-              <a:hueOff val="0"/>
-              <a:satOff val="0"/>
-              <a:lumOff val="0"/>
-              <a:alphaOff val="0"/>
-            </a:schemeClr>
-          </a:solidFill>
-          <a:prstDash val="solid"/>
+        <a:gradFill rotWithShape="0">
+          <a:gsLst>
+            <a:gs pos="0">
+              <a:schemeClr val="accent5">
+                <a:hueOff val="0"/>
+                <a:satOff val="0"/>
+                <a:lumOff val="0"/>
+                <a:alphaOff val="0"/>
+                <a:tint val="98000"/>
+                <a:lumMod val="114000"/>
+              </a:schemeClr>
+            </a:gs>
+            <a:gs pos="100000">
+              <a:schemeClr val="accent5">
+                <a:hueOff val="0"/>
+                <a:satOff val="0"/>
+                <a:lumOff val="0"/>
+                <a:alphaOff val="0"/>
+                <a:shade val="90000"/>
+                <a:lumMod val="84000"/>
+              </a:schemeClr>
+            </a:gs>
+          </a:gsLst>
+          <a:lin ang="5400000" scaled="0"/>
+        </a:gradFill>
+        <a:ln>
+          <a:noFill/>
         </a:ln>
-        <a:effectLst/>
+        <a:effectLst>
+          <a:outerShdw blurRad="63500" dist="38100" dir="5400000" rotWithShape="0">
+            <a:srgbClr val="000000">
+              <a:alpha val="60000"/>
+            </a:srgbClr>
+          </a:outerShdw>
+        </a:effectLst>
+        <a:scene3d>
+          <a:camera prst="orthographicFront">
+            <a:rot lat="0" lon="0" rev="0"/>
+          </a:camera>
+          <a:lightRig rig="threePt" dir="tl"/>
+        </a:scene3d>
+        <a:sp3d prstMaterial="plastic">
+          <a:bevelT w="0" h="0"/>
+        </a:sp3d>
       </dsp:spPr>
       <dsp:style>
-        <a:lnRef idx="2">
+        <a:lnRef idx="0">
           <a:scrgbClr r="0" g="0" b="0"/>
         </a:lnRef>
-        <a:fillRef idx="1">
+        <a:fillRef idx="3">
           <a:scrgbClr r="0" g="0" b="0"/>
         </a:fillRef>
-        <a:effectRef idx="0">
+        <a:effectRef idx="3">
           <a:scrgbClr r="0" g="0" b="0"/>
         </a:effectRef>
         <a:fontRef idx="minor">
@@ -10200,11 +16635,11 @@
             <a:buNone/>
           </a:pPr>
           <a:r>
-            <a:rPr lang="en-IN" sz="1400" kern="1200" dirty="0"/>
+            <a:rPr lang="en-IN" sz="1400" kern="1200"/>
             <a:t> </a:t>
           </a:r>
           <a:r>
-            <a:rPr lang="en-US" sz="1400" kern="1200" dirty="0"/>
+            <a:rPr lang="en-US" sz="1400" kern="1200"/>
             <a:t>Penalizes the predictions made with lesser certainty</a:t>
           </a:r>
           <a:endParaRPr lang="en-IN" sz="1400" kern="1200" dirty="0"/>
@@ -10228,35 +16663,59 @@
         <a:prstGeom prst="roundRect">
           <a:avLst/>
         </a:prstGeom>
-        <a:solidFill>
-          <a:schemeClr val="accent5">
-            <a:hueOff val="1559309"/>
-            <a:satOff val="-1003"/>
-            <a:lumOff val="686"/>
-            <a:alphaOff val="0"/>
-          </a:schemeClr>
-        </a:solidFill>
-        <a:ln w="19050" cap="rnd" cmpd="sng" algn="ctr">
-          <a:solidFill>
-            <a:schemeClr val="lt1">
-              <a:hueOff val="0"/>
-              <a:satOff val="0"/>
-              <a:lumOff val="0"/>
-              <a:alphaOff val="0"/>
-            </a:schemeClr>
-          </a:solidFill>
-          <a:prstDash val="solid"/>
+        <a:gradFill rotWithShape="0">
+          <a:gsLst>
+            <a:gs pos="0">
+              <a:schemeClr val="accent5">
+                <a:hueOff val="1559309"/>
+                <a:satOff val="-1003"/>
+                <a:lumOff val="686"/>
+                <a:alphaOff val="0"/>
+                <a:tint val="98000"/>
+                <a:lumMod val="114000"/>
+              </a:schemeClr>
+            </a:gs>
+            <a:gs pos="100000">
+              <a:schemeClr val="accent5">
+                <a:hueOff val="1559309"/>
+                <a:satOff val="-1003"/>
+                <a:lumOff val="686"/>
+                <a:alphaOff val="0"/>
+                <a:shade val="90000"/>
+                <a:lumMod val="84000"/>
+              </a:schemeClr>
+            </a:gs>
+          </a:gsLst>
+          <a:lin ang="5400000" scaled="0"/>
+        </a:gradFill>
+        <a:ln>
+          <a:noFill/>
         </a:ln>
-        <a:effectLst/>
+        <a:effectLst>
+          <a:outerShdw blurRad="63500" dist="38100" dir="5400000" rotWithShape="0">
+            <a:srgbClr val="000000">
+              <a:alpha val="60000"/>
+            </a:srgbClr>
+          </a:outerShdw>
+        </a:effectLst>
+        <a:scene3d>
+          <a:camera prst="orthographicFront">
+            <a:rot lat="0" lon="0" rev="0"/>
+          </a:camera>
+          <a:lightRig rig="threePt" dir="tl"/>
+        </a:scene3d>
+        <a:sp3d prstMaterial="plastic">
+          <a:bevelT w="0" h="0"/>
+        </a:sp3d>
       </dsp:spPr>
       <dsp:style>
-        <a:lnRef idx="2">
+        <a:lnRef idx="0">
           <a:scrgbClr r="0" g="0" b="0"/>
         </a:lnRef>
-        <a:fillRef idx="1">
+        <a:fillRef idx="3">
           <a:scrgbClr r="0" g="0" b="0"/>
         </a:fillRef>
-        <a:effectRef idx="0">
+        <a:effectRef idx="3">
           <a:scrgbClr r="0" g="0" b="0"/>
         </a:effectRef>
         <a:fontRef idx="minor">
@@ -10282,9 +16741,10 @@
             <a:buNone/>
           </a:pPr>
           <a:r>
-            <a:rPr lang="en-US" sz="1400" kern="1200" dirty="0"/>
+            <a:rPr lang="en-US" sz="1400" kern="1200"/>
             <a:t>Optimizes the certainty of a prediction</a:t>
           </a:r>
+          <a:endParaRPr lang="en-US" sz="1400" kern="1200" dirty="0"/>
         </a:p>
       </dsp:txBody>
       <dsp:txXfrm>
@@ -10305,35 +16765,59 @@
         <a:prstGeom prst="roundRect">
           <a:avLst/>
         </a:prstGeom>
-        <a:solidFill>
-          <a:schemeClr val="accent5">
-            <a:hueOff val="3118619"/>
-            <a:satOff val="-2006"/>
-            <a:lumOff val="1372"/>
-            <a:alphaOff val="0"/>
-          </a:schemeClr>
-        </a:solidFill>
-        <a:ln w="19050" cap="rnd" cmpd="sng" algn="ctr">
-          <a:solidFill>
-            <a:schemeClr val="lt1">
-              <a:hueOff val="0"/>
-              <a:satOff val="0"/>
-              <a:lumOff val="0"/>
-              <a:alphaOff val="0"/>
-            </a:schemeClr>
-          </a:solidFill>
-          <a:prstDash val="solid"/>
+        <a:gradFill rotWithShape="0">
+          <a:gsLst>
+            <a:gs pos="0">
+              <a:schemeClr val="accent5">
+                <a:hueOff val="3118619"/>
+                <a:satOff val="-2006"/>
+                <a:lumOff val="1372"/>
+                <a:alphaOff val="0"/>
+                <a:tint val="98000"/>
+                <a:lumMod val="114000"/>
+              </a:schemeClr>
+            </a:gs>
+            <a:gs pos="100000">
+              <a:schemeClr val="accent5">
+                <a:hueOff val="3118619"/>
+                <a:satOff val="-2006"/>
+                <a:lumOff val="1372"/>
+                <a:alphaOff val="0"/>
+                <a:shade val="90000"/>
+                <a:lumMod val="84000"/>
+              </a:schemeClr>
+            </a:gs>
+          </a:gsLst>
+          <a:lin ang="5400000" scaled="0"/>
+        </a:gradFill>
+        <a:ln>
+          <a:noFill/>
         </a:ln>
-        <a:effectLst/>
+        <a:effectLst>
+          <a:outerShdw blurRad="63500" dist="38100" dir="5400000" rotWithShape="0">
+            <a:srgbClr val="000000">
+              <a:alpha val="60000"/>
+            </a:srgbClr>
+          </a:outerShdw>
+        </a:effectLst>
+        <a:scene3d>
+          <a:camera prst="orthographicFront">
+            <a:rot lat="0" lon="0" rev="0"/>
+          </a:camera>
+          <a:lightRig rig="threePt" dir="tl"/>
+        </a:scene3d>
+        <a:sp3d prstMaterial="plastic">
+          <a:bevelT w="0" h="0"/>
+        </a:sp3d>
       </dsp:spPr>
       <dsp:style>
-        <a:lnRef idx="2">
+        <a:lnRef idx="0">
           <a:scrgbClr r="0" g="0" b="0"/>
         </a:lnRef>
-        <a:fillRef idx="1">
+        <a:fillRef idx="3">
           <a:scrgbClr r="0" g="0" b="0"/>
         </a:fillRef>
-        <a:effectRef idx="0">
+        <a:effectRef idx="3">
           <a:scrgbClr r="0" g="0" b="0"/>
         </a:effectRef>
         <a:fontRef idx="minor">
@@ -10359,9 +16843,10 @@
             <a:buNone/>
           </a:pPr>
           <a:r>
-            <a:rPr lang="en-IN" sz="1400" kern="1200" dirty="0"/>
+            <a:rPr lang="en-IN" sz="1400" kern="1200"/>
             <a:t>Log-loss is not a metric, but a loss function</a:t>
           </a:r>
+          <a:endParaRPr lang="en-IN" sz="1400" kern="1200" dirty="0"/>
         </a:p>
       </dsp:txBody>
       <dsp:txXfrm>
@@ -10382,35 +16867,59 @@
         <a:prstGeom prst="roundRect">
           <a:avLst/>
         </a:prstGeom>
-        <a:solidFill>
-          <a:schemeClr val="accent5">
-            <a:hueOff val="4677928"/>
-            <a:satOff val="-3010"/>
-            <a:lumOff val="2058"/>
-            <a:alphaOff val="0"/>
-          </a:schemeClr>
-        </a:solidFill>
-        <a:ln w="19050" cap="rnd" cmpd="sng" algn="ctr">
-          <a:solidFill>
-            <a:schemeClr val="lt1">
-              <a:hueOff val="0"/>
-              <a:satOff val="0"/>
-              <a:lumOff val="0"/>
-              <a:alphaOff val="0"/>
-            </a:schemeClr>
-          </a:solidFill>
-          <a:prstDash val="solid"/>
+        <a:gradFill rotWithShape="0">
+          <a:gsLst>
+            <a:gs pos="0">
+              <a:schemeClr val="accent5">
+                <a:hueOff val="4677928"/>
+                <a:satOff val="-3010"/>
+                <a:lumOff val="2058"/>
+                <a:alphaOff val="0"/>
+                <a:tint val="98000"/>
+                <a:lumMod val="114000"/>
+              </a:schemeClr>
+            </a:gs>
+            <a:gs pos="100000">
+              <a:schemeClr val="accent5">
+                <a:hueOff val="4677928"/>
+                <a:satOff val="-3010"/>
+                <a:lumOff val="2058"/>
+                <a:alphaOff val="0"/>
+                <a:shade val="90000"/>
+                <a:lumMod val="84000"/>
+              </a:schemeClr>
+            </a:gs>
+          </a:gsLst>
+          <a:lin ang="5400000" scaled="0"/>
+        </a:gradFill>
+        <a:ln>
+          <a:noFill/>
         </a:ln>
-        <a:effectLst/>
+        <a:effectLst>
+          <a:outerShdw blurRad="63500" dist="38100" dir="5400000" rotWithShape="0">
+            <a:srgbClr val="000000">
+              <a:alpha val="60000"/>
+            </a:srgbClr>
+          </a:outerShdw>
+        </a:effectLst>
+        <a:scene3d>
+          <a:camera prst="orthographicFront">
+            <a:rot lat="0" lon="0" rev="0"/>
+          </a:camera>
+          <a:lightRig rig="threePt" dir="tl"/>
+        </a:scene3d>
+        <a:sp3d prstMaterial="plastic">
+          <a:bevelT w="0" h="0"/>
+        </a:sp3d>
       </dsp:spPr>
       <dsp:style>
-        <a:lnRef idx="2">
+        <a:lnRef idx="0">
           <a:scrgbClr r="0" g="0" b="0"/>
         </a:lnRef>
-        <a:fillRef idx="1">
+        <a:fillRef idx="3">
           <a:scrgbClr r="0" g="0" b="0"/>
         </a:fillRef>
-        <a:effectRef idx="0">
+        <a:effectRef idx="3">
           <a:scrgbClr r="0" g="0" b="0"/>
         </a:effectRef>
         <a:fontRef idx="minor">
@@ -10436,9 +16945,10 @@
             <a:buNone/>
           </a:pPr>
           <a:r>
-            <a:rPr lang="en-IN" sz="1400" kern="1200" dirty="0"/>
+            <a:rPr lang="en-IN" sz="1400" kern="1200"/>
             <a:t>Accuracy gives a wrong picture for unbalanced datasets: an accuracy of 95% could be misleading if dataset has 95% 0’s and 5% 1s</a:t>
           </a:r>
+          <a:endParaRPr lang="en-IN" sz="1400" kern="1200" dirty="0"/>
         </a:p>
       </dsp:txBody>
       <dsp:txXfrm>
@@ -10459,35 +16969,59 @@
         <a:prstGeom prst="roundRect">
           <a:avLst/>
         </a:prstGeom>
-        <a:solidFill>
-          <a:schemeClr val="accent5">
-            <a:hueOff val="6237238"/>
-            <a:satOff val="-4013"/>
-            <a:lumOff val="2744"/>
-            <a:alphaOff val="0"/>
-          </a:schemeClr>
-        </a:solidFill>
-        <a:ln w="19050" cap="rnd" cmpd="sng" algn="ctr">
-          <a:solidFill>
-            <a:schemeClr val="lt1">
-              <a:hueOff val="0"/>
-              <a:satOff val="0"/>
-              <a:lumOff val="0"/>
-              <a:alphaOff val="0"/>
-            </a:schemeClr>
-          </a:solidFill>
-          <a:prstDash val="solid"/>
+        <a:gradFill rotWithShape="0">
+          <a:gsLst>
+            <a:gs pos="0">
+              <a:schemeClr val="accent5">
+                <a:hueOff val="6237238"/>
+                <a:satOff val="-4013"/>
+                <a:lumOff val="2744"/>
+                <a:alphaOff val="0"/>
+                <a:tint val="98000"/>
+                <a:lumMod val="114000"/>
+              </a:schemeClr>
+            </a:gs>
+            <a:gs pos="100000">
+              <a:schemeClr val="accent5">
+                <a:hueOff val="6237238"/>
+                <a:satOff val="-4013"/>
+                <a:lumOff val="2744"/>
+                <a:alphaOff val="0"/>
+                <a:shade val="90000"/>
+                <a:lumMod val="84000"/>
+              </a:schemeClr>
+            </a:gs>
+          </a:gsLst>
+          <a:lin ang="5400000" scaled="0"/>
+        </a:gradFill>
+        <a:ln>
+          <a:noFill/>
         </a:ln>
-        <a:effectLst/>
+        <a:effectLst>
+          <a:outerShdw blurRad="63500" dist="38100" dir="5400000" rotWithShape="0">
+            <a:srgbClr val="000000">
+              <a:alpha val="60000"/>
+            </a:srgbClr>
+          </a:outerShdw>
+        </a:effectLst>
+        <a:scene3d>
+          <a:camera prst="orthographicFront">
+            <a:rot lat="0" lon="0" rev="0"/>
+          </a:camera>
+          <a:lightRig rig="threePt" dir="tl"/>
+        </a:scene3d>
+        <a:sp3d prstMaterial="plastic">
+          <a:bevelT w="0" h="0"/>
+        </a:sp3d>
       </dsp:spPr>
       <dsp:style>
-        <a:lnRef idx="2">
+        <a:lnRef idx="0">
           <a:scrgbClr r="0" g="0" b="0"/>
         </a:lnRef>
-        <a:fillRef idx="1">
+        <a:fillRef idx="3">
           <a:scrgbClr r="0" g="0" b="0"/>
         </a:fillRef>
-        <a:effectRef idx="0">
+        <a:effectRef idx="3">
           <a:scrgbClr r="0" g="0" b="0"/>
         </a:effectRef>
         <a:fontRef idx="minor">
@@ -10513,11 +17047,11 @@
             <a:buNone/>
           </a:pPr>
           <a:r>
-            <a:rPr lang="en-IN" sz="1400" kern="1200" dirty="0"/>
+            <a:rPr lang="en-IN" sz="1400" kern="1200"/>
             <a:t>F1 score penalizes incorrect predictions, but ignores </a:t>
           </a:r>
           <a:r>
-            <a:rPr lang="en-US" sz="1400" kern="1200" dirty="0"/>
+            <a:rPr lang="en-US" sz="1400" kern="1200"/>
             <a:t>the probabilistic nature of classification</a:t>
           </a:r>
           <a:endParaRPr lang="en-IN" sz="1400" kern="1200" dirty="0"/>
@@ -19156,11 +25690,11 @@
 </file>
 
 <file path=ppt/diagrams/quickStyle5.xml><?xml version="1.0" encoding="utf-8"?>
-<dgm:styleDef xmlns:dgm="http://schemas.openxmlformats.org/drawingml/2006/diagram" xmlns:a="http://schemas.openxmlformats.org/drawingml/2006/main" uniqueId="urn:microsoft.com/office/officeart/2005/8/quickstyle/simple1">
+<dgm:styleDef xmlns:dgm="http://schemas.openxmlformats.org/drawingml/2006/diagram" xmlns:a="http://schemas.openxmlformats.org/drawingml/2006/main" uniqueId="urn:microsoft.com/office/officeart/2005/8/quickstyle/simple5">
   <dgm:title val=""/>
   <dgm:desc val=""/>
   <dgm:catLst>
-    <dgm:cat type="simple" pri="10100"/>
+    <dgm:cat type="simple" pri="10500"/>
   </dgm:catLst>
   <dgm:scene3d>
     <a:camera prst="orthographicFront"/>
@@ -19174,13 +25708,13 @@
     <dgm:sp3d/>
     <dgm:txPr/>
     <dgm:style>
-      <a:lnRef idx="2">
+      <a:lnRef idx="0">
         <a:scrgbClr r="0" g="0" b="0"/>
       </a:lnRef>
-      <a:fillRef idx="1">
+      <a:fillRef idx="3">
         <a:scrgbClr r="0" g="0" b="0"/>
       </a:fillRef>
-      <a:effectRef idx="0">
+      <a:effectRef idx="3">
         <a:scrgbClr r="0" g="0" b="0"/>
       </a:effectRef>
       <a:fontRef idx="minor">
@@ -19196,13 +25730,13 @@
     <dgm:sp3d/>
     <dgm:txPr/>
     <dgm:style>
-      <a:lnRef idx="2">
+      <a:lnRef idx="0">
         <a:scrgbClr r="0" g="0" b="0"/>
       </a:lnRef>
-      <a:fillRef idx="1">
+      <a:fillRef idx="3">
         <a:scrgbClr r="0" g="0" b="0"/>
       </a:fillRef>
-      <a:effectRef idx="0">
+      <a:effectRef idx="3">
         <a:scrgbClr r="0" g="0" b="0"/>
       </a:effectRef>
       <a:fontRef idx="minor">
@@ -19218,13 +25752,13 @@
     <dgm:sp3d/>
     <dgm:txPr/>
     <dgm:style>
-      <a:lnRef idx="2">
+      <a:lnRef idx="0">
         <a:scrgbClr r="0" g="0" b="0"/>
       </a:lnRef>
-      <a:fillRef idx="1">
+      <a:fillRef idx="3">
         <a:scrgbClr r="0" g="0" b="0"/>
       </a:fillRef>
-      <a:effectRef idx="0">
+      <a:effectRef idx="3">
         <a:scrgbClr r="0" g="0" b="0"/>
       </a:effectRef>
       <a:fontRef idx="minor">
@@ -19240,13 +25774,13 @@
     <dgm:sp3d/>
     <dgm:txPr/>
     <dgm:style>
-      <a:lnRef idx="2">
+      <a:lnRef idx="1">
         <a:scrgbClr r="0" g="0" b="0"/>
       </a:lnRef>
-      <a:fillRef idx="1">
+      <a:fillRef idx="3">
         <a:scrgbClr r="0" g="0" b="0"/>
       </a:fillRef>
-      <a:effectRef idx="0">
+      <a:effectRef idx="3">
         <a:scrgbClr r="0" g="0" b="0"/>
       </a:effectRef>
       <a:fontRef idx="minor">
@@ -19262,13 +25796,13 @@
     <dgm:sp3d/>
     <dgm:txPr/>
     <dgm:style>
-      <a:lnRef idx="2">
+      <a:lnRef idx="0">
         <a:scrgbClr r="0" g="0" b="0"/>
       </a:lnRef>
-      <a:fillRef idx="1">
+      <a:fillRef idx="3">
         <a:scrgbClr r="0" g="0" b="0"/>
       </a:fillRef>
-      <a:effectRef idx="0">
+      <a:effectRef idx="3">
         <a:scrgbClr r="0" g="0" b="0"/>
       </a:effectRef>
       <a:fontRef idx="minor">
@@ -19284,13 +25818,13 @@
     <dgm:sp3d/>
     <dgm:txPr/>
     <dgm:style>
-      <a:lnRef idx="2">
+      <a:lnRef idx="0">
         <a:scrgbClr r="0" g="0" b="0"/>
       </a:lnRef>
-      <a:fillRef idx="1">
+      <a:fillRef idx="3">
         <a:scrgbClr r="0" g="0" b="0"/>
       </a:fillRef>
-      <a:effectRef idx="0">
+      <a:effectRef idx="3">
         <a:scrgbClr r="0" g="0" b="0"/>
       </a:effectRef>
       <a:fontRef idx="minor">
@@ -19306,13 +25840,13 @@
     <dgm:sp3d/>
     <dgm:txPr/>
     <dgm:style>
-      <a:lnRef idx="2">
+      <a:lnRef idx="0">
         <a:scrgbClr r="0" g="0" b="0"/>
       </a:lnRef>
-      <a:fillRef idx="1">
+      <a:fillRef idx="3">
         <a:scrgbClr r="0" g="0" b="0"/>
       </a:fillRef>
-      <a:effectRef idx="0">
+      <a:effectRef idx="3">
         <a:scrgbClr r="0" g="0" b="0"/>
       </a:effectRef>
       <a:fontRef idx="minor">
@@ -19328,13 +25862,13 @@
     <dgm:sp3d/>
     <dgm:txPr/>
     <dgm:style>
-      <a:lnRef idx="2">
+      <a:lnRef idx="0">
         <a:scrgbClr r="0" g="0" b="0"/>
       </a:lnRef>
-      <a:fillRef idx="1">
+      <a:fillRef idx="3">
         <a:scrgbClr r="0" g="0" b="0"/>
       </a:fillRef>
-      <a:effectRef idx="0">
+      <a:effectRef idx="3">
         <a:scrgbClr r="0" g="0" b="0"/>
       </a:effectRef>
       <a:fontRef idx="minor">
@@ -19350,13 +25884,13 @@
     <dgm:sp3d/>
     <dgm:txPr/>
     <dgm:style>
-      <a:lnRef idx="2">
+      <a:lnRef idx="0">
         <a:scrgbClr r="0" g="0" b="0"/>
       </a:lnRef>
       <a:fillRef idx="1">
         <a:scrgbClr r="0" g="0" b="0"/>
       </a:fillRef>
-      <a:effectRef idx="0">
+      <a:effectRef idx="3">
         <a:scrgbClr r="0" g="0" b="0"/>
       </a:effectRef>
       <a:fontRef idx="minor"/>
@@ -19370,13 +25904,13 @@
     <dgm:sp3d/>
     <dgm:txPr/>
     <dgm:style>
-      <a:lnRef idx="2">
+      <a:lnRef idx="0">
         <a:scrgbClr r="0" g="0" b="0"/>
       </a:lnRef>
       <a:fillRef idx="1">
         <a:scrgbClr r="0" g="0" b="0"/>
       </a:fillRef>
-      <a:effectRef idx="0">
+      <a:effectRef idx="3">
         <a:scrgbClr r="0" g="0" b="0"/>
       </a:effectRef>
       <a:fontRef idx="minor"/>
@@ -19390,13 +25924,13 @@
     <dgm:sp3d/>
     <dgm:txPr/>
     <dgm:style>
-      <a:lnRef idx="2">
+      <a:lnRef idx="0">
         <a:scrgbClr r="0" g="0" b="0"/>
       </a:lnRef>
       <a:fillRef idx="1">
         <a:scrgbClr r="0" g="0" b="0"/>
       </a:fillRef>
-      <a:effectRef idx="0">
+      <a:effectRef idx="3">
         <a:scrgbClr r="0" g="0" b="0"/>
       </a:effectRef>
       <a:fontRef idx="minor"/>
@@ -19413,10 +25947,10 @@
       <a:lnRef idx="0">
         <a:scrgbClr r="0" g="0" b="0"/>
       </a:lnRef>
-      <a:fillRef idx="1">
+      <a:fillRef idx="3">
         <a:scrgbClr r="0" g="0" b="0"/>
       </a:fillRef>
-      <a:effectRef idx="0">
+      <a:effectRef idx="3">
         <a:scrgbClr r="0" g="0" b="0"/>
       </a:effectRef>
       <a:fontRef idx="minor">
@@ -19435,10 +25969,10 @@
       <a:lnRef idx="0">
         <a:scrgbClr r="0" g="0" b="0"/>
       </a:lnRef>
-      <a:fillRef idx="1">
+      <a:fillRef idx="3">
         <a:scrgbClr r="0" g="0" b="0"/>
       </a:fillRef>
-      <a:effectRef idx="0">
+      <a:effectRef idx="3">
         <a:scrgbClr r="0" g="0" b="0"/>
       </a:effectRef>
       <a:fontRef idx="minor">
@@ -19457,10 +25991,10 @@
       <a:lnRef idx="0">
         <a:scrgbClr r="0" g="0" b="0"/>
       </a:lnRef>
-      <a:fillRef idx="1">
+      <a:fillRef idx="3">
         <a:scrgbClr r="0" g="0" b="0"/>
       </a:fillRef>
-      <a:effectRef idx="0">
+      <a:effectRef idx="3">
         <a:scrgbClr r="0" g="0" b="0"/>
       </a:effectRef>
       <a:fontRef idx="minor">
@@ -19496,13 +26030,13 @@
     <dgm:sp3d/>
     <dgm:txPr/>
     <dgm:style>
-      <a:lnRef idx="2">
+      <a:lnRef idx="1">
         <a:scrgbClr r="0" g="0" b="0"/>
       </a:lnRef>
-      <a:fillRef idx="1">
+      <a:fillRef idx="0">
         <a:scrgbClr r="0" g="0" b="0"/>
       </a:fillRef>
-      <a:effectRef idx="0">
+      <a:effectRef idx="1">
         <a:scrgbClr r="0" g="0" b="0"/>
       </a:effectRef>
       <a:fontRef idx="minor"/>
@@ -19516,13 +26050,13 @@
     <dgm:sp3d/>
     <dgm:txPr/>
     <dgm:style>
-      <a:lnRef idx="2">
+      <a:lnRef idx="0">
         <a:scrgbClr r="0" g="0" b="0"/>
       </a:lnRef>
-      <a:fillRef idx="1">
+      <a:fillRef idx="3">
         <a:scrgbClr r="0" g="0" b="0"/>
       </a:fillRef>
-      <a:effectRef idx="0">
+      <a:effectRef idx="3">
         <a:scrgbClr r="0" g="0" b="0"/>
       </a:effectRef>
       <a:fontRef idx="minor">
@@ -19538,13 +26072,13 @@
     <dgm:sp3d/>
     <dgm:txPr/>
     <dgm:style>
-      <a:lnRef idx="2">
+      <a:lnRef idx="0">
         <a:scrgbClr r="0" g="0" b="0"/>
       </a:lnRef>
-      <a:fillRef idx="1">
+      <a:fillRef idx="3">
         <a:scrgbClr r="0" g="0" b="0"/>
       </a:fillRef>
-      <a:effectRef idx="0">
+      <a:effectRef idx="3">
         <a:scrgbClr r="0" g="0" b="0"/>
       </a:effectRef>
       <a:fontRef idx="minor">
@@ -19560,13 +26094,13 @@
     <dgm:sp3d/>
     <dgm:txPr/>
     <dgm:style>
-      <a:lnRef idx="2">
+      <a:lnRef idx="0">
         <a:scrgbClr r="0" g="0" b="0"/>
       </a:lnRef>
-      <a:fillRef idx="1">
+      <a:fillRef idx="3">
         <a:scrgbClr r="0" g="0" b="0"/>
       </a:fillRef>
-      <a:effectRef idx="0">
+      <a:effectRef idx="3">
         <a:scrgbClr r="0" g="0" b="0"/>
       </a:effectRef>
       <a:fontRef idx="minor">
@@ -19582,13 +26116,13 @@
     <dgm:sp3d/>
     <dgm:txPr/>
     <dgm:style>
-      <a:lnRef idx="2">
+      <a:lnRef idx="0">
         <a:scrgbClr r="0" g="0" b="0"/>
       </a:lnRef>
-      <a:fillRef idx="1">
+      <a:fillRef idx="3">
         <a:scrgbClr r="0" g="0" b="0"/>
       </a:fillRef>
-      <a:effectRef idx="0">
+      <a:effectRef idx="3">
         <a:scrgbClr r="0" g="0" b="0"/>
       </a:effectRef>
       <a:fontRef idx="minor">
@@ -19604,13 +26138,13 @@
     <dgm:sp3d/>
     <dgm:txPr/>
     <dgm:style>
-      <a:lnRef idx="2">
+      <a:lnRef idx="0">
         <a:scrgbClr r="0" g="0" b="0"/>
       </a:lnRef>
-      <a:fillRef idx="1">
+      <a:fillRef idx="3">
         <a:scrgbClr r="0" g="0" b="0"/>
       </a:fillRef>
-      <a:effectRef idx="0">
+      <a:effectRef idx="3">
         <a:scrgbClr r="0" g="0" b="0"/>
       </a:effectRef>
       <a:fontRef idx="minor">
@@ -19626,13 +26160,13 @@
     <dgm:sp3d/>
     <dgm:txPr/>
     <dgm:style>
-      <a:lnRef idx="2">
+      <a:lnRef idx="0">
         <a:scrgbClr r="0" g="0" b="0"/>
       </a:lnRef>
-      <a:fillRef idx="1">
+      <a:fillRef idx="3">
         <a:scrgbClr r="0" g="0" b="0"/>
       </a:fillRef>
-      <a:effectRef idx="0">
+      <a:effectRef idx="3">
         <a:scrgbClr r="0" g="0" b="0"/>
       </a:effectRef>
       <a:fontRef idx="minor">
@@ -19648,13 +26182,13 @@
     <dgm:sp3d/>
     <dgm:txPr/>
     <dgm:style>
-      <a:lnRef idx="2">
+      <a:lnRef idx="0">
         <a:scrgbClr r="0" g="0" b="0"/>
       </a:lnRef>
-      <a:fillRef idx="1">
+      <a:fillRef idx="3">
         <a:scrgbClr r="0" g="0" b="0"/>
       </a:fillRef>
-      <a:effectRef idx="0">
+      <a:effectRef idx="3">
         <a:scrgbClr r="0" g="0" b="0"/>
       </a:effectRef>
       <a:fontRef idx="minor">
@@ -19670,13 +26204,13 @@
     <dgm:sp3d/>
     <dgm:txPr/>
     <dgm:style>
-      <a:lnRef idx="2">
+      <a:lnRef idx="0">
         <a:scrgbClr r="0" g="0" b="0"/>
       </a:lnRef>
-      <a:fillRef idx="1">
+      <a:fillRef idx="3">
         <a:scrgbClr r="0" g="0" b="0"/>
       </a:fillRef>
-      <a:effectRef idx="0">
+      <a:effectRef idx="3">
         <a:scrgbClr r="0" g="0" b="0"/>
       </a:effectRef>
       <a:fontRef idx="minor">
@@ -19692,13 +26226,13 @@
     <dgm:sp3d/>
     <dgm:txPr/>
     <dgm:style>
-      <a:lnRef idx="2">
+      <a:lnRef idx="0">
         <a:scrgbClr r="0" g="0" b="0"/>
       </a:lnRef>
-      <a:fillRef idx="1">
+      <a:fillRef idx="3">
         <a:scrgbClr r="0" g="0" b="0"/>
       </a:fillRef>
-      <a:effectRef idx="0">
+      <a:effectRef idx="3">
         <a:scrgbClr r="0" g="0" b="0"/>
       </a:effectRef>
       <a:fontRef idx="minor">
@@ -19794,13 +26328,13 @@
     <dgm:sp3d/>
     <dgm:txPr/>
     <dgm:style>
-      <a:lnRef idx="2">
+      <a:lnRef idx="1">
         <a:scrgbClr r="0" g="0" b="0"/>
       </a:lnRef>
       <a:fillRef idx="1">
         <a:scrgbClr r="0" g="0" b="0"/>
       </a:fillRef>
-      <a:effectRef idx="0">
+      <a:effectRef idx="2">
         <a:scrgbClr r="0" g="0" b="0"/>
       </a:effectRef>
       <a:fontRef idx="minor"/>
@@ -19814,13 +26348,13 @@
     <dgm:sp3d/>
     <dgm:txPr/>
     <dgm:style>
-      <a:lnRef idx="2">
+      <a:lnRef idx="1">
         <a:scrgbClr r="0" g="0" b="0"/>
       </a:lnRef>
       <a:fillRef idx="1">
         <a:scrgbClr r="0" g="0" b="0"/>
       </a:fillRef>
-      <a:effectRef idx="0">
+      <a:effectRef idx="2">
         <a:scrgbClr r="0" g="0" b="0"/>
       </a:effectRef>
       <a:fontRef idx="minor"/>
@@ -19834,13 +26368,13 @@
     <dgm:sp3d/>
     <dgm:txPr/>
     <dgm:style>
-      <a:lnRef idx="2">
+      <a:lnRef idx="1">
         <a:scrgbClr r="0" g="0" b="0"/>
       </a:lnRef>
       <a:fillRef idx="1">
         <a:scrgbClr r="0" g="0" b="0"/>
       </a:fillRef>
-      <a:effectRef idx="0">
+      <a:effectRef idx="2">
         <a:scrgbClr r="0" g="0" b="0"/>
       </a:effectRef>
       <a:fontRef idx="minor"/>
@@ -19874,13 +26408,13 @@
     <dgm:sp3d/>
     <dgm:txPr/>
     <dgm:style>
-      <a:lnRef idx="2">
+      <a:lnRef idx="1">
         <a:scrgbClr r="0" g="0" b="0"/>
       </a:lnRef>
       <a:fillRef idx="1">
         <a:scrgbClr r="0" g="0" b="0"/>
       </a:fillRef>
-      <a:effectRef idx="0">
+      <a:effectRef idx="2">
         <a:scrgbClr r="0" g="0" b="0"/>
       </a:effectRef>
       <a:fontRef idx="minor"/>
@@ -19894,13 +26428,13 @@
     <dgm:sp3d/>
     <dgm:txPr/>
     <dgm:style>
-      <a:lnRef idx="2">
+      <a:lnRef idx="1">
         <a:scrgbClr r="0" g="0" b="0"/>
       </a:lnRef>
       <a:fillRef idx="1">
         <a:scrgbClr r="0" g="0" b="0"/>
       </a:fillRef>
-      <a:effectRef idx="0">
+      <a:effectRef idx="2">
         <a:scrgbClr r="0" g="0" b="0"/>
       </a:effectRef>
       <a:fontRef idx="minor"/>
@@ -19914,13 +26448,13 @@
     <dgm:sp3d/>
     <dgm:txPr/>
     <dgm:style>
-      <a:lnRef idx="2">
+      <a:lnRef idx="1">
         <a:scrgbClr r="0" g="0" b="0"/>
       </a:lnRef>
       <a:fillRef idx="1">
         <a:scrgbClr r="0" g="0" b="0"/>
       </a:fillRef>
-      <a:effectRef idx="0">
+      <a:effectRef idx="3">
         <a:scrgbClr r="0" g="0" b="0"/>
       </a:effectRef>
       <a:fontRef idx="minor"/>
@@ -19934,13 +26468,13 @@
     <dgm:sp3d/>
     <dgm:txPr/>
     <dgm:style>
-      <a:lnRef idx="2">
+      <a:lnRef idx="1">
         <a:scrgbClr r="0" g="0" b="0"/>
       </a:lnRef>
       <a:fillRef idx="1">
         <a:scrgbClr r="0" g="0" b="0"/>
       </a:fillRef>
-      <a:effectRef idx="0">
+      <a:effectRef idx="3">
         <a:scrgbClr r="0" g="0" b="0"/>
       </a:effectRef>
       <a:fontRef idx="minor"/>
@@ -19954,13 +26488,13 @@
     <dgm:sp3d/>
     <dgm:txPr/>
     <dgm:style>
-      <a:lnRef idx="2">
+      <a:lnRef idx="1">
         <a:scrgbClr r="0" g="0" b="0"/>
       </a:lnRef>
       <a:fillRef idx="1">
         <a:scrgbClr r="0" g="0" b="0"/>
       </a:fillRef>
-      <a:effectRef idx="0">
+      <a:effectRef idx="2">
         <a:scrgbClr r="0" g="0" b="0"/>
       </a:effectRef>
       <a:fontRef idx="minor"/>
@@ -19974,13 +26508,13 @@
     <dgm:sp3d/>
     <dgm:txPr/>
     <dgm:style>
-      <a:lnRef idx="2">
+      <a:lnRef idx="1">
         <a:scrgbClr r="0" g="0" b="0"/>
       </a:lnRef>
       <a:fillRef idx="1">
         <a:scrgbClr r="0" g="0" b="0"/>
       </a:fillRef>
-      <a:effectRef idx="0">
+      <a:effectRef idx="2">
         <a:scrgbClr r="0" g="0" b="0"/>
       </a:effectRef>
       <a:fontRef idx="minor"/>
@@ -19994,13 +26528,13 @@
     <dgm:sp3d/>
     <dgm:txPr/>
     <dgm:style>
-      <a:lnRef idx="2">
+      <a:lnRef idx="1">
         <a:scrgbClr r="0" g="0" b="0"/>
       </a:lnRef>
       <a:fillRef idx="1">
         <a:scrgbClr r="0" g="0" b="0"/>
       </a:fillRef>
-      <a:effectRef idx="0">
+      <a:effectRef idx="2">
         <a:scrgbClr r="0" g="0" b="0"/>
       </a:effectRef>
       <a:fontRef idx="minor"/>
@@ -20014,13 +26548,13 @@
     <dgm:sp3d/>
     <dgm:txPr/>
     <dgm:style>
-      <a:lnRef idx="2">
+      <a:lnRef idx="1">
         <a:scrgbClr r="0" g="0" b="0"/>
       </a:lnRef>
       <a:fillRef idx="1">
         <a:scrgbClr r="0" g="0" b="0"/>
       </a:fillRef>
-      <a:effectRef idx="0">
+      <a:effectRef idx="2">
         <a:scrgbClr r="0" g="0" b="0"/>
       </a:effectRef>
       <a:fontRef idx="minor"/>
@@ -20034,13 +26568,13 @@
     <dgm:sp3d/>
     <dgm:txPr/>
     <dgm:style>
-      <a:lnRef idx="2">
+      <a:lnRef idx="1">
         <a:scrgbClr r="0" g="0" b="0"/>
       </a:lnRef>
       <a:fillRef idx="1">
         <a:scrgbClr r="0" g="0" b="0"/>
       </a:fillRef>
-      <a:effectRef idx="0">
+      <a:effectRef idx="2">
         <a:scrgbClr r="0" g="0" b="0"/>
       </a:effectRef>
       <a:fontRef idx="minor"/>
@@ -20054,13 +26588,13 @@
     <dgm:sp3d/>
     <dgm:txPr/>
     <dgm:style>
-      <a:lnRef idx="2">
+      <a:lnRef idx="1">
         <a:scrgbClr r="0" g="0" b="0"/>
       </a:lnRef>
       <a:fillRef idx="1">
         <a:scrgbClr r="0" g="0" b="0"/>
       </a:fillRef>
-      <a:effectRef idx="0">
+      <a:effectRef idx="2">
         <a:scrgbClr r="0" g="0" b="0"/>
       </a:effectRef>
       <a:fontRef idx="minor"/>
@@ -20074,13 +26608,13 @@
     <dgm:sp3d/>
     <dgm:txPr/>
     <dgm:style>
-      <a:lnRef idx="2">
+      <a:lnRef idx="1">
         <a:scrgbClr r="0" g="0" b="0"/>
       </a:lnRef>
       <a:fillRef idx="1">
         <a:scrgbClr r="0" g="0" b="0"/>
       </a:fillRef>
-      <a:effectRef idx="0">
+      <a:effectRef idx="2">
         <a:scrgbClr r="0" g="0" b="0"/>
       </a:effectRef>
       <a:fontRef idx="minor"/>
@@ -20100,7 +26634,7 @@
       <a:fillRef idx="1">
         <a:scrgbClr r="0" g="0" b="0"/>
       </a:fillRef>
-      <a:effectRef idx="0">
+      <a:effectRef idx="2">
         <a:scrgbClr r="0" g="0" b="0"/>
       </a:effectRef>
       <a:fontRef idx="minor"/>
@@ -20120,7 +26654,7 @@
       <a:fillRef idx="1">
         <a:scrgbClr r="0" g="0" b="0"/>
       </a:fillRef>
-      <a:effectRef idx="0">
+      <a:effectRef idx="3">
         <a:scrgbClr r="0" g="0" b="0"/>
       </a:effectRef>
       <a:fontRef idx="minor"/>
@@ -20154,13 +26688,13 @@
     <dgm:sp3d/>
     <dgm:txPr/>
     <dgm:style>
-      <a:lnRef idx="2">
+      <a:lnRef idx="0">
         <a:scrgbClr r="0" g="0" b="0"/>
       </a:lnRef>
-      <a:fillRef idx="1">
+      <a:fillRef idx="3">
         <a:scrgbClr r="0" g="0" b="0"/>
       </a:fillRef>
-      <a:effectRef idx="0">
+      <a:effectRef idx="3">
         <a:scrgbClr r="0" g="0" b="0"/>
       </a:effectRef>
       <a:fontRef idx="minor"/>
@@ -20375,7 +26909,7 @@
           <a:p>
             <a:fld id="{4AAD347D-5ACD-4C99-B74B-A9C85AD731AF}" type="datetimeFigureOut">
               <a:rPr lang="en-US" dirty="0"/>
-              <a:t>8/14/2020</a:t>
+              <a:t>8/15/2020</a:t>
             </a:fld>
             <a:endParaRPr lang="en-US" dirty="0"/>
           </a:p>
@@ -20645,7 +27179,7 @@
           <a:p>
             <a:fld id="{4509A250-FF31-4206-8172-F9D3106AACB1}" type="datetimeFigureOut">
               <a:rPr lang="en-US" dirty="0"/>
-              <a:t>8/14/2020</a:t>
+              <a:t>8/15/2020</a:t>
             </a:fld>
             <a:endParaRPr lang="en-US" dirty="0"/>
           </a:p>
@@ -20834,7 +27368,7 @@
           <a:p>
             <a:fld id="{4509A250-FF31-4206-8172-F9D3106AACB1}" type="datetimeFigureOut">
               <a:rPr lang="en-US" dirty="0"/>
-              <a:t>8/14/2020</a:t>
+              <a:t>8/15/2020</a:t>
             </a:fld>
             <a:endParaRPr lang="en-US" dirty="0"/>
           </a:p>
@@ -21102,7 +27636,7 @@
           <a:p>
             <a:fld id="{4509A250-FF31-4206-8172-F9D3106AACB1}" type="datetimeFigureOut">
               <a:rPr lang="en-US" dirty="0"/>
-              <a:t>8/14/2020</a:t>
+              <a:t>8/15/2020</a:t>
             </a:fld>
             <a:endParaRPr lang="en-US" dirty="0"/>
           </a:p>
@@ -21438,7 +27972,7 @@
           <a:p>
             <a:fld id="{4509A250-FF31-4206-8172-F9D3106AACB1}" type="datetimeFigureOut">
               <a:rPr lang="en-US" dirty="0"/>
-              <a:t>8/14/2020</a:t>
+              <a:t>8/15/2020</a:t>
             </a:fld>
             <a:endParaRPr lang="en-US" dirty="0"/>
           </a:p>
@@ -22056,7 +28590,7 @@
           <a:p>
             <a:fld id="{4509A250-FF31-4206-8172-F9D3106AACB1}" type="datetimeFigureOut">
               <a:rPr lang="en-US" dirty="0"/>
-              <a:t>8/14/2020</a:t>
+              <a:t>8/15/2020</a:t>
             </a:fld>
             <a:endParaRPr lang="en-US" dirty="0"/>
           </a:p>
@@ -22911,7 +29445,7 @@
           <a:p>
             <a:fld id="{4509A250-FF31-4206-8172-F9D3106AACB1}" type="datetimeFigureOut">
               <a:rPr lang="en-US" dirty="0"/>
-              <a:t>8/14/2020</a:t>
+              <a:t>8/15/2020</a:t>
             </a:fld>
             <a:endParaRPr lang="en-US" dirty="0"/>
           </a:p>
@@ -23076,7 +29610,7 @@
           <a:p>
             <a:fld id="{4509A250-FF31-4206-8172-F9D3106AACB1}" type="datetimeFigureOut">
               <a:rPr lang="en-US" dirty="0"/>
-              <a:t>8/14/2020</a:t>
+              <a:t>8/15/2020</a:t>
             </a:fld>
             <a:endParaRPr lang="en-US" dirty="0"/>
           </a:p>
@@ -23251,7 +29785,7 @@
           <a:p>
             <a:fld id="{4509A250-FF31-4206-8172-F9D3106AACB1}" type="datetimeFigureOut">
               <a:rPr lang="en-US" dirty="0"/>
-              <a:t>8/14/2020</a:t>
+              <a:t>8/15/2020</a:t>
             </a:fld>
             <a:endParaRPr lang="en-US" dirty="0"/>
           </a:p>
@@ -23416,7 +29950,7 @@
           <a:p>
             <a:fld id="{4509A250-FF31-4206-8172-F9D3106AACB1}" type="datetimeFigureOut">
               <a:rPr lang="en-US" dirty="0"/>
-              <a:t>8/14/2020</a:t>
+              <a:t>8/15/2020</a:t>
             </a:fld>
             <a:endParaRPr lang="en-US" dirty="0"/>
           </a:p>
@@ -23658,7 +30192,7 @@
           <a:p>
             <a:fld id="{9796027F-7875-4030-9381-8BD8C4F21935}" type="datetimeFigureOut">
               <a:rPr lang="en-US" dirty="0"/>
-              <a:t>8/14/2020</a:t>
+              <a:t>8/15/2020</a:t>
             </a:fld>
             <a:endParaRPr lang="en-US" dirty="0"/>
           </a:p>
@@ -23945,7 +30479,7 @@
           <a:p>
             <a:fld id="{9796027F-7875-4030-9381-8BD8C4F21935}" type="datetimeFigureOut">
               <a:rPr lang="en-US" dirty="0"/>
-              <a:t>8/14/2020</a:t>
+              <a:t>8/15/2020</a:t>
             </a:fld>
             <a:endParaRPr lang="en-US" dirty="0"/>
           </a:p>
@@ -24384,7 +30918,7 @@
           <a:p>
             <a:fld id="{9796027F-7875-4030-9381-8BD8C4F21935}" type="datetimeFigureOut">
               <a:rPr lang="en-US" dirty="0"/>
-              <a:t>8/14/2020</a:t>
+              <a:t>8/15/2020</a:t>
             </a:fld>
             <a:endParaRPr lang="en-US" dirty="0"/>
           </a:p>
@@ -24497,7 +31031,7 @@
           <a:p>
             <a:fld id="{4509A250-FF31-4206-8172-F9D3106AACB1}" type="datetimeFigureOut">
               <a:rPr lang="en-US" dirty="0"/>
-              <a:t>8/14/2020</a:t>
+              <a:t>8/15/2020</a:t>
             </a:fld>
             <a:endParaRPr lang="en-US" dirty="0"/>
           </a:p>
@@ -24587,7 +31121,7 @@
           <a:p>
             <a:fld id="{4509A250-FF31-4206-8172-F9D3106AACB1}" type="datetimeFigureOut">
               <a:rPr lang="en-US" dirty="0"/>
-              <a:t>8/14/2020</a:t>
+              <a:t>8/15/2020</a:t>
             </a:fld>
             <a:endParaRPr lang="en-US" dirty="0"/>
           </a:p>
@@ -24861,7 +31395,7 @@
           <a:p>
             <a:fld id="{4509A250-FF31-4206-8172-F9D3106AACB1}" type="datetimeFigureOut">
               <a:rPr lang="en-US" dirty="0"/>
-              <a:t>8/14/2020</a:t>
+              <a:t>8/15/2020</a:t>
             </a:fld>
             <a:endParaRPr lang="en-US" dirty="0"/>
           </a:p>
@@ -25131,7 +31665,7 @@
           <a:p>
             <a:fld id="{4509A250-FF31-4206-8172-F9D3106AACB1}" type="datetimeFigureOut">
               <a:rPr lang="en-US" dirty="0"/>
-              <a:t>8/14/2020</a:t>
+              <a:t>8/15/2020</a:t>
             </a:fld>
             <a:endParaRPr lang="en-US" dirty="0"/>
           </a:p>
@@ -25555,7 +32089,7 @@
           <a:p>
             <a:fld id="{4AAD347D-5ACD-4C99-B74B-A9C85AD731AF}" type="datetimeFigureOut">
               <a:rPr lang="en-US" dirty="0"/>
-              <a:t>8/14/2020</a:t>
+              <a:t>8/15/2020</a:t>
             </a:fld>
             <a:endParaRPr lang="en-US" dirty="0"/>
           </a:p>
@@ -27227,6 +33761,14 @@
 <file path=ppt/slides/slide10.xml><?xml version="1.0" encoding="utf-8"?>
 <p:sld xmlns:a="http://schemas.openxmlformats.org/drawingml/2006/main" xmlns:r="http://schemas.openxmlformats.org/officeDocument/2006/relationships" xmlns:p="http://schemas.openxmlformats.org/presentationml/2006/main">
   <p:cSld>
+    <p:bg>
+      <p:bgPr>
+        <a:solidFill>
+          <a:schemeClr val="bg1"/>
+        </a:solidFill>
+        <a:effectLst/>
+      </p:bgPr>
+    </p:bg>
     <p:spTree>
       <p:nvGrpSpPr>
         <p:cNvPr id="1" name=""/>
@@ -27241,6 +33783,375 @@
           <a:chExt cx="0" cy="0"/>
         </a:xfrm>
       </p:grpSpPr>
+      <p:pic>
+        <p:nvPicPr>
+          <p:cNvPr id="30" name="Picture 9">
+            <a:extLst>
+              <a:ext uri="{FF2B5EF4-FFF2-40B4-BE49-F238E27FC236}">
+                <a16:creationId xmlns:a16="http://schemas.microsoft.com/office/drawing/2014/main" id="{41B68C77-138E-4BF7-A276-BD0C78A4219F}"/>
+              </a:ext>
+              <a:ext uri="{C183D7F6-B498-43B3-948B-1728B52AA6E4}">
+                <adec:decorative xmlns:adec="http://schemas.microsoft.com/office/drawing/2017/decorative" val="1"/>
+              </a:ext>
+            </a:extLst>
+          </p:cNvPr>
+          <p:cNvPicPr>
+            <a:picLocks noGrp="1" noRot="1" noChangeAspect="1" noMove="1" noResize="1" noEditPoints="1" noAdjustHandles="1" noChangeArrowheads="1" noChangeShapeType="1" noCrop="1"/>
+          </p:cNvPicPr>
+          <p:nvPr>
+            <p:extLst>
+              <p:ext uri="{386F3935-93C4-4BCD-93E2-E3B085C9AB24}">
+                <p16:designElem xmlns:p16="http://schemas.microsoft.com/office/powerpoint/2015/main" val="1"/>
+              </p:ext>
+            </p:extLst>
+          </p:nvPr>
+        </p:nvPicPr>
+        <p:blipFill rotWithShape="1">
+          <a:blip r:embed="rId2">
+            <a:extLst>
+              <a:ext uri="{28A0092B-C50C-407E-A947-70E740481C1C}">
+                <a14:useLocalDpi xmlns:a14="http://schemas.microsoft.com/office/drawing/2010/main" val="0"/>
+              </a:ext>
+            </a:extLst>
+          </a:blip>
+          <a:srcRect l="3613"/>
+          <a:stretch/>
+        </p:blipFill>
+        <p:spPr>
+          <a:xfrm>
+            <a:off x="0" y="2669685"/>
+            <a:ext cx="4037012" cy="4188315"/>
+          </a:xfrm>
+          <a:prstGeom prst="rect">
+            <a:avLst/>
+          </a:prstGeom>
+        </p:spPr>
+      </p:pic>
+      <p:pic>
+        <p:nvPicPr>
+          <p:cNvPr id="31" name="Picture 11">
+            <a:extLst>
+              <a:ext uri="{FF2B5EF4-FFF2-40B4-BE49-F238E27FC236}">
+                <a16:creationId xmlns:a16="http://schemas.microsoft.com/office/drawing/2014/main" id="{7C268552-D473-46ED-B1B8-422042C4DEF1}"/>
+              </a:ext>
+              <a:ext uri="{C183D7F6-B498-43B3-948B-1728B52AA6E4}">
+                <adec:decorative xmlns:adec="http://schemas.microsoft.com/office/drawing/2017/decorative" val="1"/>
+              </a:ext>
+            </a:extLst>
+          </p:cNvPr>
+          <p:cNvPicPr>
+            <a:picLocks noGrp="1" noRot="1" noChangeAspect="1" noMove="1" noResize="1" noEditPoints="1" noAdjustHandles="1" noChangeArrowheads="1" noChangeShapeType="1" noCrop="1"/>
+          </p:cNvPicPr>
+          <p:nvPr>
+            <p:extLst>
+              <p:ext uri="{386F3935-93C4-4BCD-93E2-E3B085C9AB24}">
+                <p16:designElem xmlns:p16="http://schemas.microsoft.com/office/powerpoint/2015/main" val="1"/>
+              </p:ext>
+            </p:extLst>
+          </p:nvPr>
+        </p:nvPicPr>
+        <p:blipFill rotWithShape="1">
+          <a:blip r:embed="rId3">
+            <a:extLst>
+              <a:ext uri="{28A0092B-C50C-407E-A947-70E740481C1C}">
+                <a14:useLocalDpi xmlns:a14="http://schemas.microsoft.com/office/drawing/2010/main" val="0"/>
+              </a:ext>
+            </a:extLst>
+          </a:blip>
+          <a:srcRect l="35640"/>
+          <a:stretch/>
+        </p:blipFill>
+        <p:spPr>
+          <a:xfrm>
+            <a:off x="0" y="2892347"/>
+            <a:ext cx="1522412" cy="2365453"/>
+          </a:xfrm>
+          <a:prstGeom prst="rect">
+            <a:avLst/>
+          </a:prstGeom>
+        </p:spPr>
+      </p:pic>
+      <p:sp>
+        <p:nvSpPr>
+          <p:cNvPr id="32" name="Oval 13">
+            <a:extLst>
+              <a:ext uri="{FF2B5EF4-FFF2-40B4-BE49-F238E27FC236}">
+                <a16:creationId xmlns:a16="http://schemas.microsoft.com/office/drawing/2014/main" id="{4AC0CD9D-7610-4620-93B4-798CCD9AB581}"/>
+              </a:ext>
+              <a:ext uri="{C183D7F6-B498-43B3-948B-1728B52AA6E4}">
+                <adec:decorative xmlns:adec="http://schemas.microsoft.com/office/drawing/2017/decorative" val="1"/>
+              </a:ext>
+            </a:extLst>
+          </p:cNvPr>
+          <p:cNvSpPr>
+            <a:spLocks noGrp="1" noRot="1" noChangeAspect="1" noMove="1" noResize="1" noEditPoints="1" noAdjustHandles="1" noChangeArrowheads="1" noChangeShapeType="1" noTextEdit="1"/>
+          </p:cNvSpPr>
+          <p:nvPr>
+            <p:extLst>
+              <p:ext uri="{386F3935-93C4-4BCD-93E2-E3B085C9AB24}">
+                <p16:designElem xmlns:p16="http://schemas.microsoft.com/office/powerpoint/2015/main" val="1"/>
+              </p:ext>
+            </p:extLst>
+          </p:nvPr>
+        </p:nvSpPr>
+        <p:spPr>
+          <a:xfrm>
+            <a:off x="8609012" y="1676400"/>
+            <a:ext cx="2819400" cy="2819400"/>
+          </a:xfrm>
+          <a:prstGeom prst="ellipse">
+            <a:avLst/>
+          </a:prstGeom>
+          <a:gradFill flip="none" rotWithShape="1">
+            <a:gsLst>
+              <a:gs pos="0">
+                <a:schemeClr val="bg2">
+                  <a:lumMod val="60000"/>
+                  <a:lumOff val="40000"/>
+                  <a:alpha val="7000"/>
+                </a:schemeClr>
+              </a:gs>
+              <a:gs pos="69000">
+                <a:schemeClr val="bg2">
+                  <a:lumMod val="60000"/>
+                  <a:lumOff val="40000"/>
+                  <a:alpha val="0"/>
+                </a:schemeClr>
+              </a:gs>
+              <a:gs pos="36000">
+                <a:schemeClr val="bg2">
+                  <a:lumMod val="60000"/>
+                  <a:lumOff val="40000"/>
+                  <a:alpha val="6000"/>
+                </a:schemeClr>
+              </a:gs>
+            </a:gsLst>
+            <a:path path="circle">
+              <a:fillToRect l="50000" t="50000" r="50000" b="50000"/>
+            </a:path>
+            <a:tileRect/>
+          </a:gradFill>
+          <a:ln>
+            <a:noFill/>
+          </a:ln>
+          <a:effectLst/>
+        </p:spPr>
+        <p:style>
+          <a:lnRef idx="1">
+            <a:schemeClr val="accent1"/>
+          </a:lnRef>
+          <a:fillRef idx="3">
+            <a:schemeClr val="accent1"/>
+          </a:fillRef>
+          <a:effectRef idx="2">
+            <a:schemeClr val="accent1"/>
+          </a:effectRef>
+          <a:fontRef idx="minor">
+            <a:schemeClr val="lt1"/>
+          </a:fontRef>
+        </p:style>
+      </p:sp>
+      <p:pic>
+        <p:nvPicPr>
+          <p:cNvPr id="33" name="Picture 15">
+            <a:extLst>
+              <a:ext uri="{FF2B5EF4-FFF2-40B4-BE49-F238E27FC236}">
+                <a16:creationId xmlns:a16="http://schemas.microsoft.com/office/drawing/2014/main" id="{B9238B3E-24AA-439A-B527-6C5DF6D72145}"/>
+              </a:ext>
+              <a:ext uri="{C183D7F6-B498-43B3-948B-1728B52AA6E4}">
+                <adec:decorative xmlns:adec="http://schemas.microsoft.com/office/drawing/2017/decorative" val="1"/>
+              </a:ext>
+            </a:extLst>
+          </p:cNvPr>
+          <p:cNvPicPr>
+            <a:picLocks noGrp="1" noRot="1" noChangeAspect="1" noMove="1" noResize="1" noEditPoints="1" noAdjustHandles="1" noChangeArrowheads="1" noChangeShapeType="1" noCrop="1"/>
+          </p:cNvPicPr>
+          <p:nvPr>
+            <p:extLst>
+              <p:ext uri="{386F3935-93C4-4BCD-93E2-E3B085C9AB24}">
+                <p16:designElem xmlns:p16="http://schemas.microsoft.com/office/powerpoint/2015/main" val="1"/>
+              </p:ext>
+            </p:extLst>
+          </p:nvPr>
+        </p:nvPicPr>
+        <p:blipFill rotWithShape="1">
+          <a:blip r:embed="rId4">
+            <a:extLst>
+              <a:ext uri="{28A0092B-C50C-407E-A947-70E740481C1C}">
+                <a14:useLocalDpi xmlns:a14="http://schemas.microsoft.com/office/drawing/2010/main" val="0"/>
+              </a:ext>
+            </a:extLst>
+          </a:blip>
+          <a:srcRect t="28813"/>
+          <a:stretch/>
+        </p:blipFill>
+        <p:spPr>
+          <a:xfrm>
+            <a:off x="7999412" y="0"/>
+            <a:ext cx="1603387" cy="1141407"/>
+          </a:xfrm>
+          <a:prstGeom prst="rect">
+            <a:avLst/>
+          </a:prstGeom>
+        </p:spPr>
+      </p:pic>
+      <p:pic>
+        <p:nvPicPr>
+          <p:cNvPr id="34" name="Picture 17">
+            <a:extLst>
+              <a:ext uri="{FF2B5EF4-FFF2-40B4-BE49-F238E27FC236}">
+                <a16:creationId xmlns:a16="http://schemas.microsoft.com/office/drawing/2014/main" id="{69F01145-BEA3-4CBF-AA21-10077B948CA8}"/>
+              </a:ext>
+              <a:ext uri="{C183D7F6-B498-43B3-948B-1728B52AA6E4}">
+                <adec:decorative xmlns:adec="http://schemas.microsoft.com/office/drawing/2017/decorative" val="1"/>
+              </a:ext>
+            </a:extLst>
+          </p:cNvPr>
+          <p:cNvPicPr>
+            <a:picLocks noGrp="1" noRot="1" noChangeAspect="1" noMove="1" noResize="1" noEditPoints="1" noAdjustHandles="1" noChangeArrowheads="1" noChangeShapeType="1" noCrop="1"/>
+          </p:cNvPicPr>
+          <p:nvPr>
+            <p:extLst>
+              <p:ext uri="{386F3935-93C4-4BCD-93E2-E3B085C9AB24}">
+                <p16:designElem xmlns:p16="http://schemas.microsoft.com/office/powerpoint/2015/main" val="1"/>
+              </p:ext>
+            </p:extLst>
+          </p:nvPr>
+        </p:nvPicPr>
+        <p:blipFill rotWithShape="1">
+          <a:blip r:embed="rId5">
+            <a:extLst>
+              <a:ext uri="{28A0092B-C50C-407E-A947-70E740481C1C}">
+                <a14:useLocalDpi xmlns:a14="http://schemas.microsoft.com/office/drawing/2010/main" val="0"/>
+              </a:ext>
+            </a:extLst>
+          </a:blip>
+          <a:srcRect b="23320"/>
+          <a:stretch/>
+        </p:blipFill>
+        <p:spPr>
+          <a:xfrm>
+            <a:off x="8605878" y="6096000"/>
+            <a:ext cx="993734" cy="762000"/>
+          </a:xfrm>
+          <a:prstGeom prst="rect">
+            <a:avLst/>
+          </a:prstGeom>
+        </p:spPr>
+      </p:pic>
+      <p:sp>
+        <p:nvSpPr>
+          <p:cNvPr id="35" name="Rectangle 19">
+            <a:extLst>
+              <a:ext uri="{FF2B5EF4-FFF2-40B4-BE49-F238E27FC236}">
+                <a16:creationId xmlns:a16="http://schemas.microsoft.com/office/drawing/2014/main" id="{DE4D62F9-188E-4530-84C2-24BDEE4BEB82}"/>
+              </a:ext>
+              <a:ext uri="{C183D7F6-B498-43B3-948B-1728B52AA6E4}">
+                <adec:decorative xmlns:adec="http://schemas.microsoft.com/office/drawing/2017/decorative" val="1"/>
+              </a:ext>
+            </a:extLst>
+          </p:cNvPr>
+          <p:cNvSpPr>
+            <a:spLocks noGrp="1" noRot="1" noChangeAspect="1" noMove="1" noResize="1" noEditPoints="1" noAdjustHandles="1" noChangeArrowheads="1" noChangeShapeType="1" noTextEdit="1"/>
+          </p:cNvSpPr>
+          <p:nvPr>
+            <p:extLst>
+              <p:ext uri="{386F3935-93C4-4BCD-93E2-E3B085C9AB24}">
+                <p16:designElem xmlns:p16="http://schemas.microsoft.com/office/powerpoint/2015/main" val="1"/>
+              </p:ext>
+            </p:extLst>
+          </p:nvPr>
+        </p:nvSpPr>
+        <p:spPr>
+          <a:xfrm>
+            <a:off x="10437812" y="0"/>
+            <a:ext cx="685800" cy="1143000"/>
+          </a:xfrm>
+          <a:prstGeom prst="rect">
+            <a:avLst/>
+          </a:prstGeom>
+          <a:solidFill>
+            <a:schemeClr val="accent1"/>
+          </a:solidFill>
+          <a:ln>
+            <a:noFill/>
+          </a:ln>
+        </p:spPr>
+        <p:style>
+          <a:lnRef idx="1">
+            <a:schemeClr val="accent1"/>
+          </a:lnRef>
+          <a:fillRef idx="3">
+            <a:schemeClr val="accent1"/>
+          </a:fillRef>
+          <a:effectRef idx="2">
+            <a:schemeClr val="accent1"/>
+          </a:effectRef>
+          <a:fontRef idx="minor">
+            <a:schemeClr val="lt1"/>
+          </a:fontRef>
+        </p:style>
+      </p:sp>
+      <p:sp>
+        <p:nvSpPr>
+          <p:cNvPr id="36" name="Rectangle 21">
+            <a:extLst>
+              <a:ext uri="{FF2B5EF4-FFF2-40B4-BE49-F238E27FC236}">
+                <a16:creationId xmlns:a16="http://schemas.microsoft.com/office/drawing/2014/main" id="{B4AAD3FD-83A5-4B89-9F8F-01B8870865BE}"/>
+              </a:ext>
+              <a:ext uri="{C183D7F6-B498-43B3-948B-1728B52AA6E4}">
+                <adec:decorative xmlns:adec="http://schemas.microsoft.com/office/drawing/2017/decorative" val="1"/>
+              </a:ext>
+            </a:extLst>
+          </p:cNvPr>
+          <p:cNvSpPr>
+            <a:spLocks noGrp="1" noRot="1" noChangeAspect="1" noMove="1" noResize="1" noEditPoints="1" noAdjustHandles="1" noChangeArrowheads="1" noChangeShapeType="1" noTextEdit="1"/>
+          </p:cNvSpPr>
+          <p:nvPr>
+            <p:extLst>
+              <p:ext uri="{386F3935-93C4-4BCD-93E2-E3B085C9AB24}">
+                <p16:designElem xmlns:p16="http://schemas.microsoft.com/office/powerpoint/2015/main" val="1"/>
+              </p:ext>
+            </p:extLst>
+          </p:nvPr>
+        </p:nvSpPr>
+        <p:spPr>
+          <a:xfrm>
+            <a:off x="0" y="0"/>
+            <a:ext cx="12192000" cy="6858000"/>
+          </a:xfrm>
+          <a:prstGeom prst="rect">
+            <a:avLst/>
+          </a:prstGeom>
+          <a:ln>
+            <a:noFill/>
+          </a:ln>
+        </p:spPr>
+        <p:style>
+          <a:lnRef idx="2">
+            <a:schemeClr val="accent1">
+              <a:shade val="50000"/>
+            </a:schemeClr>
+          </a:lnRef>
+          <a:fillRef idx="1003">
+            <a:schemeClr val="dk2"/>
+          </a:fillRef>
+          <a:effectRef idx="0">
+            <a:schemeClr val="accent1"/>
+          </a:effectRef>
+          <a:fontRef idx="minor">
+            <a:schemeClr val="lt1"/>
+          </a:fontRef>
+        </p:style>
+        <p:txBody>
+          <a:bodyPr rtlCol="0" anchor="ctr"/>
+          <a:lstStyle/>
+          <a:p>
+            <a:pPr algn="ctr"/>
+            <a:endParaRPr lang="en-US"/>
+          </a:p>
+        </p:txBody>
+      </p:sp>
       <p:sp>
         <p:nvSpPr>
           <p:cNvPr id="2" name="Title 1">
@@ -27257,19 +34168,1190 @@
             <p:ph type="title"/>
           </p:nvPr>
         </p:nvSpPr>
-        <p:spPr/>
+        <p:spPr>
+          <a:xfrm>
+            <a:off x="648930" y="629266"/>
+            <a:ext cx="4442819" cy="1622321"/>
+          </a:xfrm>
+        </p:spPr>
         <p:txBody>
-          <a:bodyPr/>
+          <a:bodyPr vert="horz" lIns="91440" tIns="45720" rIns="91440" bIns="45720" rtlCol="0" anchor="t">
+            <a:normAutofit fontScale="90000"/>
+          </a:bodyPr>
           <a:lstStyle/>
           <a:p>
-            <a:endParaRPr lang="en-IN" dirty="0"/>
+            <a:r>
+              <a:rPr lang="en-US" b="0" i="0" kern="1200" dirty="0">
+                <a:solidFill>
+                  <a:srgbClr val="EBEBEB"/>
+                </a:solidFill>
+                <a:latin typeface="+mj-lt"/>
+                <a:ea typeface="+mj-ea"/>
+                <a:cs typeface="+mj-cs"/>
+              </a:rPr>
+              <a:t>How much Predictive power?</a:t>
+            </a:r>
           </a:p>
         </p:txBody>
       </p:sp>
+      <p:sp>
+        <p:nvSpPr>
+          <p:cNvPr id="37" name="Freeform 31">
+            <a:extLst>
+              <a:ext uri="{FF2B5EF4-FFF2-40B4-BE49-F238E27FC236}">
+                <a16:creationId xmlns:a16="http://schemas.microsoft.com/office/drawing/2014/main" id="{61752F1D-FC0F-4103-9584-630E643CCDA6}"/>
+              </a:ext>
+              <a:ext uri="{C183D7F6-B498-43B3-948B-1728B52AA6E4}">
+                <adec:decorative xmlns:adec="http://schemas.microsoft.com/office/drawing/2017/decorative" val="1"/>
+              </a:ext>
+            </a:extLst>
+          </p:cNvPr>
+          <p:cNvSpPr>
+            <a:spLocks noGrp="1" noRot="1" noChangeAspect="1" noMove="1" noResize="1" noEditPoints="1" noAdjustHandles="1" noChangeArrowheads="1" noChangeShapeType="1" noTextEdit="1"/>
+          </p:cNvSpPr>
+          <p:nvPr>
+            <p:extLst>
+              <p:ext uri="{386F3935-93C4-4BCD-93E2-E3B085C9AB24}">
+                <p16:designElem xmlns:p16="http://schemas.microsoft.com/office/powerpoint/2015/main" val="1"/>
+              </p:ext>
+            </p:extLst>
+          </p:nvPr>
+        </p:nvSpPr>
+        <p:spPr>
+          <a:xfrm>
+            <a:off x="4994020" y="-1"/>
+            <a:ext cx="559472" cy="3709642"/>
+          </a:xfrm>
+          <a:custGeom>
+            <a:avLst/>
+            <a:gdLst>
+              <a:gd name="connsiteX0" fmla="*/ 0 w 559472"/>
+              <a:gd name="connsiteY0" fmla="*/ 0 h 3709642"/>
+              <a:gd name="connsiteX1" fmla="*/ 473952 w 559472"/>
+              <a:gd name="connsiteY1" fmla="*/ 0 h 3709642"/>
+              <a:gd name="connsiteX2" fmla="*/ 485840 w 559472"/>
+              <a:gd name="connsiteY2" fmla="*/ 161194 h 3709642"/>
+              <a:gd name="connsiteX3" fmla="*/ 523949 w 559472"/>
+              <a:gd name="connsiteY3" fmla="*/ 3672197 h 3709642"/>
+              <a:gd name="connsiteX4" fmla="*/ 454748 w 559472"/>
+              <a:gd name="connsiteY4" fmla="*/ 3709642 h 3709642"/>
+              <a:gd name="connsiteX5" fmla="*/ 448224 w 559472"/>
+              <a:gd name="connsiteY5" fmla="*/ 3510471 h 3709642"/>
+              <a:gd name="connsiteX6" fmla="*/ 443564 w 559472"/>
+              <a:gd name="connsiteY6" fmla="*/ 3408563 h 3709642"/>
+              <a:gd name="connsiteX7" fmla="*/ 438902 w 559472"/>
+              <a:gd name="connsiteY7" fmla="*/ 3304407 h 3709642"/>
+              <a:gd name="connsiteX8" fmla="*/ 433941 w 559472"/>
+              <a:gd name="connsiteY8" fmla="*/ 3198777 h 3709642"/>
+              <a:gd name="connsiteX9" fmla="*/ 427584 w 559472"/>
+              <a:gd name="connsiteY9" fmla="*/ 3092510 h 3709642"/>
+              <a:gd name="connsiteX10" fmla="*/ 420988 w 559472"/>
+              <a:gd name="connsiteY10" fmla="*/ 2984390 h 3709642"/>
+              <a:gd name="connsiteX11" fmla="*/ 414330 w 559472"/>
+              <a:gd name="connsiteY11" fmla="*/ 2874401 h 3709642"/>
+              <a:gd name="connsiteX12" fmla="*/ 406840 w 559472"/>
+              <a:gd name="connsiteY12" fmla="*/ 2762980 h 3709642"/>
+              <a:gd name="connsiteX13" fmla="*/ 397745 w 559472"/>
+              <a:gd name="connsiteY13" fmla="*/ 2650566 h 3709642"/>
+              <a:gd name="connsiteX14" fmla="*/ 389154 w 559472"/>
+              <a:gd name="connsiteY14" fmla="*/ 2536612 h 3709642"/>
+              <a:gd name="connsiteX15" fmla="*/ 379225 w 559472"/>
+              <a:gd name="connsiteY15" fmla="*/ 2421642 h 3709642"/>
+              <a:gd name="connsiteX16" fmla="*/ 368316 w 559472"/>
+              <a:gd name="connsiteY16" fmla="*/ 2305627 h 3709642"/>
+              <a:gd name="connsiteX17" fmla="*/ 357466 w 559472"/>
+              <a:gd name="connsiteY17" fmla="*/ 2189233 h 3709642"/>
+              <a:gd name="connsiteX18" fmla="*/ 344982 w 559472"/>
+              <a:gd name="connsiteY18" fmla="*/ 2071473 h 3709642"/>
+              <a:gd name="connsiteX19" fmla="*/ 332466 w 559472"/>
+              <a:gd name="connsiteY19" fmla="*/ 1952216 h 3709642"/>
+              <a:gd name="connsiteX20" fmla="*/ 319121 w 559472"/>
+              <a:gd name="connsiteY20" fmla="*/ 1833776 h 3709642"/>
+              <a:gd name="connsiteX21" fmla="*/ 304408 w 559472"/>
+              <a:gd name="connsiteY21" fmla="*/ 1713948 h 3709642"/>
+              <a:gd name="connsiteX22" fmla="*/ 288685 w 559472"/>
+              <a:gd name="connsiteY22" fmla="*/ 1592703 h 3709642"/>
+              <a:gd name="connsiteX23" fmla="*/ 273050 w 559472"/>
+              <a:gd name="connsiteY23" fmla="*/ 1471451 h 3709642"/>
+              <a:gd name="connsiteX24" fmla="*/ 255813 w 559472"/>
+              <a:gd name="connsiteY24" fmla="*/ 1350328 h 3709642"/>
+              <a:gd name="connsiteX25" fmla="*/ 237060 w 559472"/>
+              <a:gd name="connsiteY25" fmla="*/ 1227080 h 3709642"/>
+              <a:gd name="connsiteX26" fmla="*/ 218488 w 559472"/>
+              <a:gd name="connsiteY26" fmla="*/ 1106065 h 3709642"/>
+              <a:gd name="connsiteX27" fmla="*/ 198221 w 559472"/>
+              <a:gd name="connsiteY27" fmla="*/ 982940 h 3709642"/>
+              <a:gd name="connsiteX28" fmla="*/ 177152 w 559472"/>
+              <a:gd name="connsiteY28" fmla="*/ 858755 h 3709642"/>
+              <a:gd name="connsiteX29" fmla="*/ 155551 w 559472"/>
+              <a:gd name="connsiteY29" fmla="*/ 736861 h 3709642"/>
+              <a:gd name="connsiteX30" fmla="*/ 131782 w 559472"/>
+              <a:gd name="connsiteY30" fmla="*/ 613645 h 3709642"/>
+              <a:gd name="connsiteX31" fmla="*/ 107123 w 559472"/>
+              <a:gd name="connsiteY31" fmla="*/ 490500 h 3709642"/>
+              <a:gd name="connsiteX32" fmla="*/ 82552 w 559472"/>
+              <a:gd name="connsiteY32" fmla="*/ 367348 h 3709642"/>
+              <a:gd name="connsiteX33" fmla="*/ 55608 w 559472"/>
+              <a:gd name="connsiteY33" fmla="*/ 244762 h 3709642"/>
+              <a:gd name="connsiteX34" fmla="*/ 28130 w 559472"/>
+              <a:gd name="connsiteY34" fmla="*/ 122220 h 3709642"/>
+              <a:gd name="connsiteX35" fmla="*/ 0 w 559472"/>
+              <a:gd name="connsiteY35" fmla="*/ 0 h 3709642"/>
+            </a:gdLst>
+            <a:ahLst/>
+            <a:cxnLst>
+              <a:cxn ang="0">
+                <a:pos x="connsiteX0" y="connsiteY0"/>
+              </a:cxn>
+              <a:cxn ang="0">
+                <a:pos x="connsiteX1" y="connsiteY1"/>
+              </a:cxn>
+              <a:cxn ang="0">
+                <a:pos x="connsiteX2" y="connsiteY2"/>
+              </a:cxn>
+              <a:cxn ang="0">
+                <a:pos x="connsiteX3" y="connsiteY3"/>
+              </a:cxn>
+              <a:cxn ang="0">
+                <a:pos x="connsiteX4" y="connsiteY4"/>
+              </a:cxn>
+              <a:cxn ang="0">
+                <a:pos x="connsiteX5" y="connsiteY5"/>
+              </a:cxn>
+              <a:cxn ang="0">
+                <a:pos x="connsiteX6" y="connsiteY6"/>
+              </a:cxn>
+              <a:cxn ang="0">
+                <a:pos x="connsiteX7" y="connsiteY7"/>
+              </a:cxn>
+              <a:cxn ang="0">
+                <a:pos x="connsiteX8" y="connsiteY8"/>
+              </a:cxn>
+              <a:cxn ang="0">
+                <a:pos x="connsiteX9" y="connsiteY9"/>
+              </a:cxn>
+              <a:cxn ang="0">
+                <a:pos x="connsiteX10" y="connsiteY10"/>
+              </a:cxn>
+              <a:cxn ang="0">
+                <a:pos x="connsiteX11" y="connsiteY11"/>
+              </a:cxn>
+              <a:cxn ang="0">
+                <a:pos x="connsiteX12" y="connsiteY12"/>
+              </a:cxn>
+              <a:cxn ang="0">
+                <a:pos x="connsiteX13" y="connsiteY13"/>
+              </a:cxn>
+              <a:cxn ang="0">
+                <a:pos x="connsiteX14" y="connsiteY14"/>
+              </a:cxn>
+              <a:cxn ang="0">
+                <a:pos x="connsiteX15" y="connsiteY15"/>
+              </a:cxn>
+              <a:cxn ang="0">
+                <a:pos x="connsiteX16" y="connsiteY16"/>
+              </a:cxn>
+              <a:cxn ang="0">
+                <a:pos x="connsiteX17" y="connsiteY17"/>
+              </a:cxn>
+              <a:cxn ang="0">
+                <a:pos x="connsiteX18" y="connsiteY18"/>
+              </a:cxn>
+              <a:cxn ang="0">
+                <a:pos x="connsiteX19" y="connsiteY19"/>
+              </a:cxn>
+              <a:cxn ang="0">
+                <a:pos x="connsiteX20" y="connsiteY20"/>
+              </a:cxn>
+              <a:cxn ang="0">
+                <a:pos x="connsiteX21" y="connsiteY21"/>
+              </a:cxn>
+              <a:cxn ang="0">
+                <a:pos x="connsiteX22" y="connsiteY22"/>
+              </a:cxn>
+              <a:cxn ang="0">
+                <a:pos x="connsiteX23" y="connsiteY23"/>
+              </a:cxn>
+              <a:cxn ang="0">
+                <a:pos x="connsiteX24" y="connsiteY24"/>
+              </a:cxn>
+              <a:cxn ang="0">
+                <a:pos x="connsiteX25" y="connsiteY25"/>
+              </a:cxn>
+              <a:cxn ang="0">
+                <a:pos x="connsiteX26" y="connsiteY26"/>
+              </a:cxn>
+              <a:cxn ang="0">
+                <a:pos x="connsiteX27" y="connsiteY27"/>
+              </a:cxn>
+              <a:cxn ang="0">
+                <a:pos x="connsiteX28" y="connsiteY28"/>
+              </a:cxn>
+              <a:cxn ang="0">
+                <a:pos x="connsiteX29" y="connsiteY29"/>
+              </a:cxn>
+              <a:cxn ang="0">
+                <a:pos x="connsiteX30" y="connsiteY30"/>
+              </a:cxn>
+              <a:cxn ang="0">
+                <a:pos x="connsiteX31" y="connsiteY31"/>
+              </a:cxn>
+              <a:cxn ang="0">
+                <a:pos x="connsiteX32" y="connsiteY32"/>
+              </a:cxn>
+              <a:cxn ang="0">
+                <a:pos x="connsiteX33" y="connsiteY33"/>
+              </a:cxn>
+              <a:cxn ang="0">
+                <a:pos x="connsiteX34" y="connsiteY34"/>
+              </a:cxn>
+              <a:cxn ang="0">
+                <a:pos x="connsiteX35" y="connsiteY35"/>
+              </a:cxn>
+            </a:cxnLst>
+            <a:rect l="l" t="t" r="r" b="b"/>
+            <a:pathLst>
+              <a:path w="559472" h="3709642">
+                <a:moveTo>
+                  <a:pt x="0" y="0"/>
+                </a:moveTo>
+                <a:lnTo>
+                  <a:pt x="473952" y="0"/>
+                </a:lnTo>
+                <a:lnTo>
+                  <a:pt x="485840" y="161194"/>
+                </a:lnTo>
+                <a:cubicBezTo>
+                  <a:pt x="552063" y="1147770"/>
+                  <a:pt x="592441" y="3086737"/>
+                  <a:pt x="523949" y="3672197"/>
+                </a:cubicBezTo>
+                <a:cubicBezTo>
+                  <a:pt x="500842" y="3684557"/>
+                  <a:pt x="477855" y="3697282"/>
+                  <a:pt x="454748" y="3709642"/>
+                </a:cubicBezTo>
+                <a:lnTo>
+                  <a:pt x="448224" y="3510471"/>
+                </a:lnTo>
+                <a:lnTo>
+                  <a:pt x="443564" y="3408563"/>
+                </a:lnTo>
+                <a:lnTo>
+                  <a:pt x="438902" y="3304407"/>
+                </a:lnTo>
+                <a:lnTo>
+                  <a:pt x="433941" y="3198777"/>
+                </a:lnTo>
+                <a:lnTo>
+                  <a:pt x="427584" y="3092510"/>
+                </a:lnTo>
+                <a:lnTo>
+                  <a:pt x="420988" y="2984390"/>
+                </a:lnTo>
+                <a:lnTo>
+                  <a:pt x="414330" y="2874401"/>
+                </a:lnTo>
+                <a:lnTo>
+                  <a:pt x="406840" y="2762980"/>
+                </a:lnTo>
+                <a:lnTo>
+                  <a:pt x="397745" y="2650566"/>
+                </a:lnTo>
+                <a:lnTo>
+                  <a:pt x="389154" y="2536612"/>
+                </a:lnTo>
+                <a:lnTo>
+                  <a:pt x="379225" y="2421642"/>
+                </a:lnTo>
+                <a:lnTo>
+                  <a:pt x="368316" y="2305627"/>
+                </a:lnTo>
+                <a:lnTo>
+                  <a:pt x="357466" y="2189233"/>
+                </a:lnTo>
+                <a:lnTo>
+                  <a:pt x="344982" y="2071473"/>
+                </a:lnTo>
+                <a:lnTo>
+                  <a:pt x="332466" y="1952216"/>
+                </a:lnTo>
+                <a:lnTo>
+                  <a:pt x="319121" y="1833776"/>
+                </a:lnTo>
+                <a:lnTo>
+                  <a:pt x="304408" y="1713948"/>
+                </a:lnTo>
+                <a:lnTo>
+                  <a:pt x="288685" y="1592703"/>
+                </a:lnTo>
+                <a:lnTo>
+                  <a:pt x="273050" y="1471451"/>
+                </a:lnTo>
+                <a:lnTo>
+                  <a:pt x="255813" y="1350328"/>
+                </a:lnTo>
+                <a:lnTo>
+                  <a:pt x="237060" y="1227080"/>
+                </a:lnTo>
+                <a:lnTo>
+                  <a:pt x="218488" y="1106065"/>
+                </a:lnTo>
+                <a:lnTo>
+                  <a:pt x="198221" y="982940"/>
+                </a:lnTo>
+                <a:lnTo>
+                  <a:pt x="177152" y="858755"/>
+                </a:lnTo>
+                <a:lnTo>
+                  <a:pt x="155551" y="736861"/>
+                </a:lnTo>
+                <a:lnTo>
+                  <a:pt x="131782" y="613645"/>
+                </a:lnTo>
+                <a:lnTo>
+                  <a:pt x="107123" y="490500"/>
+                </a:lnTo>
+                <a:lnTo>
+                  <a:pt x="82552" y="367348"/>
+                </a:lnTo>
+                <a:lnTo>
+                  <a:pt x="55608" y="244762"/>
+                </a:lnTo>
+                <a:lnTo>
+                  <a:pt x="28130" y="122220"/>
+                </a:lnTo>
+                <a:lnTo>
+                  <a:pt x="0" y="0"/>
+                </a:lnTo>
+                <a:close/>
+              </a:path>
+            </a:pathLst>
+          </a:custGeom>
+          <a:solidFill>
+            <a:schemeClr val="bg1">
+              <a:alpha val="20000"/>
+            </a:schemeClr>
+          </a:solidFill>
+          <a:ln>
+            <a:noFill/>
+          </a:ln>
+        </p:spPr>
+        <p:txBody>
+          <a:bodyPr rtlCol="0" anchor="ctr"/>
+          <a:lstStyle/>
+          <a:p>
+            <a:pPr algn="ctr"/>
+            <a:endParaRPr lang="en-US"/>
+          </a:p>
+        </p:txBody>
+      </p:sp>
+      <p:sp useBgFill="1">
+        <p:nvSpPr>
+          <p:cNvPr id="38" name="Freeform: Shape 25">
+            <a:extLst>
+              <a:ext uri="{FF2B5EF4-FFF2-40B4-BE49-F238E27FC236}">
+                <a16:creationId xmlns:a16="http://schemas.microsoft.com/office/drawing/2014/main" id="{70151CB7-E7DE-4917-B831-01DF9CE01306}"/>
+              </a:ext>
+              <a:ext uri="{C183D7F6-B498-43B3-948B-1728B52AA6E4}">
+                <adec:decorative xmlns:adec="http://schemas.microsoft.com/office/drawing/2017/decorative" val="1"/>
+              </a:ext>
+            </a:extLst>
+          </p:cNvPr>
+          <p:cNvSpPr>
+            <a:spLocks noGrp="1" noRot="1" noChangeAspect="1" noMove="1" noResize="1" noEditPoints="1" noAdjustHandles="1" noChangeArrowheads="1" noChangeShapeType="1" noTextEdit="1"/>
+          </p:cNvSpPr>
+          <p:nvPr>
+            <p:extLst>
+              <p:ext uri="{386F3935-93C4-4BCD-93E2-E3B085C9AB24}">
+                <p16:designElem xmlns:p16="http://schemas.microsoft.com/office/powerpoint/2015/main" val="1"/>
+              </p:ext>
+            </p:extLst>
+          </p:nvPr>
+        </p:nvSpPr>
+        <p:spPr bwMode="gray">
+          <a:xfrm rot="16200000">
+            <a:off x="5270819" y="-63600"/>
+            <a:ext cx="6858001" cy="6985200"/>
+          </a:xfrm>
+          <a:custGeom>
+            <a:avLst/>
+            <a:gdLst>
+              <a:gd name="connsiteX0" fmla="*/ 6858001 w 6858001"/>
+              <a:gd name="connsiteY0" fmla="*/ 1177 h 6985200"/>
+              <a:gd name="connsiteX1" fmla="*/ 6858001 w 6858001"/>
+              <a:gd name="connsiteY1" fmla="*/ 1344715 h 6985200"/>
+              <a:gd name="connsiteX2" fmla="*/ 6858000 w 6858001"/>
+              <a:gd name="connsiteY2" fmla="*/ 1344715 h 6985200"/>
+              <a:gd name="connsiteX3" fmla="*/ 6858000 w 6858001"/>
+              <a:gd name="connsiteY3" fmla="*/ 6985200 h 6985200"/>
+              <a:gd name="connsiteX4" fmla="*/ 0 w 6858001"/>
+              <a:gd name="connsiteY4" fmla="*/ 6985199 h 6985200"/>
+              <a:gd name="connsiteX5" fmla="*/ 0 w 6858001"/>
+              <a:gd name="connsiteY5" fmla="*/ 886772 h 6985200"/>
+              <a:gd name="connsiteX6" fmla="*/ 1 w 6858001"/>
+              <a:gd name="connsiteY6" fmla="*/ 886772 h 6985200"/>
+              <a:gd name="connsiteX7" fmla="*/ 1 w 6858001"/>
+              <a:gd name="connsiteY7" fmla="*/ 0 h 6985200"/>
+              <a:gd name="connsiteX8" fmla="*/ 40463 w 6858001"/>
+              <a:gd name="connsiteY8" fmla="*/ 5883 h 6985200"/>
+              <a:gd name="connsiteX9" fmla="*/ 159107 w 6858001"/>
+              <a:gd name="connsiteY9" fmla="*/ 23196 h 6985200"/>
+              <a:gd name="connsiteX10" fmla="*/ 245518 w 6858001"/>
+              <a:gd name="connsiteY10" fmla="*/ 35299 h 6985200"/>
+              <a:gd name="connsiteX11" fmla="*/ 348388 w 6858001"/>
+              <a:gd name="connsiteY11" fmla="*/ 48073 h 6985200"/>
+              <a:gd name="connsiteX12" fmla="*/ 470460 w 6858001"/>
+              <a:gd name="connsiteY12" fmla="*/ 63369 h 6985200"/>
+              <a:gd name="connsiteX13" fmla="*/ 605563 w 6858001"/>
+              <a:gd name="connsiteY13" fmla="*/ 79506 h 6985200"/>
+              <a:gd name="connsiteX14" fmla="*/ 757810 w 6858001"/>
+              <a:gd name="connsiteY14" fmla="*/ 96483 h 6985200"/>
+              <a:gd name="connsiteX15" fmla="*/ 923774 w 6858001"/>
+              <a:gd name="connsiteY15" fmla="*/ 114469 h 6985200"/>
+              <a:gd name="connsiteX16" fmla="*/ 1104139 w 6858001"/>
+              <a:gd name="connsiteY16" fmla="*/ 132454 h 6985200"/>
+              <a:gd name="connsiteX17" fmla="*/ 1296163 w 6858001"/>
+              <a:gd name="connsiteY17" fmla="*/ 150776 h 6985200"/>
+              <a:gd name="connsiteX18" fmla="*/ 1503275 w 6858001"/>
+              <a:gd name="connsiteY18" fmla="*/ 167753 h 6985200"/>
+              <a:gd name="connsiteX19" fmla="*/ 1719988 w 6858001"/>
+              <a:gd name="connsiteY19" fmla="*/ 184058 h 6985200"/>
+              <a:gd name="connsiteX20" fmla="*/ 1949045 w 6858001"/>
+              <a:gd name="connsiteY20" fmla="*/ 198849 h 6985200"/>
+              <a:gd name="connsiteX21" fmla="*/ 2187703 w 6858001"/>
+              <a:gd name="connsiteY21" fmla="*/ 212969 h 6985200"/>
+              <a:gd name="connsiteX22" fmla="*/ 2436649 w 6858001"/>
+              <a:gd name="connsiteY22" fmla="*/ 226248 h 6985200"/>
+              <a:gd name="connsiteX23" fmla="*/ 2564208 w 6858001"/>
+              <a:gd name="connsiteY23" fmla="*/ 230955 h 6985200"/>
+              <a:gd name="connsiteX24" fmla="*/ 2694509 w 6858001"/>
+              <a:gd name="connsiteY24" fmla="*/ 236165 h 6985200"/>
+              <a:gd name="connsiteX25" fmla="*/ 2826869 w 6858001"/>
+              <a:gd name="connsiteY25" fmla="*/ 241040 h 6985200"/>
+              <a:gd name="connsiteX26" fmla="*/ 2959914 w 6858001"/>
+              <a:gd name="connsiteY26" fmla="*/ 244234 h 6985200"/>
+              <a:gd name="connsiteX27" fmla="*/ 3095702 w 6858001"/>
+              <a:gd name="connsiteY27" fmla="*/ 247091 h 6985200"/>
+              <a:gd name="connsiteX28" fmla="*/ 3232862 w 6858001"/>
+              <a:gd name="connsiteY28" fmla="*/ 250117 h 6985200"/>
+              <a:gd name="connsiteX29" fmla="*/ 3372766 w 6858001"/>
+              <a:gd name="connsiteY29" fmla="*/ 252134 h 6985200"/>
+              <a:gd name="connsiteX30" fmla="*/ 3514040 w 6858001"/>
+              <a:gd name="connsiteY30" fmla="*/ 252134 h 6985200"/>
+              <a:gd name="connsiteX31" fmla="*/ 3656686 w 6858001"/>
+              <a:gd name="connsiteY31" fmla="*/ 253142 h 6985200"/>
+              <a:gd name="connsiteX32" fmla="*/ 3800705 w 6858001"/>
+              <a:gd name="connsiteY32" fmla="*/ 252134 h 6985200"/>
+              <a:gd name="connsiteX33" fmla="*/ 3946780 w 6858001"/>
+              <a:gd name="connsiteY33" fmla="*/ 250117 h 6985200"/>
+              <a:gd name="connsiteX34" fmla="*/ 4092856 w 6858001"/>
+              <a:gd name="connsiteY34" fmla="*/ 248268 h 6985200"/>
+              <a:gd name="connsiteX35" fmla="*/ 4240988 w 6858001"/>
+              <a:gd name="connsiteY35" fmla="*/ 244234 h 6985200"/>
+              <a:gd name="connsiteX36" fmla="*/ 4390492 w 6858001"/>
+              <a:gd name="connsiteY36" fmla="*/ 240032 h 6985200"/>
+              <a:gd name="connsiteX37" fmla="*/ 4539997 w 6858001"/>
+              <a:gd name="connsiteY37" fmla="*/ 235157 h 6985200"/>
+              <a:gd name="connsiteX38" fmla="*/ 4690873 w 6858001"/>
+              <a:gd name="connsiteY38" fmla="*/ 228266 h 6985200"/>
+              <a:gd name="connsiteX39" fmla="*/ 4843120 w 6858001"/>
+              <a:gd name="connsiteY39" fmla="*/ 220029 h 6985200"/>
+              <a:gd name="connsiteX40" fmla="*/ 4996054 w 6858001"/>
+              <a:gd name="connsiteY40" fmla="*/ 212129 h 6985200"/>
+              <a:gd name="connsiteX41" fmla="*/ 5148987 w 6858001"/>
+              <a:gd name="connsiteY41" fmla="*/ 202044 h 6985200"/>
+              <a:gd name="connsiteX42" fmla="*/ 5303978 w 6858001"/>
+              <a:gd name="connsiteY42" fmla="*/ 189941 h 6985200"/>
+              <a:gd name="connsiteX43" fmla="*/ 5456911 w 6858001"/>
+              <a:gd name="connsiteY43" fmla="*/ 177839 h 6985200"/>
+              <a:gd name="connsiteX44" fmla="*/ 5612588 w 6858001"/>
+              <a:gd name="connsiteY44" fmla="*/ 163887 h 6985200"/>
+              <a:gd name="connsiteX45" fmla="*/ 5768950 w 6858001"/>
+              <a:gd name="connsiteY45" fmla="*/ 148591 h 6985200"/>
+              <a:gd name="connsiteX46" fmla="*/ 5923255 w 6858001"/>
+              <a:gd name="connsiteY46" fmla="*/ 132455 h 6985200"/>
+              <a:gd name="connsiteX47" fmla="*/ 6079618 w 6858001"/>
+              <a:gd name="connsiteY47" fmla="*/ 113629 h 6985200"/>
+              <a:gd name="connsiteX48" fmla="*/ 6235294 w 6858001"/>
+              <a:gd name="connsiteY48" fmla="*/ 93458 h 6985200"/>
+              <a:gd name="connsiteX49" fmla="*/ 6391657 w 6858001"/>
+              <a:gd name="connsiteY49" fmla="*/ 73455 h 6985200"/>
+              <a:gd name="connsiteX50" fmla="*/ 6547333 w 6858001"/>
+              <a:gd name="connsiteY50" fmla="*/ 50091 h 6985200"/>
+              <a:gd name="connsiteX51" fmla="*/ 6702324 w 6858001"/>
+              <a:gd name="connsiteY51" fmla="*/ 26222 h 6985200"/>
+            </a:gdLst>
+            <a:ahLst/>
+            <a:cxnLst>
+              <a:cxn ang="0">
+                <a:pos x="connsiteX0" y="connsiteY0"/>
+              </a:cxn>
+              <a:cxn ang="0">
+                <a:pos x="connsiteX1" y="connsiteY1"/>
+              </a:cxn>
+              <a:cxn ang="0">
+                <a:pos x="connsiteX2" y="connsiteY2"/>
+              </a:cxn>
+              <a:cxn ang="0">
+                <a:pos x="connsiteX3" y="connsiteY3"/>
+              </a:cxn>
+              <a:cxn ang="0">
+                <a:pos x="connsiteX4" y="connsiteY4"/>
+              </a:cxn>
+              <a:cxn ang="0">
+                <a:pos x="connsiteX5" y="connsiteY5"/>
+              </a:cxn>
+              <a:cxn ang="0">
+                <a:pos x="connsiteX6" y="connsiteY6"/>
+              </a:cxn>
+              <a:cxn ang="0">
+                <a:pos x="connsiteX7" y="connsiteY7"/>
+              </a:cxn>
+              <a:cxn ang="0">
+                <a:pos x="connsiteX8" y="connsiteY8"/>
+              </a:cxn>
+              <a:cxn ang="0">
+                <a:pos x="connsiteX9" y="connsiteY9"/>
+              </a:cxn>
+              <a:cxn ang="0">
+                <a:pos x="connsiteX10" y="connsiteY10"/>
+              </a:cxn>
+              <a:cxn ang="0">
+                <a:pos x="connsiteX11" y="connsiteY11"/>
+              </a:cxn>
+              <a:cxn ang="0">
+                <a:pos x="connsiteX12" y="connsiteY12"/>
+              </a:cxn>
+              <a:cxn ang="0">
+                <a:pos x="connsiteX13" y="connsiteY13"/>
+              </a:cxn>
+              <a:cxn ang="0">
+                <a:pos x="connsiteX14" y="connsiteY14"/>
+              </a:cxn>
+              <a:cxn ang="0">
+                <a:pos x="connsiteX15" y="connsiteY15"/>
+              </a:cxn>
+              <a:cxn ang="0">
+                <a:pos x="connsiteX16" y="connsiteY16"/>
+              </a:cxn>
+              <a:cxn ang="0">
+                <a:pos x="connsiteX17" y="connsiteY17"/>
+              </a:cxn>
+              <a:cxn ang="0">
+                <a:pos x="connsiteX18" y="connsiteY18"/>
+              </a:cxn>
+              <a:cxn ang="0">
+                <a:pos x="connsiteX19" y="connsiteY19"/>
+              </a:cxn>
+              <a:cxn ang="0">
+                <a:pos x="connsiteX20" y="connsiteY20"/>
+              </a:cxn>
+              <a:cxn ang="0">
+                <a:pos x="connsiteX21" y="connsiteY21"/>
+              </a:cxn>
+              <a:cxn ang="0">
+                <a:pos x="connsiteX22" y="connsiteY22"/>
+              </a:cxn>
+              <a:cxn ang="0">
+                <a:pos x="connsiteX23" y="connsiteY23"/>
+              </a:cxn>
+              <a:cxn ang="0">
+                <a:pos x="connsiteX24" y="connsiteY24"/>
+              </a:cxn>
+              <a:cxn ang="0">
+                <a:pos x="connsiteX25" y="connsiteY25"/>
+              </a:cxn>
+              <a:cxn ang="0">
+                <a:pos x="connsiteX26" y="connsiteY26"/>
+              </a:cxn>
+              <a:cxn ang="0">
+                <a:pos x="connsiteX27" y="connsiteY27"/>
+              </a:cxn>
+              <a:cxn ang="0">
+                <a:pos x="connsiteX28" y="connsiteY28"/>
+              </a:cxn>
+              <a:cxn ang="0">
+                <a:pos x="connsiteX29" y="connsiteY29"/>
+              </a:cxn>
+              <a:cxn ang="0">
+                <a:pos x="connsiteX30" y="connsiteY30"/>
+              </a:cxn>
+              <a:cxn ang="0">
+                <a:pos x="connsiteX31" y="connsiteY31"/>
+              </a:cxn>
+              <a:cxn ang="0">
+                <a:pos x="connsiteX32" y="connsiteY32"/>
+              </a:cxn>
+              <a:cxn ang="0">
+                <a:pos x="connsiteX33" y="connsiteY33"/>
+              </a:cxn>
+              <a:cxn ang="0">
+                <a:pos x="connsiteX34" y="connsiteY34"/>
+              </a:cxn>
+              <a:cxn ang="0">
+                <a:pos x="connsiteX35" y="connsiteY35"/>
+              </a:cxn>
+              <a:cxn ang="0">
+                <a:pos x="connsiteX36" y="connsiteY36"/>
+              </a:cxn>
+              <a:cxn ang="0">
+                <a:pos x="connsiteX37" y="connsiteY37"/>
+              </a:cxn>
+              <a:cxn ang="0">
+                <a:pos x="connsiteX38" y="connsiteY38"/>
+              </a:cxn>
+              <a:cxn ang="0">
+                <a:pos x="connsiteX39" y="connsiteY39"/>
+              </a:cxn>
+              <a:cxn ang="0">
+                <a:pos x="connsiteX40" y="connsiteY40"/>
+              </a:cxn>
+              <a:cxn ang="0">
+                <a:pos x="connsiteX41" y="connsiteY41"/>
+              </a:cxn>
+              <a:cxn ang="0">
+                <a:pos x="connsiteX42" y="connsiteY42"/>
+              </a:cxn>
+              <a:cxn ang="0">
+                <a:pos x="connsiteX43" y="connsiteY43"/>
+              </a:cxn>
+              <a:cxn ang="0">
+                <a:pos x="connsiteX44" y="connsiteY44"/>
+              </a:cxn>
+              <a:cxn ang="0">
+                <a:pos x="connsiteX45" y="connsiteY45"/>
+              </a:cxn>
+              <a:cxn ang="0">
+                <a:pos x="connsiteX46" y="connsiteY46"/>
+              </a:cxn>
+              <a:cxn ang="0">
+                <a:pos x="connsiteX47" y="connsiteY47"/>
+              </a:cxn>
+              <a:cxn ang="0">
+                <a:pos x="connsiteX48" y="connsiteY48"/>
+              </a:cxn>
+              <a:cxn ang="0">
+                <a:pos x="connsiteX49" y="connsiteY49"/>
+              </a:cxn>
+              <a:cxn ang="0">
+                <a:pos x="connsiteX50" y="connsiteY50"/>
+              </a:cxn>
+              <a:cxn ang="0">
+                <a:pos x="connsiteX51" y="connsiteY51"/>
+              </a:cxn>
+            </a:cxnLst>
+            <a:rect l="l" t="t" r="r" b="b"/>
+            <a:pathLst>
+              <a:path w="6858001" h="6985200">
+                <a:moveTo>
+                  <a:pt x="6858001" y="1177"/>
+                </a:moveTo>
+                <a:lnTo>
+                  <a:pt x="6858001" y="1344715"/>
+                </a:lnTo>
+                <a:lnTo>
+                  <a:pt x="6858000" y="1344715"/>
+                </a:lnTo>
+                <a:lnTo>
+                  <a:pt x="6858000" y="6985200"/>
+                </a:lnTo>
+                <a:lnTo>
+                  <a:pt x="0" y="6985199"/>
+                </a:lnTo>
+                <a:lnTo>
+                  <a:pt x="0" y="886772"/>
+                </a:lnTo>
+                <a:lnTo>
+                  <a:pt x="1" y="886772"/>
+                </a:lnTo>
+                <a:lnTo>
+                  <a:pt x="1" y="0"/>
+                </a:lnTo>
+                <a:lnTo>
+                  <a:pt x="40463" y="5883"/>
+                </a:lnTo>
+                <a:lnTo>
+                  <a:pt x="159107" y="23196"/>
+                </a:lnTo>
+                <a:lnTo>
+                  <a:pt x="245518" y="35299"/>
+                </a:lnTo>
+                <a:lnTo>
+                  <a:pt x="348388" y="48073"/>
+                </a:lnTo>
+                <a:lnTo>
+                  <a:pt x="470460" y="63369"/>
+                </a:lnTo>
+                <a:lnTo>
+                  <a:pt x="605563" y="79506"/>
+                </a:lnTo>
+                <a:lnTo>
+                  <a:pt x="757810" y="96483"/>
+                </a:lnTo>
+                <a:lnTo>
+                  <a:pt x="923774" y="114469"/>
+                </a:lnTo>
+                <a:lnTo>
+                  <a:pt x="1104139" y="132454"/>
+                </a:lnTo>
+                <a:lnTo>
+                  <a:pt x="1296163" y="150776"/>
+                </a:lnTo>
+                <a:lnTo>
+                  <a:pt x="1503275" y="167753"/>
+                </a:lnTo>
+                <a:lnTo>
+                  <a:pt x="1719988" y="184058"/>
+                </a:lnTo>
+                <a:lnTo>
+                  <a:pt x="1949045" y="198849"/>
+                </a:lnTo>
+                <a:lnTo>
+                  <a:pt x="2187703" y="212969"/>
+                </a:lnTo>
+                <a:lnTo>
+                  <a:pt x="2436649" y="226248"/>
+                </a:lnTo>
+                <a:lnTo>
+                  <a:pt x="2564208" y="230955"/>
+                </a:lnTo>
+                <a:lnTo>
+                  <a:pt x="2694509" y="236165"/>
+                </a:lnTo>
+                <a:lnTo>
+                  <a:pt x="2826869" y="241040"/>
+                </a:lnTo>
+                <a:lnTo>
+                  <a:pt x="2959914" y="244234"/>
+                </a:lnTo>
+                <a:lnTo>
+                  <a:pt x="3095702" y="247091"/>
+                </a:lnTo>
+                <a:lnTo>
+                  <a:pt x="3232862" y="250117"/>
+                </a:lnTo>
+                <a:lnTo>
+                  <a:pt x="3372766" y="252134"/>
+                </a:lnTo>
+                <a:lnTo>
+                  <a:pt x="3514040" y="252134"/>
+                </a:lnTo>
+                <a:lnTo>
+                  <a:pt x="3656686" y="253142"/>
+                </a:lnTo>
+                <a:lnTo>
+                  <a:pt x="3800705" y="252134"/>
+                </a:lnTo>
+                <a:lnTo>
+                  <a:pt x="3946780" y="250117"/>
+                </a:lnTo>
+                <a:lnTo>
+                  <a:pt x="4092856" y="248268"/>
+                </a:lnTo>
+                <a:lnTo>
+                  <a:pt x="4240988" y="244234"/>
+                </a:lnTo>
+                <a:lnTo>
+                  <a:pt x="4390492" y="240032"/>
+                </a:lnTo>
+                <a:lnTo>
+                  <a:pt x="4539997" y="235157"/>
+                </a:lnTo>
+                <a:lnTo>
+                  <a:pt x="4690873" y="228266"/>
+                </a:lnTo>
+                <a:lnTo>
+                  <a:pt x="4843120" y="220029"/>
+                </a:lnTo>
+                <a:lnTo>
+                  <a:pt x="4996054" y="212129"/>
+                </a:lnTo>
+                <a:lnTo>
+                  <a:pt x="5148987" y="202044"/>
+                </a:lnTo>
+                <a:lnTo>
+                  <a:pt x="5303978" y="189941"/>
+                </a:lnTo>
+                <a:lnTo>
+                  <a:pt x="5456911" y="177839"/>
+                </a:lnTo>
+                <a:lnTo>
+                  <a:pt x="5612588" y="163887"/>
+                </a:lnTo>
+                <a:lnTo>
+                  <a:pt x="5768950" y="148591"/>
+                </a:lnTo>
+                <a:lnTo>
+                  <a:pt x="5923255" y="132455"/>
+                </a:lnTo>
+                <a:lnTo>
+                  <a:pt x="6079618" y="113629"/>
+                </a:lnTo>
+                <a:lnTo>
+                  <a:pt x="6235294" y="93458"/>
+                </a:lnTo>
+                <a:lnTo>
+                  <a:pt x="6391657" y="73455"/>
+                </a:lnTo>
+                <a:lnTo>
+                  <a:pt x="6547333" y="50091"/>
+                </a:lnTo>
+                <a:lnTo>
+                  <a:pt x="6702324" y="26222"/>
+                </a:lnTo>
+                <a:close/>
+              </a:path>
+            </a:pathLst>
+          </a:custGeom>
+          <a:ln>
+            <a:noFill/>
+          </a:ln>
+        </p:spPr>
+      </p:sp>
+      <p:sp>
+        <p:nvSpPr>
+          <p:cNvPr id="39" name="Rectangle 27">
+            <a:extLst>
+              <a:ext uri="{FF2B5EF4-FFF2-40B4-BE49-F238E27FC236}">
+                <a16:creationId xmlns:a16="http://schemas.microsoft.com/office/drawing/2014/main" id="{A92A1116-1C84-41DF-B803-1F7B0883EC82}"/>
+              </a:ext>
+              <a:ext uri="{C183D7F6-B498-43B3-948B-1728B52AA6E4}">
+                <adec:decorative xmlns:adec="http://schemas.microsoft.com/office/drawing/2017/decorative" val="1"/>
+              </a:ext>
+            </a:extLst>
+          </p:cNvPr>
+          <p:cNvSpPr>
+            <a:spLocks noGrp="1" noRot="1" noChangeAspect="1" noMove="1" noResize="1" noEditPoints="1" noAdjustHandles="1" noChangeArrowheads="1" noChangeShapeType="1" noTextEdit="1"/>
+          </p:cNvSpPr>
+          <p:nvPr>
+            <p:extLst>
+              <p:ext uri="{386F3935-93C4-4BCD-93E2-E3B085C9AB24}">
+                <p16:designElem xmlns:p16="http://schemas.microsoft.com/office/powerpoint/2015/main" val="1"/>
+              </p:ext>
+            </p:extLst>
+          </p:nvPr>
+        </p:nvSpPr>
+        <p:spPr>
+          <a:xfrm>
+            <a:off x="10442448" y="0"/>
+            <a:ext cx="685800" cy="1143000"/>
+          </a:xfrm>
+          <a:prstGeom prst="rect">
+            <a:avLst/>
+          </a:prstGeom>
+          <a:solidFill>
+            <a:schemeClr val="accent1"/>
+          </a:solidFill>
+          <a:ln>
+            <a:noFill/>
+          </a:ln>
+        </p:spPr>
+        <p:style>
+          <a:lnRef idx="1">
+            <a:schemeClr val="accent1"/>
+          </a:lnRef>
+          <a:fillRef idx="3">
+            <a:schemeClr val="accent1"/>
+          </a:fillRef>
+          <a:effectRef idx="2">
+            <a:schemeClr val="accent1"/>
+          </a:effectRef>
+          <a:fontRef idx="minor">
+            <a:schemeClr val="lt1"/>
+          </a:fontRef>
+        </p:style>
+      </p:sp>
+      <p:sp>
+        <p:nvSpPr>
+          <p:cNvPr id="5" name="TextBox 4">
+            <a:extLst>
+              <a:ext uri="{FF2B5EF4-FFF2-40B4-BE49-F238E27FC236}">
+                <a16:creationId xmlns:a16="http://schemas.microsoft.com/office/drawing/2014/main" id="{EFDC6CD1-9D6B-4933-BA6D-EF799D56F3FB}"/>
+              </a:ext>
+            </a:extLst>
+          </p:cNvPr>
+          <p:cNvSpPr txBox="1"/>
+          <p:nvPr/>
+        </p:nvSpPr>
+        <p:spPr>
+          <a:xfrm>
+            <a:off x="648931" y="2438400"/>
+            <a:ext cx="4166509" cy="3785419"/>
+          </a:xfrm>
+          <a:prstGeom prst="rect">
+            <a:avLst/>
+          </a:prstGeom>
+        </p:spPr>
+        <p:txBody>
+          <a:bodyPr vert="horz" lIns="91440" tIns="45720" rIns="91440" bIns="45720" rtlCol="0">
+            <a:normAutofit/>
+          </a:bodyPr>
+          <a:lstStyle/>
+          <a:p>
+            <a:pPr marL="285750" indent="-285750">
+              <a:spcBef>
+                <a:spcPts val="1000"/>
+              </a:spcBef>
+              <a:buClr>
+                <a:schemeClr val="bg2">
+                  <a:lumMod val="40000"/>
+                  <a:lumOff val="60000"/>
+                </a:schemeClr>
+              </a:buClr>
+              <a:buSzPct val="80000"/>
+              <a:buFont typeface="Wingdings 3" charset="2"/>
+              <a:buChar char=""/>
+            </a:pPr>
+            <a:r>
+              <a:rPr lang="en-US" dirty="0">
+                <a:solidFill>
+                  <a:srgbClr val="EBEBEB"/>
+                </a:solidFill>
+                <a:latin typeface="+mj-lt"/>
+                <a:ea typeface="+mj-ea"/>
+                <a:cs typeface="+mj-cs"/>
+              </a:rPr>
+              <a:t>A model has some predictive power if the log-loss is less than a random guess log-loss</a:t>
+            </a:r>
+          </a:p>
+          <a:p>
+            <a:pPr marL="285750" indent="-285750">
+              <a:spcBef>
+                <a:spcPts val="1000"/>
+              </a:spcBef>
+              <a:buClr>
+                <a:schemeClr val="bg2">
+                  <a:lumMod val="40000"/>
+                  <a:lumOff val="60000"/>
+                </a:schemeClr>
+              </a:buClr>
+              <a:buSzPct val="80000"/>
+              <a:buFont typeface="Wingdings 3" charset="2"/>
+              <a:buChar char=""/>
+            </a:pPr>
+            <a:r>
+              <a:rPr lang="en-US" dirty="0">
+                <a:solidFill>
+                  <a:srgbClr val="EBEBEB"/>
+                </a:solidFill>
+                <a:latin typeface="+mj-lt"/>
+                <a:ea typeface="+mj-ea"/>
+                <a:cs typeface="+mj-cs"/>
+              </a:rPr>
+              <a:t>For all the 8 datasets, at least one model performed better than random guessing</a:t>
+            </a:r>
+          </a:p>
+          <a:p>
+            <a:pPr marL="285750" indent="-285750">
+              <a:spcBef>
+                <a:spcPts val="1000"/>
+              </a:spcBef>
+              <a:buClr>
+                <a:schemeClr val="bg2">
+                  <a:lumMod val="40000"/>
+                  <a:lumOff val="60000"/>
+                </a:schemeClr>
+              </a:buClr>
+              <a:buSzPct val="80000"/>
+              <a:buFont typeface="Wingdings 3" charset="2"/>
+              <a:buChar char=""/>
+            </a:pPr>
+            <a:endParaRPr lang="en-US" dirty="0">
+              <a:solidFill>
+                <a:srgbClr val="EBEBEB"/>
+              </a:solidFill>
+              <a:latin typeface="+mj-lt"/>
+              <a:ea typeface="+mj-ea"/>
+              <a:cs typeface="+mj-cs"/>
+            </a:endParaRPr>
+          </a:p>
+        </p:txBody>
+      </p:sp>
+      <p:graphicFrame>
+        <p:nvGraphicFramePr>
+          <p:cNvPr id="4" name="Chart 3">
+            <a:extLst>
+              <a:ext uri="{FF2B5EF4-FFF2-40B4-BE49-F238E27FC236}">
+                <a16:creationId xmlns:a16="http://schemas.microsoft.com/office/drawing/2014/main" id="{0C317FEC-6557-434B-9FBF-D883658808B5}"/>
+              </a:ext>
+            </a:extLst>
+          </p:cNvPr>
+          <p:cNvGraphicFramePr>
+            <a:graphicFrameLocks/>
+          </p:cNvGraphicFramePr>
+          <p:nvPr>
+            <p:extLst>
+              <p:ext uri="{D42A27DB-BD31-4B8C-83A1-F6EECF244321}">
+                <p14:modId xmlns:p14="http://schemas.microsoft.com/office/powerpoint/2010/main" val="2357252784"/>
+              </p:ext>
+            </p:extLst>
+          </p:nvPr>
+        </p:nvGraphicFramePr>
+        <p:xfrm>
+          <a:off x="5867502" y="1269507"/>
+          <a:ext cx="5676379" cy="4940792"/>
+        </p:xfrm>
+        <a:graphic>
+          <a:graphicData uri="http://schemas.openxmlformats.org/drawingml/2006/chart">
+            <c:chart xmlns:c="http://schemas.openxmlformats.org/drawingml/2006/chart" xmlns:r="http://schemas.openxmlformats.org/officeDocument/2006/relationships" r:id="rId6"/>
+          </a:graphicData>
+        </a:graphic>
+      </p:graphicFrame>
     </p:spTree>
     <p:extLst>
       <p:ext uri="{BB962C8B-B14F-4D97-AF65-F5344CB8AC3E}">
         <p14:creationId xmlns:p14="http://schemas.microsoft.com/office/powerpoint/2010/main" val="2179397024"/>
+      </p:ext>
+    </p:extLst>
+  </p:cSld>
+  <p:clrMapOvr>
+    <a:overrideClrMapping bg1="lt1" tx1="dk1" bg2="lt2" tx2="dk2" accent1="accent1" accent2="accent2" accent3="accent3" accent4="accent4" accent5="accent5" accent6="accent6" hlink="hlink" folHlink="folHlink"/>
+  </p:clrMapOvr>
+</p:sld>
+</file>
+
+<file path=ppt/slides/slide11.xml><?xml version="1.0" encoding="utf-8"?>
+<p:sld xmlns:a="http://schemas.openxmlformats.org/drawingml/2006/main" xmlns:r="http://schemas.openxmlformats.org/officeDocument/2006/relationships" xmlns:p="http://schemas.openxmlformats.org/presentationml/2006/main">
+  <p:cSld>
+    <p:spTree>
+      <p:nvGrpSpPr>
+        <p:cNvPr id="1" name=""/>
+        <p:cNvGrpSpPr/>
+        <p:nvPr/>
+      </p:nvGrpSpPr>
+      <p:grpSpPr>
+        <a:xfrm>
+          <a:off x="0" y="0"/>
+          <a:ext cx="0" cy="0"/>
+          <a:chOff x="0" y="0"/>
+          <a:chExt cx="0" cy="0"/>
+        </a:xfrm>
+      </p:grpSpPr>
+      <p:graphicFrame>
+        <p:nvGraphicFramePr>
+          <p:cNvPr id="5" name="Chart 4">
+            <a:extLst>
+              <a:ext uri="{FF2B5EF4-FFF2-40B4-BE49-F238E27FC236}">
+                <a16:creationId xmlns:a16="http://schemas.microsoft.com/office/drawing/2014/main" id="{BD7E37BA-7C09-4E2E-8457-534BECA3371D}"/>
+              </a:ext>
+            </a:extLst>
+          </p:cNvPr>
+          <p:cNvGraphicFramePr>
+            <a:graphicFrameLocks/>
+          </p:cNvGraphicFramePr>
+          <p:nvPr>
+            <p:extLst>
+              <p:ext uri="{D42A27DB-BD31-4B8C-83A1-F6EECF244321}">
+                <p14:modId xmlns:p14="http://schemas.microsoft.com/office/powerpoint/2010/main" val="560677631"/>
+              </p:ext>
+            </p:extLst>
+          </p:nvPr>
+        </p:nvGraphicFramePr>
+        <p:xfrm>
+          <a:off x="652184" y="549000"/>
+          <a:ext cx="5040000" cy="2880000"/>
+        </p:xfrm>
+        <a:graphic>
+          <a:graphicData uri="http://schemas.openxmlformats.org/drawingml/2006/chart">
+            <c:chart xmlns:c="http://schemas.openxmlformats.org/drawingml/2006/chart" xmlns:r="http://schemas.openxmlformats.org/officeDocument/2006/relationships" r:id="rId2"/>
+          </a:graphicData>
+        </a:graphic>
+      </p:graphicFrame>
+      <p:graphicFrame>
+        <p:nvGraphicFramePr>
+          <p:cNvPr id="6" name="Chart 5">
+            <a:extLst>
+              <a:ext uri="{FF2B5EF4-FFF2-40B4-BE49-F238E27FC236}">
+                <a16:creationId xmlns:a16="http://schemas.microsoft.com/office/drawing/2014/main" id="{10403EA0-8CB9-461D-A644-BAC4C6D12AEC}"/>
+              </a:ext>
+            </a:extLst>
+          </p:cNvPr>
+          <p:cNvGraphicFramePr>
+            <a:graphicFrameLocks/>
+          </p:cNvGraphicFramePr>
+          <p:nvPr>
+            <p:extLst>
+              <p:ext uri="{D42A27DB-BD31-4B8C-83A1-F6EECF244321}">
+                <p14:modId xmlns:p14="http://schemas.microsoft.com/office/powerpoint/2010/main" val="2089530438"/>
+              </p:ext>
+            </p:extLst>
+          </p:nvPr>
+        </p:nvGraphicFramePr>
+        <p:xfrm>
+          <a:off x="6096000" y="503196"/>
+          <a:ext cx="5040000" cy="2880000"/>
+        </p:xfrm>
+        <a:graphic>
+          <a:graphicData uri="http://schemas.openxmlformats.org/drawingml/2006/chart">
+            <c:chart xmlns:c="http://schemas.openxmlformats.org/drawingml/2006/chart" xmlns:r="http://schemas.openxmlformats.org/officeDocument/2006/relationships" r:id="rId3"/>
+          </a:graphicData>
+        </a:graphic>
+      </p:graphicFrame>
+      <p:graphicFrame>
+        <p:nvGraphicFramePr>
+          <p:cNvPr id="7" name="Chart 6">
+            <a:extLst>
+              <a:ext uri="{FF2B5EF4-FFF2-40B4-BE49-F238E27FC236}">
+                <a16:creationId xmlns:a16="http://schemas.microsoft.com/office/drawing/2014/main" id="{BCF36F36-2C09-4209-BFAA-644991FFE9BB}"/>
+              </a:ext>
+            </a:extLst>
+          </p:cNvPr>
+          <p:cNvGraphicFramePr>
+            <a:graphicFrameLocks/>
+          </p:cNvGraphicFramePr>
+          <p:nvPr>
+            <p:extLst>
+              <p:ext uri="{D42A27DB-BD31-4B8C-83A1-F6EECF244321}">
+                <p14:modId xmlns:p14="http://schemas.microsoft.com/office/powerpoint/2010/main" val="482280150"/>
+              </p:ext>
+            </p:extLst>
+          </p:nvPr>
+        </p:nvGraphicFramePr>
+        <p:xfrm>
+          <a:off x="652184" y="3666476"/>
+          <a:ext cx="5040000" cy="2880000"/>
+        </p:xfrm>
+        <a:graphic>
+          <a:graphicData uri="http://schemas.openxmlformats.org/drawingml/2006/chart">
+            <c:chart xmlns:c="http://schemas.openxmlformats.org/drawingml/2006/chart" xmlns:r="http://schemas.openxmlformats.org/officeDocument/2006/relationships" r:id="rId4"/>
+          </a:graphicData>
+        </a:graphic>
+      </p:graphicFrame>
+      <p:graphicFrame>
+        <p:nvGraphicFramePr>
+          <p:cNvPr id="8" name="Chart 7">
+            <a:extLst>
+              <a:ext uri="{FF2B5EF4-FFF2-40B4-BE49-F238E27FC236}">
+                <a16:creationId xmlns:a16="http://schemas.microsoft.com/office/drawing/2014/main" id="{6C1EDB4F-09D8-474D-BDBA-62818D3EB204}"/>
+              </a:ext>
+            </a:extLst>
+          </p:cNvPr>
+          <p:cNvGraphicFramePr>
+            <a:graphicFrameLocks/>
+          </p:cNvGraphicFramePr>
+          <p:nvPr>
+            <p:extLst>
+              <p:ext uri="{D42A27DB-BD31-4B8C-83A1-F6EECF244321}">
+                <p14:modId xmlns:p14="http://schemas.microsoft.com/office/powerpoint/2010/main" val="3803367464"/>
+              </p:ext>
+            </p:extLst>
+          </p:nvPr>
+        </p:nvGraphicFramePr>
+        <p:xfrm>
+          <a:off x="6096000" y="3666476"/>
+          <a:ext cx="5040000" cy="2880000"/>
+        </p:xfrm>
+        <a:graphic>
+          <a:graphicData uri="http://schemas.openxmlformats.org/drawingml/2006/chart">
+            <c:chart xmlns:c="http://schemas.openxmlformats.org/drawingml/2006/chart" xmlns:r="http://schemas.openxmlformats.org/officeDocument/2006/relationships" r:id="rId5"/>
+          </a:graphicData>
+        </a:graphic>
+      </p:graphicFrame>
+    </p:spTree>
+    <p:extLst>
+      <p:ext uri="{BB962C8B-B14F-4D97-AF65-F5344CB8AC3E}">
+        <p14:creationId xmlns:p14="http://schemas.microsoft.com/office/powerpoint/2010/main" val="1334335068"/>
       </p:ext>
     </p:extLst>
   </p:cSld>
@@ -37692,9 +45774,10 @@
           <a:lstStyle/>
           <a:p>
             <a:r>
-              <a:rPr lang="en-IN" dirty="0"/>
+              <a:rPr lang="en-IN"/>
               <a:t>How to measure performance?</a:t>
             </a:r>
+            <a:endParaRPr lang="en-IN" dirty="0"/>
           </a:p>
         </p:txBody>
       </p:sp>
@@ -37970,7 +46053,7 @@
           <p:nvPr>
             <p:extLst>
               <p:ext uri="{D42A27DB-BD31-4B8C-83A1-F6EECF244321}">
-                <p14:modId xmlns:p14="http://schemas.microsoft.com/office/powerpoint/2010/main" val="2153391977"/>
+                <p14:modId xmlns:p14="http://schemas.microsoft.com/office/powerpoint/2010/main" val="2496203090"/>
               </p:ext>
             </p:extLst>
           </p:nvPr>
